--- a/데이터분석은위대하다.pptx
+++ b/데이터분석은위대하다.pptx
@@ -15,10 +15,10 @@
     <p:sldId id="270" r:id="rId6"/>
     <p:sldId id="271" r:id="rId7"/>
     <p:sldId id="275" r:id="rId8"/>
-    <p:sldId id="276" r:id="rId9"/>
-    <p:sldId id="277" r:id="rId10"/>
-    <p:sldId id="274" r:id="rId11"/>
-    <p:sldId id="272" r:id="rId12"/>
+    <p:sldId id="272" r:id="rId9"/>
+    <p:sldId id="279" r:id="rId10"/>
+    <p:sldId id="280" r:id="rId11"/>
+    <p:sldId id="281" r:id="rId12"/>
     <p:sldId id="263" r:id="rId13"/>
     <p:sldId id="264" r:id="rId14"/>
     <p:sldId id="265" r:id="rId15"/>
@@ -31,12 +31,12 @@
   <p:notesSz cx="6858000" cy="9144000"/>
   <p:embeddedFontLst>
     <p:embeddedFont>
-      <p:font typeface="메이플스토리" panose="02000300000000000000" pitchFamily="2" charset="-127"/>
+      <p:font typeface="맑은 고딕" panose="020B0503020000020004" pitchFamily="50" charset="-127"/>
       <p:regular r:id="rId21"/>
       <p:bold r:id="rId22"/>
     </p:embeddedFont>
     <p:embeddedFont>
-      <p:font typeface="맑은 고딕" panose="020B0503020000020004" pitchFamily="50" charset="-127"/>
+      <p:font typeface="메이플스토리" panose="02000300000000000000" pitchFamily="2" charset="-127"/>
       <p:regular r:id="rId23"/>
       <p:bold r:id="rId24"/>
     </p:embeddedFont>
@@ -226,7 +226,7 @@
           <a:p>
             <a:fld id="{17FB36FB-C10C-479A-9DFD-15DEB134881C}" type="datetimeFigureOut">
               <a:rPr lang="ko-KR" altLang="en-US" smtClean="0"/>
-              <a:t>2021-09-09</a:t>
+              <a:t>2021-09-10</a:t>
             </a:fld>
             <a:endParaRPr lang="ko-KR" altLang="en-US"/>
           </a:p>
@@ -1223,8 +1223,25 @@
                 <a:latin typeface="메이플스토리" panose="02000300000000000000" pitchFamily="2" charset="-127"/>
                 <a:ea typeface="메이플스토리" panose="02000300000000000000" pitchFamily="2" charset="-127"/>
               </a:rPr>
-              <a:t>사고뭉치 부서를 찾아라</a:t>
-            </a:r>
+              <a:t>이직률이 높은 집단은</a:t>
+            </a:r>
+            <a:r>
+              <a:rPr lang="en-US" altLang="ko-KR" sz="3200" spc="-150" dirty="0">
+                <a:solidFill>
+                  <a:srgbClr val="00002F"/>
+                </a:solidFill>
+                <a:latin typeface="메이플스토리" panose="02000300000000000000" pitchFamily="2" charset="-127"/>
+                <a:ea typeface="메이플스토리" panose="02000300000000000000" pitchFamily="2" charset="-127"/>
+              </a:rPr>
+              <a:t>?</a:t>
+            </a:r>
+            <a:endParaRPr lang="ko-KR" altLang="en-US" sz="3200" spc="-150" dirty="0">
+              <a:solidFill>
+                <a:srgbClr val="00002F"/>
+              </a:solidFill>
+              <a:latin typeface="메이플스토리" panose="02000300000000000000" pitchFamily="2" charset="-127"/>
+              <a:ea typeface="메이플스토리" panose="02000300000000000000" pitchFamily="2" charset="-127"/>
+            </a:endParaRPr>
           </a:p>
         </p:txBody>
       </p:sp>
@@ -1236,8 +1253,8 @@
         </p:nvSpPr>
         <p:spPr>
           <a:xfrm>
-            <a:off x="489997" y="498947"/>
-            <a:ext cx="545341" cy="461665"/>
+            <a:off x="462745" y="498947"/>
+            <a:ext cx="599844" cy="461665"/>
           </a:xfrm>
           <a:prstGeom prst="rect">
             <a:avLst/>
@@ -1259,7 +1276,7 @@
                 <a:latin typeface="메이플스토리" panose="02000300000000000000" pitchFamily="2" charset="-127"/>
                 <a:ea typeface="메이플스토리" panose="02000300000000000000" pitchFamily="2" charset="-127"/>
               </a:rPr>
-              <a:t>01.</a:t>
+              <a:t>02.</a:t>
             </a:r>
             <a:endParaRPr lang="ko-KR" altLang="en-US" sz="2400" spc="-150" dirty="0">
               <a:solidFill>
@@ -1478,15 +1495,50 @@
                 <a:latin typeface="메이플스토리" panose="02000300000000000000" pitchFamily="2" charset="-127"/>
                 <a:ea typeface="메이플스토리" panose="02000300000000000000" pitchFamily="2" charset="-127"/>
               </a:rPr>
-              <a:t>부서 별 사고율</a:t>
+              <a:t>급여와 이직률의 관계</a:t>
             </a:r>
           </a:p>
         </p:txBody>
       </p:sp>
+      <p:pic>
+        <p:nvPicPr>
+          <p:cNvPr id="14" name="그림 13">
+            <a:extLst>
+              <a:ext uri="{FF2B5EF4-FFF2-40B4-BE49-F238E27FC236}">
+                <a16:creationId xmlns:a16="http://schemas.microsoft.com/office/drawing/2014/main" id="{91F03BA1-E22C-4C09-8545-543C5FCB6D60}"/>
+              </a:ext>
+            </a:extLst>
+          </p:cNvPr>
+          <p:cNvPicPr>
+            <a:picLocks noChangeAspect="1"/>
+          </p:cNvPicPr>
+          <p:nvPr/>
+        </p:nvPicPr>
+        <p:blipFill>
+          <a:blip r:embed="rId2">
+            <a:extLst>
+              <a:ext uri="{28A0092B-C50C-407E-A947-70E740481C1C}">
+                <a14:useLocalDpi xmlns:a14="http://schemas.microsoft.com/office/drawing/2010/main" val="0"/>
+              </a:ext>
+            </a:extLst>
+          </a:blip>
+          <a:srcRect/>
+          <a:stretch/>
+        </p:blipFill>
+        <p:spPr>
+          <a:xfrm>
+            <a:off x="1381311" y="1675079"/>
+            <a:ext cx="9430073" cy="4581843"/>
+          </a:xfrm>
+          <a:prstGeom prst="rect">
+            <a:avLst/>
+          </a:prstGeom>
+        </p:spPr>
+      </p:pic>
     </p:spTree>
     <p:extLst>
       <p:ext uri="{BB962C8B-B14F-4D97-AF65-F5344CB8AC3E}">
-        <p14:creationId xmlns:p14="http://schemas.microsoft.com/office/powerpoint/2010/main" val="1420444929"/>
+        <p14:creationId xmlns:p14="http://schemas.microsoft.com/office/powerpoint/2010/main" val="3700348252"/>
       </p:ext>
     </p:extLst>
   </p:cSld>
@@ -1513,16 +1565,53 @@
           <a:chExt cx="0" cy="0"/>
         </a:xfrm>
       </p:grpSpPr>
+      <p:cxnSp>
+        <p:nvCxnSpPr>
+          <p:cNvPr id="4" name="직선 연결선 3"/>
+          <p:cNvCxnSpPr/>
+          <p:nvPr/>
+        </p:nvCxnSpPr>
+        <p:spPr>
+          <a:xfrm>
+            <a:off x="1026522" y="989148"/>
+            <a:ext cx="2160000" cy="0"/>
+          </a:xfrm>
+          <a:prstGeom prst="line">
+            <a:avLst/>
+          </a:prstGeom>
+          <a:ln>
+            <a:solidFill>
+              <a:schemeClr val="bg1">
+                <a:lumMod val="50000"/>
+              </a:schemeClr>
+            </a:solidFill>
+          </a:ln>
+        </p:spPr>
+        <p:style>
+          <a:lnRef idx="1">
+            <a:schemeClr val="accent1"/>
+          </a:lnRef>
+          <a:fillRef idx="0">
+            <a:schemeClr val="accent1"/>
+          </a:fillRef>
+          <a:effectRef idx="0">
+            <a:schemeClr val="accent1"/>
+          </a:effectRef>
+          <a:fontRef idx="minor">
+            <a:schemeClr val="tx1"/>
+          </a:fontRef>
+        </p:style>
+      </p:cxnSp>
       <p:sp>
         <p:nvSpPr>
-          <p:cNvPr id="2" name="TextBox 1"/>
+          <p:cNvPr id="5" name="TextBox 4"/>
           <p:cNvSpPr txBox="1"/>
           <p:nvPr/>
         </p:nvSpPr>
         <p:spPr>
           <a:xfrm>
-            <a:off x="3634050" y="1727732"/>
-            <a:ext cx="832279" cy="769441"/>
+            <a:off x="973593" y="437393"/>
+            <a:ext cx="8985072" cy="584775"/>
           </a:xfrm>
           <a:prstGeom prst="rect">
             <a:avLst/>
@@ -1530,22 +1619,42 @@
           <a:noFill/>
         </p:spPr>
         <p:txBody>
-          <a:bodyPr wrap="none" rtlCol="0">
+          <a:bodyPr wrap="square" rtlCol="0">
             <a:spAutoFit/>
           </a:bodyPr>
           <a:lstStyle/>
           <a:p>
             <a:r>
-              <a:rPr lang="en-US" altLang="ko-KR" sz="4400" spc="-300" dirty="0">
+              <a:rPr lang="en-US" altLang="ko-KR" sz="3200" spc="-150" dirty="0">
                 <a:solidFill>
                   <a:srgbClr val="00002F"/>
                 </a:solidFill>
                 <a:latin typeface="메이플스토리" panose="02000300000000000000" pitchFamily="2" charset="-127"/>
                 <a:ea typeface="메이플스토리" panose="02000300000000000000" pitchFamily="2" charset="-127"/>
               </a:rPr>
-              <a:t>02</a:t>
-            </a:r>
-            <a:endParaRPr lang="ko-KR" altLang="en-US" sz="4400" spc="-300" dirty="0">
+              <a:t>CONTENTS – </a:t>
+            </a:r>
+            <a:r>
+              <a:rPr lang="ko-KR" altLang="en-US" sz="3200" spc="-150" dirty="0">
+                <a:solidFill>
+                  <a:srgbClr val="00002F"/>
+                </a:solidFill>
+                <a:latin typeface="메이플스토리" panose="02000300000000000000" pitchFamily="2" charset="-127"/>
+                <a:ea typeface="메이플스토리" panose="02000300000000000000" pitchFamily="2" charset="-127"/>
+              </a:rPr>
+              <a:t>이직률이 높은 집단은</a:t>
+            </a:r>
+            <a:r>
+              <a:rPr lang="en-US" altLang="ko-KR" sz="3200" spc="-150" dirty="0">
+                <a:solidFill>
+                  <a:srgbClr val="00002F"/>
+                </a:solidFill>
+                <a:latin typeface="메이플스토리" panose="02000300000000000000" pitchFamily="2" charset="-127"/>
+                <a:ea typeface="메이플스토리" panose="02000300000000000000" pitchFamily="2" charset="-127"/>
+              </a:rPr>
+              <a:t>?</a:t>
+            </a:r>
+            <a:endParaRPr lang="ko-KR" altLang="en-US" sz="3200" spc="-150" dirty="0">
               <a:solidFill>
                 <a:srgbClr val="00002F"/>
               </a:solidFill>
@@ -1557,73 +1666,376 @@
       </p:sp>
       <p:sp>
         <p:nvSpPr>
-          <p:cNvPr id="3" name="직사각형 2"/>
-          <p:cNvSpPr/>
+          <p:cNvPr id="12" name="TextBox 11"/>
+          <p:cNvSpPr txBox="1"/>
           <p:nvPr/>
         </p:nvSpPr>
         <p:spPr>
           <a:xfrm>
-            <a:off x="4000497" y="2497173"/>
-            <a:ext cx="4958943" cy="1276424"/>
+            <a:off x="462745" y="498947"/>
+            <a:ext cx="599844" cy="461665"/>
           </a:xfrm>
           <a:prstGeom prst="rect">
             <a:avLst/>
           </a:prstGeom>
-          <a:solidFill>
-            <a:srgbClr val="8DBABD"/>
-          </a:solidFill>
-          <a:ln>
-            <a:solidFill>
-              <a:srgbClr val="8DBABD"/>
-            </a:solidFill>
-          </a:ln>
-        </p:spPr>
-        <p:style>
-          <a:lnRef idx="2">
-            <a:schemeClr val="accent1">
-              <a:shade val="50000"/>
-            </a:schemeClr>
-          </a:lnRef>
-          <a:fillRef idx="1">
-            <a:schemeClr val="accent1"/>
-          </a:fillRef>
-          <a:effectRef idx="0">
-            <a:schemeClr val="accent1"/>
-          </a:effectRef>
-          <a:fontRef idx="minor">
-            <a:schemeClr val="lt1"/>
-          </a:fontRef>
-        </p:style>
+          <a:noFill/>
+        </p:spPr>
         <p:txBody>
-          <a:bodyPr rtlCol="0" anchor="ctr"/>
+          <a:bodyPr wrap="none" rtlCol="0">
+            <a:spAutoFit/>
+          </a:bodyPr>
           <a:lstStyle/>
           <a:p>
             <a:pPr algn="ctr"/>
             <a:r>
-              <a:rPr lang="ko-KR" altLang="en-US" sz="3600" dirty="0">
-                <a:latin typeface="메이플스토리" panose="02000300000000000000" pitchFamily="2" charset="-127"/>
-                <a:ea typeface="메이플스토리" panose="02000300000000000000" pitchFamily="2" charset="-127"/>
-              </a:rPr>
-              <a:t>사고뭉치 부서는 어디인가</a:t>
-            </a:r>
-            <a:r>
-              <a:rPr lang="en-US" altLang="ko-KR" sz="3600" dirty="0">
-                <a:latin typeface="메이플스토리" panose="02000300000000000000" pitchFamily="2" charset="-127"/>
-                <a:ea typeface="메이플스토리" panose="02000300000000000000" pitchFamily="2" charset="-127"/>
-              </a:rPr>
-              <a:t>?</a:t>
-            </a:r>
-            <a:endParaRPr lang="ko-KR" altLang="en-US" sz="3600" dirty="0">
+              <a:rPr lang="en-US" altLang="ko-KR" sz="2400" spc="-150" dirty="0">
+                <a:solidFill>
+                  <a:srgbClr val="00002F"/>
+                </a:solidFill>
+                <a:latin typeface="메이플스토리" panose="02000300000000000000" pitchFamily="2" charset="-127"/>
+                <a:ea typeface="메이플스토리" panose="02000300000000000000" pitchFamily="2" charset="-127"/>
+              </a:rPr>
+              <a:t>02.</a:t>
+            </a:r>
+            <a:endParaRPr lang="ko-KR" altLang="en-US" sz="2400" spc="-150" dirty="0">
+              <a:solidFill>
+                <a:srgbClr val="00002F"/>
+              </a:solidFill>
               <a:latin typeface="메이플스토리" panose="02000300000000000000" pitchFamily="2" charset="-127"/>
               <a:ea typeface="메이플스토리" panose="02000300000000000000" pitchFamily="2" charset="-127"/>
             </a:endParaRPr>
           </a:p>
         </p:txBody>
       </p:sp>
+      <p:cxnSp>
+        <p:nvCxnSpPr>
+          <p:cNvPr id="7" name="직선 연결선 6"/>
+          <p:cNvCxnSpPr/>
+          <p:nvPr/>
+        </p:nvCxnSpPr>
+        <p:spPr>
+          <a:xfrm>
+            <a:off x="10430892" y="144941"/>
+            <a:ext cx="360000" cy="0"/>
+          </a:xfrm>
+          <a:prstGeom prst="line">
+            <a:avLst/>
+          </a:prstGeom>
+          <a:ln w="44450" cap="rnd">
+            <a:solidFill>
+              <a:srgbClr val="8DBABD"/>
+            </a:solidFill>
+          </a:ln>
+          <a:effectLst>
+            <a:outerShdw blurRad="50800" dist="38100" dir="5400000" algn="t" rotWithShape="0">
+              <a:prstClr val="black">
+                <a:alpha val="40000"/>
+              </a:prstClr>
+            </a:outerShdw>
+          </a:effectLst>
+        </p:spPr>
+        <p:style>
+          <a:lnRef idx="1">
+            <a:schemeClr val="accent1"/>
+          </a:lnRef>
+          <a:fillRef idx="0">
+            <a:schemeClr val="accent1"/>
+          </a:fillRef>
+          <a:effectRef idx="0">
+            <a:schemeClr val="accent1"/>
+          </a:effectRef>
+          <a:fontRef idx="minor">
+            <a:schemeClr val="tx1"/>
+          </a:fontRef>
+        </p:style>
+      </p:cxnSp>
+      <p:cxnSp>
+        <p:nvCxnSpPr>
+          <p:cNvPr id="8" name="직선 연결선 7"/>
+          <p:cNvCxnSpPr/>
+          <p:nvPr/>
+        </p:nvCxnSpPr>
+        <p:spPr>
+          <a:xfrm>
+            <a:off x="10858459" y="144941"/>
+            <a:ext cx="360000" cy="0"/>
+          </a:xfrm>
+          <a:prstGeom prst="line">
+            <a:avLst/>
+          </a:prstGeom>
+          <a:ln w="44450" cap="rnd">
+            <a:solidFill>
+              <a:schemeClr val="bg2">
+                <a:lumMod val="90000"/>
+              </a:schemeClr>
+            </a:solidFill>
+          </a:ln>
+          <a:effectLst>
+            <a:outerShdw blurRad="50800" dist="38100" dir="5400000" algn="t" rotWithShape="0">
+              <a:prstClr val="black">
+                <a:alpha val="40000"/>
+              </a:prstClr>
+            </a:outerShdw>
+          </a:effectLst>
+        </p:spPr>
+        <p:style>
+          <a:lnRef idx="1">
+            <a:schemeClr val="accent1"/>
+          </a:lnRef>
+          <a:fillRef idx="0">
+            <a:schemeClr val="accent1"/>
+          </a:fillRef>
+          <a:effectRef idx="0">
+            <a:schemeClr val="accent1"/>
+          </a:effectRef>
+          <a:fontRef idx="minor">
+            <a:schemeClr val="tx1"/>
+          </a:fontRef>
+        </p:style>
+      </p:cxnSp>
+      <p:cxnSp>
+        <p:nvCxnSpPr>
+          <p:cNvPr id="9" name="직선 연결선 8"/>
+          <p:cNvCxnSpPr/>
+          <p:nvPr/>
+        </p:nvCxnSpPr>
+        <p:spPr>
+          <a:xfrm>
+            <a:off x="11286026" y="144941"/>
+            <a:ext cx="360000" cy="0"/>
+          </a:xfrm>
+          <a:prstGeom prst="line">
+            <a:avLst/>
+          </a:prstGeom>
+          <a:ln w="44450" cap="rnd">
+            <a:solidFill>
+              <a:schemeClr val="bg2">
+                <a:lumMod val="90000"/>
+              </a:schemeClr>
+            </a:solidFill>
+          </a:ln>
+          <a:effectLst>
+            <a:outerShdw blurRad="50800" dist="38100" dir="5400000" algn="t" rotWithShape="0">
+              <a:prstClr val="black">
+                <a:alpha val="40000"/>
+              </a:prstClr>
+            </a:outerShdw>
+          </a:effectLst>
+        </p:spPr>
+        <p:style>
+          <a:lnRef idx="1">
+            <a:schemeClr val="accent1"/>
+          </a:lnRef>
+          <a:fillRef idx="0">
+            <a:schemeClr val="accent1"/>
+          </a:fillRef>
+          <a:effectRef idx="0">
+            <a:schemeClr val="accent1"/>
+          </a:effectRef>
+          <a:fontRef idx="minor">
+            <a:schemeClr val="tx1"/>
+          </a:fontRef>
+        </p:style>
+      </p:cxnSp>
+      <p:cxnSp>
+        <p:nvCxnSpPr>
+          <p:cNvPr id="10" name="직선 연결선 9"/>
+          <p:cNvCxnSpPr/>
+          <p:nvPr/>
+        </p:nvCxnSpPr>
+        <p:spPr>
+          <a:xfrm>
+            <a:off x="11713592" y="144941"/>
+            <a:ext cx="360000" cy="0"/>
+          </a:xfrm>
+          <a:prstGeom prst="line">
+            <a:avLst/>
+          </a:prstGeom>
+          <a:ln w="44450" cap="rnd">
+            <a:solidFill>
+              <a:schemeClr val="bg2">
+                <a:lumMod val="90000"/>
+              </a:schemeClr>
+            </a:solidFill>
+          </a:ln>
+          <a:effectLst>
+            <a:outerShdw blurRad="50800" dist="38100" dir="5400000" algn="t" rotWithShape="0">
+              <a:prstClr val="black">
+                <a:alpha val="40000"/>
+              </a:prstClr>
+            </a:outerShdw>
+          </a:effectLst>
+        </p:spPr>
+        <p:style>
+          <a:lnRef idx="1">
+            <a:schemeClr val="accent1"/>
+          </a:lnRef>
+          <a:fillRef idx="0">
+            <a:schemeClr val="accent1"/>
+          </a:fillRef>
+          <a:effectRef idx="0">
+            <a:schemeClr val="accent1"/>
+          </a:effectRef>
+          <a:fontRef idx="minor">
+            <a:schemeClr val="tx1"/>
+          </a:fontRef>
+        </p:style>
+      </p:cxnSp>
+      <p:sp>
+        <p:nvSpPr>
+          <p:cNvPr id="13" name="TextBox 12"/>
+          <p:cNvSpPr txBox="1"/>
+          <p:nvPr/>
+        </p:nvSpPr>
+        <p:spPr>
+          <a:xfrm>
+            <a:off x="776392" y="1006929"/>
+            <a:ext cx="8820614" cy="400110"/>
+          </a:xfrm>
+          <a:prstGeom prst="rect">
+            <a:avLst/>
+          </a:prstGeom>
+          <a:noFill/>
+        </p:spPr>
+        <p:txBody>
+          <a:bodyPr wrap="square" rtlCol="0">
+            <a:spAutoFit/>
+          </a:bodyPr>
+          <a:lstStyle/>
+          <a:p>
+            <a:r>
+              <a:rPr lang="ko-KR" altLang="en-US" sz="2000" spc="-150" dirty="0">
+                <a:solidFill>
+                  <a:srgbClr val="00002F"/>
+                </a:solidFill>
+                <a:highlight>
+                  <a:srgbClr val="C0C0C0"/>
+                </a:highlight>
+                <a:latin typeface="메이플스토리" panose="02000300000000000000" pitchFamily="2" charset="-127"/>
+                <a:ea typeface="메이플스토리" panose="02000300000000000000" pitchFamily="2" charset="-127"/>
+              </a:rPr>
+              <a:t>연차 별  급여</a:t>
+            </a:r>
+            <a:r>
+              <a:rPr lang="en-US" altLang="ko-KR" sz="2000" spc="-150" dirty="0">
+                <a:solidFill>
+                  <a:srgbClr val="00002F"/>
+                </a:solidFill>
+                <a:highlight>
+                  <a:srgbClr val="C0C0C0"/>
+                </a:highlight>
+                <a:latin typeface="메이플스토리" panose="02000300000000000000" pitchFamily="2" charset="-127"/>
+                <a:ea typeface="메이플스토리" panose="02000300000000000000" pitchFamily="2" charset="-127"/>
+              </a:rPr>
+              <a:t>(low,</a:t>
+            </a:r>
+            <a:r>
+              <a:rPr lang="ko-KR" altLang="en-US" sz="2000" spc="-150" dirty="0">
+                <a:solidFill>
+                  <a:srgbClr val="00002F"/>
+                </a:solidFill>
+                <a:highlight>
+                  <a:srgbClr val="C0C0C0"/>
+                </a:highlight>
+                <a:latin typeface="메이플스토리" panose="02000300000000000000" pitchFamily="2" charset="-127"/>
+                <a:ea typeface="메이플스토리" panose="02000300000000000000" pitchFamily="2" charset="-127"/>
+              </a:rPr>
+              <a:t> </a:t>
+            </a:r>
+            <a:r>
+              <a:rPr lang="en-US" altLang="ko-KR" sz="2000" spc="-150" dirty="0">
+                <a:solidFill>
+                  <a:srgbClr val="00002F"/>
+                </a:solidFill>
+                <a:highlight>
+                  <a:srgbClr val="C0C0C0"/>
+                </a:highlight>
+                <a:latin typeface="메이플스토리" panose="02000300000000000000" pitchFamily="2" charset="-127"/>
+                <a:ea typeface="메이플스토리" panose="02000300000000000000" pitchFamily="2" charset="-127"/>
+              </a:rPr>
+              <a:t>medium,</a:t>
+            </a:r>
+            <a:r>
+              <a:rPr lang="ko-KR" altLang="en-US" sz="2000" spc="-150" dirty="0">
+                <a:solidFill>
+                  <a:srgbClr val="00002F"/>
+                </a:solidFill>
+                <a:highlight>
+                  <a:srgbClr val="C0C0C0"/>
+                </a:highlight>
+                <a:latin typeface="메이플스토리" panose="02000300000000000000" pitchFamily="2" charset="-127"/>
+                <a:ea typeface="메이플스토리" panose="02000300000000000000" pitchFamily="2" charset="-127"/>
+              </a:rPr>
+              <a:t> </a:t>
+            </a:r>
+            <a:r>
+              <a:rPr lang="en-US" altLang="ko-KR" sz="2000" spc="-150" dirty="0">
+                <a:solidFill>
+                  <a:srgbClr val="00002F"/>
+                </a:solidFill>
+                <a:highlight>
+                  <a:srgbClr val="C0C0C0"/>
+                </a:highlight>
+                <a:latin typeface="메이플스토리" panose="02000300000000000000" pitchFamily="2" charset="-127"/>
+                <a:ea typeface="메이플스토리" panose="02000300000000000000" pitchFamily="2" charset="-127"/>
+              </a:rPr>
+              <a:t>high)</a:t>
+            </a:r>
+            <a:r>
+              <a:rPr lang="ko-KR" altLang="en-US" sz="2000" spc="-150" dirty="0">
+                <a:solidFill>
+                  <a:srgbClr val="00002F"/>
+                </a:solidFill>
+                <a:highlight>
+                  <a:srgbClr val="C0C0C0"/>
+                </a:highlight>
+                <a:latin typeface="메이플스토리" panose="02000300000000000000" pitchFamily="2" charset="-127"/>
+                <a:ea typeface="메이플스토리" panose="02000300000000000000" pitchFamily="2" charset="-127"/>
+              </a:rPr>
+              <a:t> 비율</a:t>
+            </a:r>
+          </a:p>
+        </p:txBody>
+      </p:sp>
+      <p:pic>
+        <p:nvPicPr>
+          <p:cNvPr id="14" name="그림 13">
+            <a:extLst>
+              <a:ext uri="{FF2B5EF4-FFF2-40B4-BE49-F238E27FC236}">
+                <a16:creationId xmlns:a16="http://schemas.microsoft.com/office/drawing/2014/main" id="{91F03BA1-E22C-4C09-8545-543C5FCB6D60}"/>
+              </a:ext>
+            </a:extLst>
+          </p:cNvPr>
+          <p:cNvPicPr>
+            <a:picLocks noChangeAspect="1"/>
+          </p:cNvPicPr>
+          <p:nvPr/>
+        </p:nvPicPr>
+        <p:blipFill>
+          <a:blip r:embed="rId2">
+            <a:extLst>
+              <a:ext uri="{28A0092B-C50C-407E-A947-70E740481C1C}">
+                <a14:useLocalDpi xmlns:a14="http://schemas.microsoft.com/office/drawing/2010/main" val="0"/>
+              </a:ext>
+            </a:extLst>
+          </a:blip>
+          <a:srcRect/>
+          <a:stretch/>
+        </p:blipFill>
+        <p:spPr>
+          <a:xfrm>
+            <a:off x="2430043" y="1658301"/>
+            <a:ext cx="7332608" cy="4581844"/>
+          </a:xfrm>
+          <a:prstGeom prst="rect">
+            <a:avLst/>
+          </a:prstGeom>
+        </p:spPr>
+      </p:pic>
     </p:spTree>
     <p:extLst>
       <p:ext uri="{BB962C8B-B14F-4D97-AF65-F5344CB8AC3E}">
-        <p14:creationId xmlns:p14="http://schemas.microsoft.com/office/powerpoint/2010/main" val="1891487867"/>
+        <p14:creationId xmlns:p14="http://schemas.microsoft.com/office/powerpoint/2010/main" val="1816670706"/>
       </p:ext>
     </p:extLst>
   </p:cSld>
@@ -6884,98 +7296,16 @@
           <a:chExt cx="0" cy="0"/>
         </a:xfrm>
       </p:grpSpPr>
-      <p:cxnSp>
-        <p:nvCxnSpPr>
-          <p:cNvPr id="4" name="직선 연결선 3"/>
-          <p:cNvCxnSpPr/>
-          <p:nvPr/>
-        </p:nvCxnSpPr>
-        <p:spPr>
-          <a:xfrm>
-            <a:off x="1026522" y="989148"/>
-            <a:ext cx="2160000" cy="0"/>
-          </a:xfrm>
-          <a:prstGeom prst="line">
-            <a:avLst/>
-          </a:prstGeom>
-          <a:ln>
-            <a:solidFill>
-              <a:schemeClr val="bg1">
-                <a:lumMod val="50000"/>
-              </a:schemeClr>
-            </a:solidFill>
-          </a:ln>
-        </p:spPr>
-        <p:style>
-          <a:lnRef idx="1">
-            <a:schemeClr val="accent1"/>
-          </a:lnRef>
-          <a:fillRef idx="0">
-            <a:schemeClr val="accent1"/>
-          </a:fillRef>
-          <a:effectRef idx="0">
-            <a:schemeClr val="accent1"/>
-          </a:effectRef>
-          <a:fontRef idx="minor">
-            <a:schemeClr val="tx1"/>
-          </a:fontRef>
-        </p:style>
-      </p:cxnSp>
       <p:sp>
         <p:nvSpPr>
-          <p:cNvPr id="5" name="TextBox 4"/>
+          <p:cNvPr id="2" name="TextBox 1"/>
           <p:cNvSpPr txBox="1"/>
           <p:nvPr/>
         </p:nvSpPr>
         <p:spPr>
           <a:xfrm>
-            <a:off x="973593" y="437393"/>
-            <a:ext cx="8985072" cy="584775"/>
-          </a:xfrm>
-          <a:prstGeom prst="rect">
-            <a:avLst/>
-          </a:prstGeom>
-          <a:noFill/>
-        </p:spPr>
-        <p:txBody>
-          <a:bodyPr wrap="square" rtlCol="0">
-            <a:spAutoFit/>
-          </a:bodyPr>
-          <a:lstStyle/>
-          <a:p>
-            <a:r>
-              <a:rPr lang="en-US" altLang="ko-KR" sz="3200" spc="-150" dirty="0">
-                <a:solidFill>
-                  <a:srgbClr val="00002F"/>
-                </a:solidFill>
-                <a:latin typeface="메이플스토리" panose="02000300000000000000" pitchFamily="2" charset="-127"/>
-                <a:ea typeface="메이플스토리" panose="02000300000000000000" pitchFamily="2" charset="-127"/>
-              </a:rPr>
-              <a:t>CONTENTS – </a:t>
-            </a:r>
-            <a:r>
-              <a:rPr lang="ko-KR" altLang="en-US" sz="3200" spc="-150" dirty="0">
-                <a:solidFill>
-                  <a:srgbClr val="00002F"/>
-                </a:solidFill>
-                <a:latin typeface="메이플스토리" panose="02000300000000000000" pitchFamily="2" charset="-127"/>
-                <a:ea typeface="메이플스토리" panose="02000300000000000000" pitchFamily="2" charset="-127"/>
-              </a:rPr>
-              <a:t>이직의 원인과 현재상황</a:t>
-            </a:r>
-          </a:p>
-        </p:txBody>
-      </p:sp>
-      <p:sp>
-        <p:nvSpPr>
-          <p:cNvPr id="12" name="TextBox 11"/>
-          <p:cNvSpPr txBox="1"/>
-          <p:nvPr/>
-        </p:nvSpPr>
-        <p:spPr>
-          <a:xfrm>
-            <a:off x="462745" y="498947"/>
-            <a:ext cx="599844" cy="461665"/>
+            <a:off x="3634050" y="1727732"/>
+            <a:ext cx="832279" cy="769441"/>
           </a:xfrm>
           <a:prstGeom prst="rect">
             <a:avLst/>
@@ -6988,18 +7318,17 @@
           </a:bodyPr>
           <a:lstStyle/>
           <a:p>
-            <a:pPr algn="ctr"/>
-            <a:r>
-              <a:rPr lang="en-US" altLang="ko-KR" sz="2400" spc="-150" dirty="0">
+            <a:r>
+              <a:rPr lang="en-US" altLang="ko-KR" sz="4400" spc="-300" dirty="0">
                 <a:solidFill>
                   <a:srgbClr val="00002F"/>
                 </a:solidFill>
                 <a:latin typeface="메이플스토리" panose="02000300000000000000" pitchFamily="2" charset="-127"/>
                 <a:ea typeface="메이플스토리" panose="02000300000000000000" pitchFamily="2" charset="-127"/>
               </a:rPr>
-              <a:t>02.</a:t>
-            </a:r>
-            <a:endParaRPr lang="ko-KR" altLang="en-US" sz="2400" spc="-150" dirty="0">
+              <a:t>02</a:t>
+            </a:r>
+            <a:endParaRPr lang="ko-KR" altLang="en-US" sz="4400" spc="-300" dirty="0">
               <a:solidFill>
                 <a:srgbClr val="00002F"/>
               </a:solidFill>
@@ -7009,306 +7338,96 @@
           </a:p>
         </p:txBody>
       </p:sp>
-      <p:cxnSp>
-        <p:nvCxnSpPr>
-          <p:cNvPr id="7" name="직선 연결선 6"/>
-          <p:cNvCxnSpPr/>
-          <p:nvPr/>
-        </p:nvCxnSpPr>
-        <p:spPr>
-          <a:xfrm>
-            <a:off x="10430892" y="144941"/>
-            <a:ext cx="360000" cy="0"/>
-          </a:xfrm>
-          <a:prstGeom prst="line">
-            <a:avLst/>
-          </a:prstGeom>
-          <a:ln w="44450" cap="rnd">
+      <p:sp>
+        <p:nvSpPr>
+          <p:cNvPr id="3" name="직사각형 2"/>
+          <p:cNvSpPr/>
+          <p:nvPr/>
+        </p:nvSpPr>
+        <p:spPr>
+          <a:xfrm>
+            <a:off x="4000497" y="2497173"/>
+            <a:ext cx="4958943" cy="1276424"/>
+          </a:xfrm>
+          <a:prstGeom prst="rect">
+            <a:avLst/>
+          </a:prstGeom>
+          <a:solidFill>
+            <a:srgbClr val="8DBABD"/>
+          </a:solidFill>
+          <a:ln>
             <a:solidFill>
               <a:srgbClr val="8DBABD"/>
             </a:solidFill>
           </a:ln>
-          <a:effectLst>
-            <a:outerShdw blurRad="50800" dist="38100" dir="5400000" algn="t" rotWithShape="0">
-              <a:prstClr val="black">
-                <a:alpha val="40000"/>
-              </a:prstClr>
-            </a:outerShdw>
-          </a:effectLst>
         </p:spPr>
         <p:style>
-          <a:lnRef idx="1">
-            <a:schemeClr val="accent1"/>
+          <a:lnRef idx="2">
+            <a:schemeClr val="accent1">
+              <a:shade val="50000"/>
+            </a:schemeClr>
           </a:lnRef>
-          <a:fillRef idx="0">
+          <a:fillRef idx="1">
             <a:schemeClr val="accent1"/>
           </a:fillRef>
           <a:effectRef idx="0">
             <a:schemeClr val="accent1"/>
           </a:effectRef>
           <a:fontRef idx="minor">
-            <a:schemeClr val="tx1"/>
+            <a:schemeClr val="lt1"/>
           </a:fontRef>
         </p:style>
-      </p:cxnSp>
-      <p:cxnSp>
-        <p:nvCxnSpPr>
-          <p:cNvPr id="8" name="직선 연결선 7"/>
-          <p:cNvCxnSpPr/>
-          <p:nvPr/>
-        </p:nvCxnSpPr>
-        <p:spPr>
-          <a:xfrm>
-            <a:off x="10858459" y="144941"/>
-            <a:ext cx="360000" cy="0"/>
-          </a:xfrm>
-          <a:prstGeom prst="line">
-            <a:avLst/>
-          </a:prstGeom>
-          <a:ln w="44450" cap="rnd">
-            <a:solidFill>
-              <a:schemeClr val="bg2">
-                <a:lumMod val="90000"/>
-              </a:schemeClr>
-            </a:solidFill>
-          </a:ln>
-          <a:effectLst>
-            <a:outerShdw blurRad="50800" dist="38100" dir="5400000" algn="t" rotWithShape="0">
-              <a:prstClr val="black">
-                <a:alpha val="40000"/>
-              </a:prstClr>
-            </a:outerShdw>
-          </a:effectLst>
-        </p:spPr>
-        <p:style>
-          <a:lnRef idx="1">
-            <a:schemeClr val="accent1"/>
-          </a:lnRef>
-          <a:fillRef idx="0">
-            <a:schemeClr val="accent1"/>
-          </a:fillRef>
-          <a:effectRef idx="0">
-            <a:schemeClr val="accent1"/>
-          </a:effectRef>
-          <a:fontRef idx="minor">
-            <a:schemeClr val="tx1"/>
-          </a:fontRef>
-        </p:style>
-      </p:cxnSp>
-      <p:cxnSp>
-        <p:nvCxnSpPr>
-          <p:cNvPr id="9" name="직선 연결선 8"/>
-          <p:cNvCxnSpPr/>
-          <p:nvPr/>
-        </p:nvCxnSpPr>
-        <p:spPr>
-          <a:xfrm>
-            <a:off x="11286026" y="144941"/>
-            <a:ext cx="360000" cy="0"/>
-          </a:xfrm>
-          <a:prstGeom prst="line">
-            <a:avLst/>
-          </a:prstGeom>
-          <a:ln w="44450" cap="rnd">
-            <a:solidFill>
-              <a:schemeClr val="bg2">
-                <a:lumMod val="90000"/>
-              </a:schemeClr>
-            </a:solidFill>
-          </a:ln>
-          <a:effectLst>
-            <a:outerShdw blurRad="50800" dist="38100" dir="5400000" algn="t" rotWithShape="0">
-              <a:prstClr val="black">
-                <a:alpha val="40000"/>
-              </a:prstClr>
-            </a:outerShdw>
-          </a:effectLst>
-        </p:spPr>
-        <p:style>
-          <a:lnRef idx="1">
-            <a:schemeClr val="accent1"/>
-          </a:lnRef>
-          <a:fillRef idx="0">
-            <a:schemeClr val="accent1"/>
-          </a:fillRef>
-          <a:effectRef idx="0">
-            <a:schemeClr val="accent1"/>
-          </a:effectRef>
-          <a:fontRef idx="minor">
-            <a:schemeClr val="tx1"/>
-          </a:fontRef>
-        </p:style>
-      </p:cxnSp>
-      <p:cxnSp>
-        <p:nvCxnSpPr>
-          <p:cNvPr id="10" name="직선 연결선 9"/>
-          <p:cNvCxnSpPr/>
-          <p:nvPr/>
-        </p:nvCxnSpPr>
-        <p:spPr>
-          <a:xfrm>
-            <a:off x="11713592" y="144941"/>
-            <a:ext cx="360000" cy="0"/>
-          </a:xfrm>
-          <a:prstGeom prst="line">
-            <a:avLst/>
-          </a:prstGeom>
-          <a:ln w="44450" cap="rnd">
-            <a:solidFill>
-              <a:schemeClr val="bg2">
-                <a:lumMod val="90000"/>
-              </a:schemeClr>
-            </a:solidFill>
-          </a:ln>
-          <a:effectLst>
-            <a:outerShdw blurRad="50800" dist="38100" dir="5400000" algn="t" rotWithShape="0">
-              <a:prstClr val="black">
-                <a:alpha val="40000"/>
-              </a:prstClr>
-            </a:outerShdw>
-          </a:effectLst>
-        </p:spPr>
-        <p:style>
-          <a:lnRef idx="1">
-            <a:schemeClr val="accent1"/>
-          </a:lnRef>
-          <a:fillRef idx="0">
-            <a:schemeClr val="accent1"/>
-          </a:fillRef>
-          <a:effectRef idx="0">
-            <a:schemeClr val="accent1"/>
-          </a:effectRef>
-          <a:fontRef idx="minor">
-            <a:schemeClr val="tx1"/>
-          </a:fontRef>
-        </p:style>
-      </p:cxnSp>
-      <p:sp>
-        <p:nvSpPr>
-          <p:cNvPr id="13" name="TextBox 12"/>
-          <p:cNvSpPr txBox="1"/>
-          <p:nvPr/>
-        </p:nvSpPr>
-        <p:spPr>
-          <a:xfrm>
-            <a:off x="776392" y="1006929"/>
-            <a:ext cx="8820614" cy="400110"/>
-          </a:xfrm>
-          <a:prstGeom prst="rect">
-            <a:avLst/>
-          </a:prstGeom>
-          <a:noFill/>
-        </p:spPr>
         <p:txBody>
-          <a:bodyPr wrap="square" rtlCol="0">
-            <a:spAutoFit/>
-          </a:bodyPr>
+          <a:bodyPr rtlCol="0" anchor="ctr"/>
           <a:lstStyle/>
           <a:p>
-            <a:r>
-              <a:rPr lang="ko-KR" altLang="en-US" sz="2000" spc="-150" dirty="0">
-                <a:solidFill>
-                  <a:srgbClr val="00002F"/>
-                </a:solidFill>
-                <a:highlight>
-                  <a:srgbClr val="C0C0C0"/>
-                </a:highlight>
-                <a:latin typeface="메이플스토리" panose="02000300000000000000" pitchFamily="2" charset="-127"/>
-                <a:ea typeface="메이플스토리" panose="02000300000000000000" pitchFamily="2" charset="-127"/>
-              </a:rPr>
-              <a:t>부서 별 사고율과 연차의 관계 </a:t>
-            </a:r>
-            <a:r>
-              <a:rPr lang="en-US" altLang="ko-KR" sz="2000" spc="-150" dirty="0">
-                <a:solidFill>
-                  <a:srgbClr val="00002F"/>
-                </a:solidFill>
-                <a:highlight>
-                  <a:srgbClr val="C0C0C0"/>
-                </a:highlight>
-                <a:latin typeface="메이플스토리" panose="02000300000000000000" pitchFamily="2" charset="-127"/>
-                <a:ea typeface="메이플스토리" panose="02000300000000000000" pitchFamily="2" charset="-127"/>
-              </a:rPr>
-              <a:t>–  </a:t>
-            </a:r>
-            <a:r>
-              <a:rPr lang="ko-KR" altLang="en-US" sz="2000" spc="-150" dirty="0">
-                <a:solidFill>
-                  <a:srgbClr val="00002F"/>
-                </a:solidFill>
-                <a:highlight>
-                  <a:srgbClr val="C0C0C0"/>
-                </a:highlight>
-                <a:latin typeface="메이플스토리" panose="02000300000000000000" pitchFamily="2" charset="-127"/>
-                <a:ea typeface="메이플스토리" panose="02000300000000000000" pitchFamily="2" charset="-127"/>
-              </a:rPr>
-              <a:t>흠</a:t>
-            </a:r>
-            <a:r>
-              <a:rPr lang="en-US" altLang="ko-KR" sz="2000" spc="-150" dirty="0">
-                <a:solidFill>
-                  <a:srgbClr val="00002F"/>
-                </a:solidFill>
-                <a:highlight>
-                  <a:srgbClr val="C0C0C0"/>
-                </a:highlight>
-                <a:latin typeface="메이플스토리" panose="02000300000000000000" pitchFamily="2" charset="-127"/>
-                <a:ea typeface="메이플스토리" panose="02000300000000000000" pitchFamily="2" charset="-127"/>
-              </a:rPr>
-              <a:t>..</a:t>
-            </a:r>
-            <a:endParaRPr lang="ko-KR" altLang="en-US" sz="2000" spc="-150" dirty="0">
-              <a:solidFill>
-                <a:srgbClr val="00002F"/>
-              </a:solidFill>
-              <a:highlight>
-                <a:srgbClr val="C0C0C0"/>
-              </a:highlight>
+            <a:pPr algn="ctr"/>
+            <a:r>
+              <a:rPr lang="en-US" altLang="ko-KR" sz="3600" dirty="0">
+                <a:latin typeface="메이플스토리" panose="02000300000000000000" pitchFamily="2" charset="-127"/>
+                <a:ea typeface="메이플스토리" panose="02000300000000000000" pitchFamily="2" charset="-127"/>
+              </a:rPr>
+              <a:t>3</a:t>
+            </a:r>
+            <a:r>
+              <a:rPr lang="ko-KR" altLang="en-US" sz="3600" dirty="0" err="1">
+                <a:latin typeface="메이플스토리" panose="02000300000000000000" pitchFamily="2" charset="-127"/>
+                <a:ea typeface="메이플스토리" panose="02000300000000000000" pitchFamily="2" charset="-127"/>
+              </a:rPr>
+              <a:t>년차</a:t>
+            </a:r>
+            <a:r>
+              <a:rPr lang="en-US" altLang="ko-KR" sz="3600" dirty="0">
+                <a:latin typeface="메이플스토리" panose="02000300000000000000" pitchFamily="2" charset="-127"/>
+                <a:ea typeface="메이플스토리" panose="02000300000000000000" pitchFamily="2" charset="-127"/>
+              </a:rPr>
+              <a:t>,</a:t>
+            </a:r>
+            <a:r>
+              <a:rPr lang="ko-KR" altLang="en-US" sz="3600" dirty="0">
+                <a:latin typeface="메이플스토리" panose="02000300000000000000" pitchFamily="2" charset="-127"/>
+                <a:ea typeface="메이플스토리" panose="02000300000000000000" pitchFamily="2" charset="-127"/>
+              </a:rPr>
+              <a:t> 이직을 생각하다</a:t>
+            </a:r>
+            <a:r>
+              <a:rPr lang="en-US" altLang="ko-KR" sz="3600" dirty="0">
+                <a:latin typeface="메이플스토리" panose="02000300000000000000" pitchFamily="2" charset="-127"/>
+                <a:ea typeface="메이플스토리" panose="02000300000000000000" pitchFamily="2" charset="-127"/>
+              </a:rPr>
+              <a:t>.</a:t>
+            </a:r>
+            <a:endParaRPr lang="ko-KR" altLang="en-US" sz="3600" dirty="0">
               <a:latin typeface="메이플스토리" panose="02000300000000000000" pitchFamily="2" charset="-127"/>
               <a:ea typeface="메이플스토리" panose="02000300000000000000" pitchFamily="2" charset="-127"/>
             </a:endParaRPr>
           </a:p>
         </p:txBody>
       </p:sp>
-      <p:pic>
-        <p:nvPicPr>
-          <p:cNvPr id="14" name="그림 13">
-            <a:extLst>
-              <a:ext uri="{FF2B5EF4-FFF2-40B4-BE49-F238E27FC236}">
-                <a16:creationId xmlns:a16="http://schemas.microsoft.com/office/drawing/2014/main" id="{91F03BA1-E22C-4C09-8545-543C5FCB6D60}"/>
-              </a:ext>
-            </a:extLst>
-          </p:cNvPr>
-          <p:cNvPicPr>
-            <a:picLocks noChangeAspect="1"/>
-          </p:cNvPicPr>
-          <p:nvPr/>
-        </p:nvPicPr>
-        <p:blipFill>
-          <a:blip r:embed="rId2">
-            <a:extLst>
-              <a:ext uri="{28A0092B-C50C-407E-A947-70E740481C1C}">
-                <a14:useLocalDpi xmlns:a14="http://schemas.microsoft.com/office/drawing/2010/main" val="0"/>
-              </a:ext>
-            </a:extLst>
-          </a:blip>
-          <a:srcRect/>
-          <a:stretch/>
-        </p:blipFill>
-        <p:spPr>
-          <a:xfrm>
-            <a:off x="1381310" y="1658301"/>
-            <a:ext cx="9430075" cy="4581844"/>
-          </a:xfrm>
-          <a:prstGeom prst="rect">
-            <a:avLst/>
-          </a:prstGeom>
-        </p:spPr>
-      </p:pic>
     </p:spTree>
     <p:extLst>
       <p:ext uri="{BB962C8B-B14F-4D97-AF65-F5344CB8AC3E}">
-        <p14:creationId xmlns:p14="http://schemas.microsoft.com/office/powerpoint/2010/main" val="172935366"/>
+        <p14:creationId xmlns:p14="http://schemas.microsoft.com/office/powerpoint/2010/main" val="1891487867"/>
       </p:ext>
     </p:extLst>
   </p:cSld>
@@ -7412,8 +7531,25 @@
                 <a:latin typeface="메이플스토리" panose="02000300000000000000" pitchFamily="2" charset="-127"/>
                 <a:ea typeface="메이플스토리" panose="02000300000000000000" pitchFamily="2" charset="-127"/>
               </a:rPr>
-              <a:t>사고뭉치 부서를 찾아라</a:t>
-            </a:r>
+              <a:t>이직률이 높은 집단은</a:t>
+            </a:r>
+            <a:r>
+              <a:rPr lang="en-US" altLang="ko-KR" sz="3200" spc="-150" dirty="0">
+                <a:solidFill>
+                  <a:srgbClr val="00002F"/>
+                </a:solidFill>
+                <a:latin typeface="메이플스토리" panose="02000300000000000000" pitchFamily="2" charset="-127"/>
+                <a:ea typeface="메이플스토리" panose="02000300000000000000" pitchFamily="2" charset="-127"/>
+              </a:rPr>
+              <a:t>?</a:t>
+            </a:r>
+            <a:endParaRPr lang="ko-KR" altLang="en-US" sz="3200" spc="-150" dirty="0">
+              <a:solidFill>
+                <a:srgbClr val="00002F"/>
+              </a:solidFill>
+              <a:latin typeface="메이플스토리" panose="02000300000000000000" pitchFamily="2" charset="-127"/>
+              <a:ea typeface="메이플스토리" panose="02000300000000000000" pitchFamily="2" charset="-127"/>
+            </a:endParaRPr>
           </a:p>
         </p:txBody>
       </p:sp>
@@ -7425,8 +7561,8 @@
         </p:nvSpPr>
         <p:spPr>
           <a:xfrm>
-            <a:off x="489997" y="498947"/>
-            <a:ext cx="545341" cy="461665"/>
+            <a:off x="462745" y="498947"/>
+            <a:ext cx="599844" cy="461665"/>
           </a:xfrm>
           <a:prstGeom prst="rect">
             <a:avLst/>
@@ -7448,7 +7584,7 @@
                 <a:latin typeface="메이플스토리" panose="02000300000000000000" pitchFamily="2" charset="-127"/>
                 <a:ea typeface="메이플스토리" panose="02000300000000000000" pitchFamily="2" charset="-127"/>
               </a:rPr>
-              <a:t>01.</a:t>
+              <a:t>02.</a:t>
             </a:r>
             <a:endParaRPr lang="ko-KR" altLang="en-US" sz="2400" spc="-150" dirty="0">
               <a:solidFill>
@@ -7667,57 +7803,8 @@
                 <a:latin typeface="메이플스토리" panose="02000300000000000000" pitchFamily="2" charset="-127"/>
                 <a:ea typeface="메이플스토리" panose="02000300000000000000" pitchFamily="2" charset="-127"/>
               </a:rPr>
-              <a:t>부서 별 사고율과 평균 프로젝트 수 관계 </a:t>
-            </a:r>
-            <a:r>
-              <a:rPr lang="en-US" altLang="ko-KR" sz="2000" spc="-150" dirty="0">
-                <a:solidFill>
-                  <a:srgbClr val="00002F"/>
-                </a:solidFill>
-                <a:highlight>
-                  <a:srgbClr val="C0C0C0"/>
-                </a:highlight>
-                <a:latin typeface="메이플스토리" panose="02000300000000000000" pitchFamily="2" charset="-127"/>
-                <a:ea typeface="메이플스토리" panose="02000300000000000000" pitchFamily="2" charset="-127"/>
-              </a:rPr>
-              <a:t>–  </a:t>
-            </a:r>
-            <a:r>
-              <a:rPr lang="ko-KR" altLang="en-US" sz="2000" spc="-150" dirty="0">
-                <a:solidFill>
-                  <a:srgbClr val="00002F"/>
-                </a:solidFill>
-                <a:highlight>
-                  <a:srgbClr val="C0C0C0"/>
-                </a:highlight>
-                <a:latin typeface="메이플스토리" panose="02000300000000000000" pitchFamily="2" charset="-127"/>
-                <a:ea typeface="메이플스토리" panose="02000300000000000000" pitchFamily="2" charset="-127"/>
-              </a:rPr>
-              <a:t>흠</a:t>
-            </a:r>
-            <a:r>
-              <a:rPr lang="en-US" altLang="ko-KR" sz="2000" spc="-150" dirty="0">
-                <a:solidFill>
-                  <a:srgbClr val="00002F"/>
-                </a:solidFill>
-                <a:highlight>
-                  <a:srgbClr val="C0C0C0"/>
-                </a:highlight>
-                <a:latin typeface="메이플스토리" panose="02000300000000000000" pitchFamily="2" charset="-127"/>
-                <a:ea typeface="메이플스토리" panose="02000300000000000000" pitchFamily="2" charset="-127"/>
-              </a:rPr>
-              <a:t>..</a:t>
-            </a:r>
-            <a:endParaRPr lang="ko-KR" altLang="en-US" sz="2000" spc="-150" dirty="0">
-              <a:solidFill>
-                <a:srgbClr val="00002F"/>
-              </a:solidFill>
-              <a:highlight>
-                <a:srgbClr val="C0C0C0"/>
-              </a:highlight>
-              <a:latin typeface="메이플스토리" panose="02000300000000000000" pitchFamily="2" charset="-127"/>
-              <a:ea typeface="메이플스토리" panose="02000300000000000000" pitchFamily="2" charset="-127"/>
-            </a:endParaRPr>
+              <a:t>연차와 이직률의 관계</a:t>
+            </a:r>
           </a:p>
         </p:txBody>
       </p:sp>
@@ -7759,7 +7846,7 @@
     </p:spTree>
     <p:extLst>
       <p:ext uri="{BB962C8B-B14F-4D97-AF65-F5344CB8AC3E}">
-        <p14:creationId xmlns:p14="http://schemas.microsoft.com/office/powerpoint/2010/main" val="1417825549"/>
+        <p14:creationId xmlns:p14="http://schemas.microsoft.com/office/powerpoint/2010/main" val="602051695"/>
       </p:ext>
     </p:extLst>
   </p:cSld>

--- a/데이터분석은위대하다.pptx
+++ b/데이터분석은위대하다.pptx
@@ -5,12 +5,12 @@
     <p:sldMasterId id="2147483656" r:id="rId1"/>
   </p:sldMasterIdLst>
   <p:notesMasterIdLst>
-    <p:notesMasterId r:id="rId20"/>
+    <p:notesMasterId r:id="rId26"/>
   </p:notesMasterIdLst>
   <p:sldIdLst>
     <p:sldId id="257" r:id="rId2"/>
     <p:sldId id="260" r:id="rId3"/>
-    <p:sldId id="262" r:id="rId4"/>
+    <p:sldId id="283" r:id="rId4"/>
     <p:sldId id="261" r:id="rId5"/>
     <p:sldId id="270" r:id="rId6"/>
     <p:sldId id="271" r:id="rId7"/>
@@ -19,26 +19,32 @@
     <p:sldId id="279" r:id="rId10"/>
     <p:sldId id="280" r:id="rId11"/>
     <p:sldId id="281" r:id="rId12"/>
-    <p:sldId id="263" r:id="rId13"/>
-    <p:sldId id="264" r:id="rId14"/>
-    <p:sldId id="265" r:id="rId15"/>
-    <p:sldId id="266" r:id="rId16"/>
-    <p:sldId id="267" r:id="rId17"/>
-    <p:sldId id="268" r:id="rId18"/>
-    <p:sldId id="269" r:id="rId19"/>
+    <p:sldId id="284" r:id="rId13"/>
+    <p:sldId id="288" r:id="rId14"/>
+    <p:sldId id="285" r:id="rId15"/>
+    <p:sldId id="289" r:id="rId16"/>
+    <p:sldId id="286" r:id="rId17"/>
+    <p:sldId id="290" r:id="rId18"/>
+    <p:sldId id="297" r:id="rId19"/>
+    <p:sldId id="291" r:id="rId20"/>
+    <p:sldId id="287" r:id="rId21"/>
+    <p:sldId id="294" r:id="rId22"/>
+    <p:sldId id="296" r:id="rId23"/>
+    <p:sldId id="292" r:id="rId24"/>
+    <p:sldId id="269" r:id="rId25"/>
   </p:sldIdLst>
   <p:sldSz cx="12192000" cy="6858000"/>
   <p:notesSz cx="6858000" cy="9144000"/>
   <p:embeddedFontLst>
     <p:embeddedFont>
       <p:font typeface="맑은 고딕" panose="020B0503020000020004" pitchFamily="50" charset="-127"/>
-      <p:regular r:id="rId21"/>
-      <p:bold r:id="rId22"/>
+      <p:regular r:id="rId27"/>
+      <p:bold r:id="rId28"/>
     </p:embeddedFont>
     <p:embeddedFont>
       <p:font typeface="메이플스토리" panose="02000300000000000000" pitchFamily="2" charset="-127"/>
-      <p:regular r:id="rId23"/>
-      <p:bold r:id="rId24"/>
+      <p:regular r:id="rId29"/>
+      <p:bold r:id="rId30"/>
     </p:embeddedFont>
   </p:embeddedFontLst>
   <p:defaultTextStyle>
@@ -553,6 +559,36 @@
 </p:sldLayout>
 </file>
 
+<file path=ppt/slideLayouts/slideLayout3.xml><?xml version="1.0" encoding="utf-8"?>
+<p:sldLayout xmlns:a="http://schemas.openxmlformats.org/drawingml/2006/main" xmlns:r="http://schemas.openxmlformats.org/officeDocument/2006/relationships" xmlns:p="http://schemas.openxmlformats.org/presentationml/2006/main" userDrawn="1">
+  <p:cSld name="1_제목 슬라이드">
+    <p:spTree>
+      <p:nvGrpSpPr>
+        <p:cNvPr id="1" name=""/>
+        <p:cNvGrpSpPr/>
+        <p:nvPr/>
+      </p:nvGrpSpPr>
+      <p:grpSpPr>
+        <a:xfrm>
+          <a:off x="0" y="0"/>
+          <a:ext cx="0" cy="0"/>
+          <a:chOff x="0" y="0"/>
+          <a:chExt cx="0" cy="0"/>
+        </a:xfrm>
+      </p:grpSpPr>
+    </p:spTree>
+    <p:extLst>
+      <p:ext uri="{BB962C8B-B14F-4D97-AF65-F5344CB8AC3E}">
+        <p14:creationId xmlns:p14="http://schemas.microsoft.com/office/powerpoint/2010/main" val="1584978609"/>
+      </p:ext>
+    </p:extLst>
+  </p:cSld>
+  <p:clrMapOvr>
+    <a:masterClrMapping/>
+  </p:clrMapOvr>
+</p:sldLayout>
+</file>
+
 <file path=ppt/slideMasters/slideMaster1.xml><?xml version="1.0" encoding="utf-8"?>
 <p:sldMaster xmlns:a="http://schemas.openxmlformats.org/drawingml/2006/main" xmlns:r="http://schemas.openxmlformats.org/officeDocument/2006/relationships" xmlns:p="http://schemas.openxmlformats.org/presentationml/2006/main" preserve="1">
   <p:cSld>
@@ -686,6 +722,7 @@
   <p:sldLayoutIdLst>
     <p:sldLayoutId id="2147483657" r:id="rId1"/>
     <p:sldLayoutId id="2147483658" r:id="rId2"/>
+    <p:sldLayoutId id="2147483671" r:id="rId3"/>
   </p:sldLayoutIdLst>
   <p:txStyles>
     <p:titleStyle>
@@ -995,8 +1032,8 @@
         </p:nvSpPr>
         <p:spPr>
           <a:xfrm>
-            <a:off x="2556158" y="2228671"/>
-            <a:ext cx="7079695" cy="1200329"/>
+            <a:off x="2177180" y="2228671"/>
+            <a:ext cx="7837658" cy="1200329"/>
           </a:xfrm>
           <a:prstGeom prst="rect">
             <a:avLst/>
@@ -1018,7 +1055,7 @@
                 <a:latin typeface="메이플스토리" panose="02000300000000000000" pitchFamily="2" charset="-127"/>
                 <a:ea typeface="메이플스토리" panose="02000300000000000000" pitchFamily="2" charset="-127"/>
               </a:rPr>
-              <a:t>Data is Beautiful</a:t>
+              <a:t>Data is interesting</a:t>
             </a:r>
             <a:endParaRPr lang="ko-KR" altLang="en-US" sz="7200" spc="-300" dirty="0">
               <a:solidFill>
@@ -1089,30 +1126,26 @@
               <a:t>, </a:t>
             </a:r>
             <a:r>
+              <a:rPr lang="ko-KR" altLang="en-US" dirty="0" err="1">
+                <a:latin typeface="메이플스토리" panose="02000300000000000000" pitchFamily="2" charset="-127"/>
+                <a:ea typeface="메이플스토리" panose="02000300000000000000" pitchFamily="2" charset="-127"/>
+              </a:rPr>
+              <a:t>채윤길</a:t>
+            </a:r>
+            <a:r>
+              <a:rPr lang="en-US" altLang="ko-KR" dirty="0">
+                <a:latin typeface="메이플스토리" panose="02000300000000000000" pitchFamily="2" charset="-127"/>
+                <a:ea typeface="메이플스토리" panose="02000300000000000000" pitchFamily="2" charset="-127"/>
+              </a:rPr>
+              <a:t>, </a:t>
+            </a:r>
+            <a:r>
               <a:rPr lang="ko-KR" altLang="en-US" dirty="0">
                 <a:latin typeface="메이플스토리" panose="02000300000000000000" pitchFamily="2" charset="-127"/>
                 <a:ea typeface="메이플스토리" panose="02000300000000000000" pitchFamily="2" charset="-127"/>
               </a:rPr>
               <a:t>이주희</a:t>
             </a:r>
-            <a:r>
-              <a:rPr lang="en-US" altLang="ko-KR" dirty="0">
-                <a:latin typeface="메이플스토리" panose="02000300000000000000" pitchFamily="2" charset="-127"/>
-                <a:ea typeface="메이플스토리" panose="02000300000000000000" pitchFamily="2" charset="-127"/>
-              </a:rPr>
-              <a:t>, </a:t>
-            </a:r>
-            <a:r>
-              <a:rPr lang="ko-KR" altLang="en-US" dirty="0" err="1">
-                <a:latin typeface="메이플스토리" panose="02000300000000000000" pitchFamily="2" charset="-127"/>
-                <a:ea typeface="메이플스토리" panose="02000300000000000000" pitchFamily="2" charset="-127"/>
-              </a:rPr>
-              <a:t>채윤길</a:t>
-            </a:r>
-            <a:endParaRPr lang="ko-KR" altLang="en-US" dirty="0">
-              <a:latin typeface="메이플스토리" panose="02000300000000000000" pitchFamily="2" charset="-127"/>
-              <a:ea typeface="메이플스토리" panose="02000300000000000000" pitchFamily="2" charset="-127"/>
-            </a:endParaRPr>
           </a:p>
         </p:txBody>
       </p:sp>
@@ -1213,7 +1246,27 @@
                 <a:latin typeface="메이플스토리" panose="02000300000000000000" pitchFamily="2" charset="-127"/>
                 <a:ea typeface="메이플스토리" panose="02000300000000000000" pitchFamily="2" charset="-127"/>
               </a:rPr>
-              <a:t>CONTENTS – </a:t>
+              <a:t>CONTENTS – 3</a:t>
+            </a:r>
+            <a:r>
+              <a:rPr lang="ko-KR" altLang="en-US" sz="3200" spc="-150" dirty="0" err="1">
+                <a:solidFill>
+                  <a:srgbClr val="00002F"/>
+                </a:solidFill>
+                <a:latin typeface="메이플스토리" panose="02000300000000000000" pitchFamily="2" charset="-127"/>
+                <a:ea typeface="메이플스토리" panose="02000300000000000000" pitchFamily="2" charset="-127"/>
+              </a:rPr>
+              <a:t>년차</a:t>
+            </a:r>
+            <a:r>
+              <a:rPr lang="en-US" altLang="ko-KR" sz="3200" spc="-150" dirty="0">
+                <a:solidFill>
+                  <a:srgbClr val="00002F"/>
+                </a:solidFill>
+                <a:latin typeface="메이플스토리" panose="02000300000000000000" pitchFamily="2" charset="-127"/>
+                <a:ea typeface="메이플스토리" panose="02000300000000000000" pitchFamily="2" charset="-127"/>
+              </a:rPr>
+              <a:t>, </a:t>
             </a:r>
             <a:r>
               <a:rPr lang="ko-KR" altLang="en-US" sz="3200" spc="-150" dirty="0">
@@ -1223,7 +1276,7 @@
                 <a:latin typeface="메이플스토리" panose="02000300000000000000" pitchFamily="2" charset="-127"/>
                 <a:ea typeface="메이플스토리" panose="02000300000000000000" pitchFamily="2" charset="-127"/>
               </a:rPr>
-              <a:t>이직률이 높은 집단은</a:t>
+              <a:t>이직을 시작하다</a:t>
             </a:r>
             <a:r>
               <a:rPr lang="en-US" altLang="ko-KR" sz="3200" spc="-150" dirty="0">
@@ -1233,7 +1286,7 @@
                 <a:latin typeface="메이플스토리" panose="02000300000000000000" pitchFamily="2" charset="-127"/>
                 <a:ea typeface="메이플스토리" panose="02000300000000000000" pitchFamily="2" charset="-127"/>
               </a:rPr>
-              <a:t>?</a:t>
+              <a:t>.</a:t>
             </a:r>
             <a:endParaRPr lang="ko-KR" altLang="en-US" sz="3200" spc="-150" dirty="0">
               <a:solidFill>
@@ -1495,8 +1548,57 @@
                 <a:latin typeface="메이플스토리" panose="02000300000000000000" pitchFamily="2" charset="-127"/>
                 <a:ea typeface="메이플스토리" panose="02000300000000000000" pitchFamily="2" charset="-127"/>
               </a:rPr>
-              <a:t>급여와 이직률의 관계</a:t>
-            </a:r>
+              <a:t>급여와 이직은 음의 상관관계를 가진다</a:t>
+            </a:r>
+            <a:r>
+              <a:rPr lang="en-US" altLang="ko-KR" sz="2000" spc="-150" dirty="0">
+                <a:solidFill>
+                  <a:srgbClr val="00002F"/>
+                </a:solidFill>
+                <a:highlight>
+                  <a:srgbClr val="C0C0C0"/>
+                </a:highlight>
+                <a:latin typeface="메이플스토리" panose="02000300000000000000" pitchFamily="2" charset="-127"/>
+                <a:ea typeface="메이플스토리" panose="02000300000000000000" pitchFamily="2" charset="-127"/>
+              </a:rPr>
+              <a:t>. </a:t>
+            </a:r>
+            <a:r>
+              <a:rPr lang="ko-KR" altLang="en-US" sz="2000" spc="-150" dirty="0">
+                <a:solidFill>
+                  <a:srgbClr val="00002F"/>
+                </a:solidFill>
+                <a:highlight>
+                  <a:srgbClr val="C0C0C0"/>
+                </a:highlight>
+                <a:latin typeface="메이플스토리" panose="02000300000000000000" pitchFamily="2" charset="-127"/>
+                <a:ea typeface="메이플스토리" panose="02000300000000000000" pitchFamily="2" charset="-127"/>
+              </a:rPr>
+              <a:t>급여가 낮을수록 이직률 </a:t>
+            </a:r>
+            <a:r>
+              <a:rPr lang="en-US" altLang="ko-KR" sz="2000" spc="-150" dirty="0">
+                <a:solidFill>
+                  <a:srgbClr val="00002F"/>
+                </a:solidFill>
+                <a:highlight>
+                  <a:srgbClr val="C0C0C0"/>
+                </a:highlight>
+                <a:latin typeface="메이플스토리" panose="02000300000000000000" pitchFamily="2" charset="-127"/>
+                <a:ea typeface="메이플스토리" panose="02000300000000000000" pitchFamily="2" charset="-127"/>
+              </a:rPr>
+              <a:t>UP</a:t>
+            </a:r>
+            <a:endParaRPr lang="ko-KR" altLang="en-US" sz="2000" spc="-150" dirty="0">
+              <a:solidFill>
+                <a:srgbClr val="00002F"/>
+              </a:solidFill>
+              <a:highlight>
+                <a:srgbClr val="C0C0C0"/>
+              </a:highlight>
+              <a:latin typeface="메이플스토리" panose="02000300000000000000" pitchFamily="2" charset="-127"/>
+              <a:ea typeface="메이플스토리" panose="02000300000000000000" pitchFamily="2" charset="-127"/>
+            </a:endParaRPr>
           </a:p>
         </p:txBody>
       </p:sp>
@@ -1632,7 +1734,27 @@
                 <a:latin typeface="메이플스토리" panose="02000300000000000000" pitchFamily="2" charset="-127"/>
                 <a:ea typeface="메이플스토리" panose="02000300000000000000" pitchFamily="2" charset="-127"/>
               </a:rPr>
-              <a:t>CONTENTS – </a:t>
+              <a:t>CONTENTS – 3</a:t>
+            </a:r>
+            <a:r>
+              <a:rPr lang="ko-KR" altLang="en-US" sz="3200" spc="-150" dirty="0" err="1">
+                <a:solidFill>
+                  <a:srgbClr val="00002F"/>
+                </a:solidFill>
+                <a:latin typeface="메이플스토리" panose="02000300000000000000" pitchFamily="2" charset="-127"/>
+                <a:ea typeface="메이플스토리" panose="02000300000000000000" pitchFamily="2" charset="-127"/>
+              </a:rPr>
+              <a:t>년차</a:t>
+            </a:r>
+            <a:r>
+              <a:rPr lang="en-US" altLang="ko-KR" sz="3200" spc="-150" dirty="0">
+                <a:solidFill>
+                  <a:srgbClr val="00002F"/>
+                </a:solidFill>
+                <a:latin typeface="메이플스토리" panose="02000300000000000000" pitchFamily="2" charset="-127"/>
+                <a:ea typeface="메이플스토리" panose="02000300000000000000" pitchFamily="2" charset="-127"/>
+              </a:rPr>
+              <a:t>, </a:t>
             </a:r>
             <a:r>
               <a:rPr lang="ko-KR" altLang="en-US" sz="3200" spc="-150" dirty="0">
@@ -1642,7 +1764,7 @@
                 <a:latin typeface="메이플스토리" panose="02000300000000000000" pitchFamily="2" charset="-127"/>
                 <a:ea typeface="메이플스토리" panose="02000300000000000000" pitchFamily="2" charset="-127"/>
               </a:rPr>
-              <a:t>이직률이 높은 집단은</a:t>
+              <a:t>이직을 시작하다</a:t>
             </a:r>
             <a:r>
               <a:rPr lang="en-US" altLang="ko-KR" sz="3200" spc="-150" dirty="0">
@@ -1652,7 +1774,7 @@
                 <a:latin typeface="메이플스토리" panose="02000300000000000000" pitchFamily="2" charset="-127"/>
                 <a:ea typeface="메이플스토리" panose="02000300000000000000" pitchFamily="2" charset="-127"/>
               </a:rPr>
-              <a:t>?</a:t>
+              <a:t>.</a:t>
             </a:r>
             <a:endParaRPr lang="ko-KR" altLang="en-US" sz="3200" spc="-150" dirty="0">
               <a:solidFill>
@@ -1993,6 +2115,84 @@
                 <a:ea typeface="메이플스토리" panose="02000300000000000000" pitchFamily="2" charset="-127"/>
               </a:rPr>
               <a:t> 비율</a:t>
+            </a:r>
+            <a:r>
+              <a:rPr lang="en-US" altLang="ko-KR" sz="2000" spc="-150" dirty="0">
+                <a:solidFill>
+                  <a:srgbClr val="00002F"/>
+                </a:solidFill>
+                <a:highlight>
+                  <a:srgbClr val="C0C0C0"/>
+                </a:highlight>
+                <a:latin typeface="메이플스토리" panose="02000300000000000000" pitchFamily="2" charset="-127"/>
+                <a:ea typeface="메이플스토리" panose="02000300000000000000" pitchFamily="2" charset="-127"/>
+              </a:rPr>
+              <a:t>/ 5</a:t>
+            </a:r>
+            <a:r>
+              <a:rPr lang="ko-KR" altLang="en-US" sz="2000" spc="-150" dirty="0">
+                <a:solidFill>
+                  <a:srgbClr val="00002F"/>
+                </a:solidFill>
+                <a:highlight>
+                  <a:srgbClr val="C0C0C0"/>
+                </a:highlight>
+                <a:latin typeface="메이플스토리" panose="02000300000000000000" pitchFamily="2" charset="-127"/>
+                <a:ea typeface="메이플스토리" panose="02000300000000000000" pitchFamily="2" charset="-127"/>
+              </a:rPr>
+              <a:t>년 차 까지 </a:t>
+            </a:r>
+            <a:r>
+              <a:rPr lang="en-US" altLang="ko-KR" sz="2000" spc="-150" dirty="0">
+                <a:solidFill>
+                  <a:srgbClr val="00002F"/>
+                </a:solidFill>
+                <a:highlight>
+                  <a:srgbClr val="C0C0C0"/>
+                </a:highlight>
+                <a:latin typeface="메이플스토리" panose="02000300000000000000" pitchFamily="2" charset="-127"/>
+                <a:ea typeface="메이플스토리" panose="02000300000000000000" pitchFamily="2" charset="-127"/>
+              </a:rPr>
+              <a:t>Low </a:t>
+            </a:r>
+            <a:r>
+              <a:rPr lang="ko-KR" altLang="en-US" sz="2000" spc="-150" dirty="0">
+                <a:solidFill>
+                  <a:srgbClr val="00002F"/>
+                </a:solidFill>
+                <a:highlight>
+                  <a:srgbClr val="C0C0C0"/>
+                </a:highlight>
+                <a:latin typeface="메이플스토리" panose="02000300000000000000" pitchFamily="2" charset="-127"/>
+                <a:ea typeface="메이플스토리" panose="02000300000000000000" pitchFamily="2" charset="-127"/>
+              </a:rPr>
+              <a:t>비율이 높아짐</a:t>
+            </a:r>
+            <a:r>
+              <a:rPr lang="en-US" altLang="ko-KR" sz="2000" spc="-150" dirty="0">
+                <a:solidFill>
+                  <a:srgbClr val="00002F"/>
+                </a:solidFill>
+                <a:highlight>
+                  <a:srgbClr val="C0C0C0"/>
+                </a:highlight>
+                <a:latin typeface="메이플스토리" panose="02000300000000000000" pitchFamily="2" charset="-127"/>
+                <a:ea typeface="메이플스토리" panose="02000300000000000000" pitchFamily="2" charset="-127"/>
+              </a:rPr>
+              <a:t> / </a:t>
+            </a:r>
+            <a:r>
+              <a:rPr lang="ko-KR" altLang="en-US" sz="2000" spc="-150" dirty="0">
+                <a:solidFill>
+                  <a:srgbClr val="00002F"/>
+                </a:solidFill>
+                <a:highlight>
+                  <a:srgbClr val="C0C0C0"/>
+                </a:highlight>
+                <a:latin typeface="메이플스토리" panose="02000300000000000000" pitchFamily="2" charset="-127"/>
+                <a:ea typeface="메이플스토리" panose="02000300000000000000" pitchFamily="2" charset="-127"/>
+              </a:rPr>
+              <a:t>이후 </a:t>
             </a:r>
           </a:p>
         </p:txBody>
@@ -2070,8 +2270,8 @@
         </p:nvSpPr>
         <p:spPr>
           <a:xfrm>
-            <a:off x="4000500" y="2472873"/>
-            <a:ext cx="832279" cy="769441"/>
+            <a:off x="2516193" y="1727732"/>
+            <a:ext cx="829073" cy="769441"/>
           </a:xfrm>
           <a:prstGeom prst="rect">
             <a:avLst/>
@@ -2092,7 +2292,7 @@
                 <a:latin typeface="메이플스토리" panose="02000300000000000000" pitchFamily="2" charset="-127"/>
                 <a:ea typeface="메이플스토리" panose="02000300000000000000" pitchFamily="2" charset="-127"/>
               </a:rPr>
-              <a:t>02</a:t>
+              <a:t>03</a:t>
             </a:r>
             <a:endParaRPr lang="ko-KR" altLang="en-US" sz="4400" spc="-300" dirty="0">
               <a:solidFill>
@@ -2112,8 +2312,8 @@
         </p:nvSpPr>
         <p:spPr>
           <a:xfrm>
-            <a:off x="4000499" y="3169741"/>
-            <a:ext cx="4200071" cy="473345"/>
+            <a:off x="2930730" y="2497173"/>
+            <a:ext cx="6330540" cy="1276424"/>
           </a:xfrm>
           <a:prstGeom prst="rect">
             <a:avLst/>
@@ -2149,20 +2349,39 @@
           <a:p>
             <a:pPr algn="ctr"/>
             <a:r>
-              <a:rPr lang="ko-KR" altLang="en-US" dirty="0">
-                <a:latin typeface="메이플스토리" panose="02000300000000000000" pitchFamily="2" charset="-127"/>
-                <a:ea typeface="메이플스토리" panose="02000300000000000000" pitchFamily="2" charset="-127"/>
-              </a:rPr>
-              <a:t>내용을 입력하세요</a:t>
-            </a:r>
-            <a:r>
-              <a:rPr lang="en-US" altLang="ko-KR" dirty="0">
-                <a:latin typeface="메이플스토리" panose="02000300000000000000" pitchFamily="2" charset="-127"/>
-                <a:ea typeface="메이플스토리" panose="02000300000000000000" pitchFamily="2" charset="-127"/>
-              </a:rPr>
-              <a:t>.</a:t>
-            </a:r>
-            <a:endParaRPr lang="ko-KR" altLang="en-US" dirty="0">
+              <a:rPr lang="ko-KR" altLang="en-US" sz="3600" dirty="0">
+                <a:solidFill>
+                  <a:schemeClr val="bg1"/>
+                </a:solidFill>
+                <a:latin typeface="메이플스토리" panose="02000300000000000000" pitchFamily="2" charset="-127"/>
+                <a:ea typeface="메이플스토리" panose="02000300000000000000" pitchFamily="2" charset="-127"/>
+              </a:rPr>
+              <a:t>돈 많이 주면 </a:t>
+            </a:r>
+            <a:r>
+              <a:rPr lang="ko-KR" altLang="en-US" sz="3600" dirty="0" err="1">
+                <a:solidFill>
+                  <a:schemeClr val="bg1"/>
+                </a:solidFill>
+                <a:latin typeface="메이플스토리" panose="02000300000000000000" pitchFamily="2" charset="-127"/>
+                <a:ea typeface="메이플스토리" panose="02000300000000000000" pitchFamily="2" charset="-127"/>
+              </a:rPr>
+              <a:t>만족할래</a:t>
+            </a:r>
+            <a:r>
+              <a:rPr lang="en-US" altLang="ko-KR" sz="3600" dirty="0">
+                <a:solidFill>
+                  <a:schemeClr val="bg1"/>
+                </a:solidFill>
+                <a:latin typeface="메이플스토리" panose="02000300000000000000" pitchFamily="2" charset="-127"/>
+                <a:ea typeface="메이플스토리" panose="02000300000000000000" pitchFamily="2" charset="-127"/>
+              </a:rPr>
+              <a:t>?</a:t>
+            </a:r>
+            <a:endParaRPr lang="ko-KR" altLang="en-US" sz="3600" dirty="0">
+              <a:solidFill>
+                <a:schemeClr val="bg1"/>
+              </a:solidFill>
               <a:latin typeface="메이플스토리" panose="02000300000000000000" pitchFamily="2" charset="-127"/>
               <a:ea typeface="메이플스토리" panose="02000300000000000000" pitchFamily="2" charset="-127"/>
             </a:endParaRPr>
@@ -2172,7 +2391,7 @@
     </p:spTree>
     <p:extLst>
       <p:ext uri="{BB962C8B-B14F-4D97-AF65-F5344CB8AC3E}">
-        <p14:creationId xmlns:p14="http://schemas.microsoft.com/office/powerpoint/2010/main" val="2963228856"/>
+        <p14:creationId xmlns:p14="http://schemas.microsoft.com/office/powerpoint/2010/main" val="1461458070"/>
       </p:ext>
     </p:extLst>
   </p:cSld>
@@ -2199,16 +2418,115 @@
           <a:chExt cx="0" cy="0"/>
         </a:xfrm>
       </p:grpSpPr>
+      <p:cxnSp>
+        <p:nvCxnSpPr>
+          <p:cNvPr id="4" name="직선 연결선 3"/>
+          <p:cNvCxnSpPr/>
+          <p:nvPr/>
+        </p:nvCxnSpPr>
+        <p:spPr>
+          <a:xfrm>
+            <a:off x="1026522" y="989148"/>
+            <a:ext cx="2160000" cy="0"/>
+          </a:xfrm>
+          <a:prstGeom prst="line">
+            <a:avLst/>
+          </a:prstGeom>
+          <a:ln>
+            <a:solidFill>
+              <a:schemeClr val="bg1">
+                <a:lumMod val="50000"/>
+              </a:schemeClr>
+            </a:solidFill>
+          </a:ln>
+        </p:spPr>
+        <p:style>
+          <a:lnRef idx="1">
+            <a:schemeClr val="accent1"/>
+          </a:lnRef>
+          <a:fillRef idx="0">
+            <a:schemeClr val="accent1"/>
+          </a:fillRef>
+          <a:effectRef idx="0">
+            <a:schemeClr val="accent1"/>
+          </a:effectRef>
+          <a:fontRef idx="minor">
+            <a:schemeClr val="tx1"/>
+          </a:fontRef>
+        </p:style>
+      </p:cxnSp>
       <p:sp>
         <p:nvSpPr>
-          <p:cNvPr id="11" name="TextBox 10"/>
+          <p:cNvPr id="5" name="TextBox 4"/>
           <p:cNvSpPr txBox="1"/>
           <p:nvPr/>
         </p:nvSpPr>
         <p:spPr>
           <a:xfrm>
-            <a:off x="2664965" y="2091297"/>
-            <a:ext cx="1004250" cy="584775"/>
+            <a:off x="973593" y="437393"/>
+            <a:ext cx="8985072" cy="584775"/>
+          </a:xfrm>
+          <a:prstGeom prst="rect">
+            <a:avLst/>
+          </a:prstGeom>
+          <a:noFill/>
+        </p:spPr>
+        <p:txBody>
+          <a:bodyPr wrap="square" rtlCol="0">
+            <a:spAutoFit/>
+          </a:bodyPr>
+          <a:lstStyle/>
+          <a:p>
+            <a:r>
+              <a:rPr lang="en-US" altLang="ko-KR" sz="3200" spc="-150" dirty="0">
+                <a:solidFill>
+                  <a:srgbClr val="00002F"/>
+                </a:solidFill>
+                <a:latin typeface="메이플스토리" panose="02000300000000000000" pitchFamily="2" charset="-127"/>
+                <a:ea typeface="메이플스토리" panose="02000300000000000000" pitchFamily="2" charset="-127"/>
+              </a:rPr>
+              <a:t>CONTENTS – </a:t>
+            </a:r>
+            <a:r>
+              <a:rPr lang="ko-KR" altLang="en-US" sz="3200" spc="-150" dirty="0">
+                <a:solidFill>
+                  <a:srgbClr val="00002F"/>
+                </a:solidFill>
+                <a:latin typeface="메이플스토리" panose="02000300000000000000" pitchFamily="2" charset="-127"/>
+                <a:ea typeface="메이플스토리" panose="02000300000000000000" pitchFamily="2" charset="-127"/>
+              </a:rPr>
+              <a:t>행복은 </a:t>
+            </a:r>
+            <a:r>
+              <a:rPr lang="ko-KR" altLang="en-US" sz="3200" spc="-150" dirty="0" err="1">
+                <a:solidFill>
+                  <a:srgbClr val="00002F"/>
+                </a:solidFill>
+                <a:latin typeface="메이플스토리" panose="02000300000000000000" pitchFamily="2" charset="-127"/>
+                <a:ea typeface="메이플스토리" panose="02000300000000000000" pitchFamily="2" charset="-127"/>
+              </a:rPr>
+              <a:t>금전순이잖아요</a:t>
+            </a:r>
+            <a:endParaRPr lang="ko-KR" altLang="en-US" sz="3200" spc="-150" dirty="0">
+              <a:solidFill>
+                <a:srgbClr val="00002F"/>
+              </a:solidFill>
+              <a:latin typeface="메이플스토리" panose="02000300000000000000" pitchFamily="2" charset="-127"/>
+              <a:ea typeface="메이플스토리" panose="02000300000000000000" pitchFamily="2" charset="-127"/>
+            </a:endParaRPr>
+          </a:p>
+        </p:txBody>
+      </p:sp>
+      <p:sp>
+        <p:nvSpPr>
+          <p:cNvPr id="12" name="TextBox 11"/>
+          <p:cNvSpPr txBox="1"/>
+          <p:nvPr/>
+        </p:nvSpPr>
+        <p:spPr>
+          <a:xfrm>
+            <a:off x="464348" y="498947"/>
+            <a:ext cx="596638" cy="461665"/>
           </a:xfrm>
           <a:prstGeom prst="rect">
             <a:avLst/>
@@ -2223,18 +2541,18 @@
           <a:p>
             <a:pPr algn="ctr"/>
             <a:r>
-              <a:rPr lang="en-US" altLang="ko-KR" sz="3200" spc="-150" dirty="0">
-                <a:solidFill>
-                  <a:srgbClr val="8DBABD"/>
-                </a:solidFill>
-                <a:latin typeface="메이플스토리" panose="02000300000000000000" pitchFamily="2" charset="-127"/>
-                <a:ea typeface="메이플스토리" panose="02000300000000000000" pitchFamily="2" charset="-127"/>
-              </a:rPr>
-              <a:t>Text</a:t>
-            </a:r>
-            <a:endParaRPr lang="ko-KR" altLang="en-US" sz="3200" spc="-150" dirty="0">
+              <a:rPr lang="en-US" altLang="ko-KR" sz="2400" spc="-150" dirty="0">
+                <a:solidFill>
+                  <a:srgbClr val="00002F"/>
+                </a:solidFill>
+                <a:latin typeface="메이플스토리" panose="02000300000000000000" pitchFamily="2" charset="-127"/>
+                <a:ea typeface="메이플스토리" panose="02000300000000000000" pitchFamily="2" charset="-127"/>
+              </a:rPr>
+              <a:t>03.</a:t>
+            </a:r>
+            <a:endParaRPr lang="ko-KR" altLang="en-US" sz="2400" spc="-150" dirty="0">
               <a:solidFill>
-                <a:srgbClr val="8DBABD"/>
+                <a:srgbClr val="00002F"/>
               </a:solidFill>
               <a:latin typeface="메이플스토리" panose="02000300000000000000" pitchFamily="2" charset="-127"/>
               <a:ea typeface="메이플스토리" panose="02000300000000000000" pitchFamily="2" charset="-127"/>
@@ -2244,55 +2562,13 @@
       </p:sp>
       <p:cxnSp>
         <p:nvCxnSpPr>
-          <p:cNvPr id="14" name="직선 연결선 13"/>
+          <p:cNvPr id="7" name="직선 연결선 6"/>
           <p:cNvCxnSpPr/>
           <p:nvPr/>
         </p:nvCxnSpPr>
         <p:spPr>
           <a:xfrm>
             <a:off x="10430892" y="144941"/>
-            <a:ext cx="360000" cy="0"/>
-          </a:xfrm>
-          <a:prstGeom prst="line">
-            <a:avLst/>
-          </a:prstGeom>
-          <a:ln w="44450" cap="rnd">
-            <a:solidFill>
-              <a:srgbClr val="D0CECE"/>
-            </a:solidFill>
-          </a:ln>
-          <a:effectLst>
-            <a:outerShdw blurRad="50800" dist="38100" dir="5400000" algn="t" rotWithShape="0">
-              <a:prstClr val="black">
-                <a:alpha val="40000"/>
-              </a:prstClr>
-            </a:outerShdw>
-          </a:effectLst>
-        </p:spPr>
-        <p:style>
-          <a:lnRef idx="1">
-            <a:schemeClr val="accent1"/>
-          </a:lnRef>
-          <a:fillRef idx="0">
-            <a:schemeClr val="accent1"/>
-          </a:fillRef>
-          <a:effectRef idx="0">
-            <a:schemeClr val="accent1"/>
-          </a:effectRef>
-          <a:fontRef idx="minor">
-            <a:schemeClr val="tx1"/>
-          </a:fontRef>
-        </p:style>
-      </p:cxnSp>
-      <p:cxnSp>
-        <p:nvCxnSpPr>
-          <p:cNvPr id="15" name="직선 연결선 14"/>
-          <p:cNvCxnSpPr/>
-          <p:nvPr/>
-        </p:nvCxnSpPr>
-        <p:spPr>
-          <a:xfrm>
-            <a:off x="10858459" y="144941"/>
             <a:ext cx="360000" cy="0"/>
           </a:xfrm>
           <a:prstGeom prst="line">
@@ -2328,13 +2604,13 @@
       </p:cxnSp>
       <p:cxnSp>
         <p:nvCxnSpPr>
-          <p:cNvPr id="16" name="직선 연결선 15"/>
+          <p:cNvPr id="8" name="직선 연결선 7"/>
           <p:cNvCxnSpPr/>
           <p:nvPr/>
         </p:nvCxnSpPr>
         <p:spPr>
           <a:xfrm>
-            <a:off x="11286026" y="144941"/>
+            <a:off x="10858459" y="144941"/>
             <a:ext cx="360000" cy="0"/>
           </a:xfrm>
           <a:prstGeom prst="line">
@@ -2372,13 +2648,13 @@
       </p:cxnSp>
       <p:cxnSp>
         <p:nvCxnSpPr>
-          <p:cNvPr id="17" name="직선 연결선 16"/>
+          <p:cNvPr id="9" name="직선 연결선 8"/>
           <p:cNvCxnSpPr/>
           <p:nvPr/>
         </p:nvCxnSpPr>
         <p:spPr>
           <a:xfrm>
-            <a:off x="11713592" y="144941"/>
+            <a:off x="11286026" y="144941"/>
             <a:ext cx="360000" cy="0"/>
           </a:xfrm>
           <a:prstGeom prst="line">
@@ -2416,25 +2692,32 @@
       </p:cxnSp>
       <p:cxnSp>
         <p:nvCxnSpPr>
-          <p:cNvPr id="18" name="직선 연결선 17"/>
+          <p:cNvPr id="10" name="직선 연결선 9"/>
           <p:cNvCxnSpPr/>
           <p:nvPr/>
         </p:nvCxnSpPr>
         <p:spPr>
           <a:xfrm>
-            <a:off x="1026522" y="989148"/>
-            <a:ext cx="2160000" cy="0"/>
+            <a:off x="11713592" y="144941"/>
+            <a:ext cx="360000" cy="0"/>
           </a:xfrm>
           <a:prstGeom prst="line">
             <a:avLst/>
           </a:prstGeom>
-          <a:ln>
+          <a:ln w="44450" cap="rnd">
             <a:solidFill>
-              <a:schemeClr val="bg1">
-                <a:lumMod val="50000"/>
+              <a:schemeClr val="bg2">
+                <a:lumMod val="90000"/>
               </a:schemeClr>
             </a:solidFill>
           </a:ln>
+          <a:effectLst>
+            <a:outerShdw blurRad="50800" dist="38100" dir="5400000" algn="t" rotWithShape="0">
+              <a:prstClr val="black">
+                <a:alpha val="40000"/>
+              </a:prstClr>
+            </a:outerShdw>
+          </a:effectLst>
         </p:spPr>
         <p:style>
           <a:lnRef idx="1">
@@ -2453,14 +2736,14 @@
       </p:cxnSp>
       <p:sp>
         <p:nvSpPr>
-          <p:cNvPr id="19" name="TextBox 18"/>
+          <p:cNvPr id="13" name="TextBox 12"/>
           <p:cNvSpPr txBox="1"/>
           <p:nvPr/>
         </p:nvSpPr>
         <p:spPr>
           <a:xfrm>
-            <a:off x="1026522" y="437393"/>
-            <a:ext cx="2162773" cy="584775"/>
+            <a:off x="776392" y="1006929"/>
+            <a:ext cx="8820614" cy="400110"/>
           </a:xfrm>
           <a:prstGeom prst="rect">
             <a:avLst/>
@@ -2468,122 +2751,92 @@
           <a:noFill/>
         </p:spPr>
         <p:txBody>
-          <a:bodyPr wrap="none" rtlCol="0">
+          <a:bodyPr wrap="square" rtlCol="0">
             <a:spAutoFit/>
           </a:bodyPr>
           <a:lstStyle/>
           <a:p>
-            <a:pPr algn="ctr"/>
-            <a:r>
-              <a:rPr lang="en-US" altLang="ko-KR" sz="3200" spc="-150" dirty="0">
-                <a:solidFill>
-                  <a:srgbClr val="00002F"/>
-                </a:solidFill>
-                <a:latin typeface="메이플스토리" panose="02000300000000000000" pitchFamily="2" charset="-127"/>
-                <a:ea typeface="메이플스토리" panose="02000300000000000000" pitchFamily="2" charset="-127"/>
-              </a:rPr>
-              <a:t>CONTENTS</a:t>
-            </a:r>
-            <a:endParaRPr lang="ko-KR" altLang="en-US" sz="3200" spc="-150" dirty="0">
-              <a:solidFill>
-                <a:srgbClr val="00002F"/>
-              </a:solidFill>
-              <a:latin typeface="메이플스토리" panose="02000300000000000000" pitchFamily="2" charset="-127"/>
-              <a:ea typeface="메이플스토리" panose="02000300000000000000" pitchFamily="2" charset="-127"/>
-            </a:endParaRPr>
+            <a:r>
+              <a:rPr lang="ko-KR" altLang="en-US" sz="2000" spc="-150" dirty="0">
+                <a:solidFill>
+                  <a:srgbClr val="00002F"/>
+                </a:solidFill>
+                <a:highlight>
+                  <a:srgbClr val="C0C0C0"/>
+                </a:highlight>
+                <a:latin typeface="메이플스토리" panose="02000300000000000000" pitchFamily="2" charset="-127"/>
+                <a:ea typeface="메이플스토리" panose="02000300000000000000" pitchFamily="2" charset="-127"/>
+              </a:rPr>
+              <a:t>박스 플롯 </a:t>
+            </a:r>
+            <a:r>
+              <a:rPr lang="en-US" altLang="ko-KR" sz="2000" spc="-150" dirty="0">
+                <a:solidFill>
+                  <a:srgbClr val="00002F"/>
+                </a:solidFill>
+                <a:highlight>
+                  <a:srgbClr val="C0C0C0"/>
+                </a:highlight>
+                <a:latin typeface="메이플스토리" panose="02000300000000000000" pitchFamily="2" charset="-127"/>
+                <a:ea typeface="메이플스토리" panose="02000300000000000000" pitchFamily="2" charset="-127"/>
+              </a:rPr>
+              <a:t>- </a:t>
+            </a:r>
+            <a:r>
+              <a:rPr lang="ko-KR" altLang="en-US" sz="2000" spc="-150" dirty="0">
+                <a:solidFill>
+                  <a:srgbClr val="00002F"/>
+                </a:solidFill>
+                <a:highlight>
+                  <a:srgbClr val="C0C0C0"/>
+                </a:highlight>
+                <a:latin typeface="메이플스토리" panose="02000300000000000000" pitchFamily="2" charset="-127"/>
+                <a:ea typeface="메이플스토리" panose="02000300000000000000" pitchFamily="2" charset="-127"/>
+              </a:rPr>
+              <a:t>급여와 직장 만족도의 관계</a:t>
+            </a:r>
           </a:p>
         </p:txBody>
       </p:sp>
-      <p:sp>
-        <p:nvSpPr>
-          <p:cNvPr id="20" name="TextBox 19"/>
-          <p:cNvSpPr txBox="1"/>
-          <p:nvPr/>
-        </p:nvSpPr>
-        <p:spPr>
-          <a:xfrm>
-            <a:off x="455532" y="498947"/>
-            <a:ext cx="614271" cy="461665"/>
+      <p:pic>
+        <p:nvPicPr>
+          <p:cNvPr id="14" name="그림 13">
+            <a:extLst>
+              <a:ext uri="{FF2B5EF4-FFF2-40B4-BE49-F238E27FC236}">
+                <a16:creationId xmlns:a16="http://schemas.microsoft.com/office/drawing/2014/main" id="{91F03BA1-E22C-4C09-8545-543C5FCB6D60}"/>
+              </a:ext>
+            </a:extLst>
+          </p:cNvPr>
+          <p:cNvPicPr>
+            <a:picLocks noChangeAspect="1"/>
+          </p:cNvPicPr>
+          <p:nvPr/>
+        </p:nvPicPr>
+        <p:blipFill>
+          <a:blip r:embed="rId2">
+            <a:extLst>
+              <a:ext uri="{28A0092B-C50C-407E-A947-70E740481C1C}">
+                <a14:useLocalDpi xmlns:a14="http://schemas.microsoft.com/office/drawing/2010/main" val="0"/>
+              </a:ext>
+            </a:extLst>
+          </a:blip>
+          <a:srcRect/>
+          <a:stretch/>
+        </p:blipFill>
+        <p:spPr>
+          <a:xfrm>
+            <a:off x="4999251" y="1675079"/>
+            <a:ext cx="2194193" cy="4581843"/>
           </a:xfrm>
           <a:prstGeom prst="rect">
             <a:avLst/>
           </a:prstGeom>
-          <a:noFill/>
-        </p:spPr>
-        <p:txBody>
-          <a:bodyPr wrap="none" rtlCol="0">
-            <a:spAutoFit/>
-          </a:bodyPr>
-          <a:lstStyle/>
-          <a:p>
-            <a:pPr algn="ctr"/>
-            <a:r>
-              <a:rPr lang="en-US" altLang="ko-KR" sz="2400" spc="-150" dirty="0">
-                <a:solidFill>
-                  <a:srgbClr val="00002F"/>
-                </a:solidFill>
-                <a:latin typeface="메이플스토리" panose="02000300000000000000" pitchFamily="2" charset="-127"/>
-                <a:ea typeface="메이플스토리" panose="02000300000000000000" pitchFamily="2" charset="-127"/>
-              </a:rPr>
-              <a:t>02.</a:t>
-            </a:r>
-            <a:endParaRPr lang="ko-KR" altLang="en-US" sz="2400" spc="-150" dirty="0">
-              <a:solidFill>
-                <a:srgbClr val="00002F"/>
-              </a:solidFill>
-              <a:latin typeface="메이플스토리" panose="02000300000000000000" pitchFamily="2" charset="-127"/>
-              <a:ea typeface="메이플스토리" panose="02000300000000000000" pitchFamily="2" charset="-127"/>
-            </a:endParaRPr>
-          </a:p>
-        </p:txBody>
-      </p:sp>
-      <p:sp>
-        <p:nvSpPr>
-          <p:cNvPr id="21" name="TextBox 20"/>
-          <p:cNvSpPr txBox="1"/>
-          <p:nvPr/>
-        </p:nvSpPr>
-        <p:spPr>
-          <a:xfrm>
-            <a:off x="1053131" y="1006929"/>
-            <a:ext cx="612220" cy="369332"/>
-          </a:xfrm>
-          <a:prstGeom prst="rect">
-            <a:avLst/>
-          </a:prstGeom>
-          <a:noFill/>
-        </p:spPr>
-        <p:txBody>
-          <a:bodyPr wrap="none" rtlCol="0">
-            <a:spAutoFit/>
-          </a:bodyPr>
-          <a:lstStyle/>
-          <a:p>
-            <a:pPr algn="ctr"/>
-            <a:r>
-              <a:rPr lang="en-US" altLang="ko-KR" spc="-150" dirty="0">
-                <a:solidFill>
-                  <a:srgbClr val="00002F"/>
-                </a:solidFill>
-                <a:latin typeface="메이플스토리" panose="02000300000000000000" pitchFamily="2" charset="-127"/>
-                <a:ea typeface="메이플스토리" panose="02000300000000000000" pitchFamily="2" charset="-127"/>
-              </a:rPr>
-              <a:t>Text</a:t>
-            </a:r>
-            <a:endParaRPr lang="ko-KR" altLang="en-US" spc="-150" dirty="0">
-              <a:solidFill>
-                <a:srgbClr val="00002F"/>
-              </a:solidFill>
-              <a:latin typeface="메이플스토리" panose="02000300000000000000" pitchFamily="2" charset="-127"/>
-              <a:ea typeface="메이플스토리" panose="02000300000000000000" pitchFamily="2" charset="-127"/>
-            </a:endParaRPr>
-          </a:p>
-        </p:txBody>
-      </p:sp>
+        </p:spPr>
+      </p:pic>
     </p:spTree>
     <p:extLst>
       <p:ext uri="{BB962C8B-B14F-4D97-AF65-F5344CB8AC3E}">
-        <p14:creationId xmlns:p14="http://schemas.microsoft.com/office/powerpoint/2010/main" val="2825203591"/>
+        <p14:creationId xmlns:p14="http://schemas.microsoft.com/office/powerpoint/2010/main" val="4289966365"/>
       </p:ext>
     </p:extLst>
   </p:cSld>
@@ -2618,8 +2871,8 @@
         </p:nvSpPr>
         <p:spPr>
           <a:xfrm>
-            <a:off x="4000500" y="2472873"/>
-            <a:ext cx="829073" cy="769441"/>
+            <a:off x="2245467" y="1727732"/>
+            <a:ext cx="864339" cy="769441"/>
           </a:xfrm>
           <a:prstGeom prst="rect">
             <a:avLst/>
@@ -2640,7 +2893,7 @@
                 <a:latin typeface="메이플스토리" panose="02000300000000000000" pitchFamily="2" charset="-127"/>
                 <a:ea typeface="메이플스토리" panose="02000300000000000000" pitchFamily="2" charset="-127"/>
               </a:rPr>
-              <a:t>03</a:t>
+              <a:t>04</a:t>
             </a:r>
             <a:endParaRPr lang="ko-KR" altLang="en-US" sz="4400" spc="-300" dirty="0">
               <a:solidFill>
@@ -2660,8 +2913,8 @@
         </p:nvSpPr>
         <p:spPr>
           <a:xfrm>
-            <a:off x="4000499" y="3169741"/>
-            <a:ext cx="4200071" cy="473345"/>
+            <a:off x="2677637" y="2497173"/>
+            <a:ext cx="6836726" cy="1276424"/>
           </a:xfrm>
           <a:prstGeom prst="rect">
             <a:avLst/>
@@ -2697,20 +2950,20 @@
           <a:p>
             <a:pPr algn="ctr"/>
             <a:r>
-              <a:rPr lang="ko-KR" altLang="en-US" dirty="0">
-                <a:latin typeface="메이플스토리" panose="02000300000000000000" pitchFamily="2" charset="-127"/>
-                <a:ea typeface="메이플스토리" panose="02000300000000000000" pitchFamily="2" charset="-127"/>
-              </a:rPr>
-              <a:t>내용을 입력하세요</a:t>
-            </a:r>
-            <a:r>
-              <a:rPr lang="en-US" altLang="ko-KR" dirty="0">
-                <a:latin typeface="메이플스토리" panose="02000300000000000000" pitchFamily="2" charset="-127"/>
-                <a:ea typeface="메이플스토리" panose="02000300000000000000" pitchFamily="2" charset="-127"/>
-              </a:rPr>
-              <a:t>.</a:t>
-            </a:r>
-            <a:endParaRPr lang="ko-KR" altLang="en-US" dirty="0">
+              <a:rPr lang="ko-KR" altLang="en-US" sz="3600" dirty="0">
+                <a:latin typeface="메이플스토리" panose="02000300000000000000" pitchFamily="2" charset="-127"/>
+                <a:ea typeface="메이플스토리" panose="02000300000000000000" pitchFamily="2" charset="-127"/>
+              </a:rPr>
+              <a:t>연차와 만족도는 어떤 관계가 있을까</a:t>
+            </a:r>
+            <a:r>
+              <a:rPr lang="en-US" altLang="ko-KR" sz="3600" dirty="0">
+                <a:latin typeface="메이플스토리" panose="02000300000000000000" pitchFamily="2" charset="-127"/>
+                <a:ea typeface="메이플스토리" panose="02000300000000000000" pitchFamily="2" charset="-127"/>
+              </a:rPr>
+              <a:t>?</a:t>
+            </a:r>
+            <a:endParaRPr lang="ko-KR" altLang="en-US" sz="3600" dirty="0">
               <a:latin typeface="메이플스토리" panose="02000300000000000000" pitchFamily="2" charset="-127"/>
               <a:ea typeface="메이플스토리" panose="02000300000000000000" pitchFamily="2" charset="-127"/>
             </a:endParaRPr>
@@ -2720,7 +2973,7 @@
     </p:spTree>
     <p:extLst>
       <p:ext uri="{BB962C8B-B14F-4D97-AF65-F5344CB8AC3E}">
-        <p14:creationId xmlns:p14="http://schemas.microsoft.com/office/powerpoint/2010/main" val="244040977"/>
+        <p14:creationId xmlns:p14="http://schemas.microsoft.com/office/powerpoint/2010/main" val="2035775072"/>
       </p:ext>
     </p:extLst>
   </p:cSld>
@@ -2747,16 +3000,133 @@
           <a:chExt cx="0" cy="0"/>
         </a:xfrm>
       </p:grpSpPr>
+      <p:cxnSp>
+        <p:nvCxnSpPr>
+          <p:cNvPr id="4" name="직선 연결선 3"/>
+          <p:cNvCxnSpPr/>
+          <p:nvPr/>
+        </p:nvCxnSpPr>
+        <p:spPr>
+          <a:xfrm>
+            <a:off x="1026522" y="989148"/>
+            <a:ext cx="2160000" cy="0"/>
+          </a:xfrm>
+          <a:prstGeom prst="line">
+            <a:avLst/>
+          </a:prstGeom>
+          <a:ln>
+            <a:solidFill>
+              <a:schemeClr val="bg1">
+                <a:lumMod val="50000"/>
+              </a:schemeClr>
+            </a:solidFill>
+          </a:ln>
+        </p:spPr>
+        <p:style>
+          <a:lnRef idx="1">
+            <a:schemeClr val="accent1"/>
+          </a:lnRef>
+          <a:fillRef idx="0">
+            <a:schemeClr val="accent1"/>
+          </a:fillRef>
+          <a:effectRef idx="0">
+            <a:schemeClr val="accent1"/>
+          </a:effectRef>
+          <a:fontRef idx="minor">
+            <a:schemeClr val="tx1"/>
+          </a:fontRef>
+        </p:style>
+      </p:cxnSp>
       <p:sp>
         <p:nvSpPr>
-          <p:cNvPr id="11" name="TextBox 10"/>
+          <p:cNvPr id="5" name="TextBox 4"/>
           <p:cNvSpPr txBox="1"/>
           <p:nvPr/>
         </p:nvSpPr>
         <p:spPr>
           <a:xfrm>
-            <a:off x="2664965" y="2091297"/>
-            <a:ext cx="1004250" cy="584775"/>
+            <a:off x="973593" y="437393"/>
+            <a:ext cx="8985072" cy="1077218"/>
+          </a:xfrm>
+          <a:prstGeom prst="rect">
+            <a:avLst/>
+          </a:prstGeom>
+          <a:noFill/>
+        </p:spPr>
+        <p:txBody>
+          <a:bodyPr wrap="square" rtlCol="0">
+            <a:spAutoFit/>
+          </a:bodyPr>
+          <a:lstStyle/>
+          <a:p>
+            <a:r>
+              <a:rPr lang="en-US" altLang="ko-KR" sz="3200" spc="-150" dirty="0">
+                <a:solidFill>
+                  <a:srgbClr val="00002F"/>
+                </a:solidFill>
+                <a:latin typeface="메이플스토리" panose="02000300000000000000" pitchFamily="2" charset="-127"/>
+                <a:ea typeface="메이플스토리" panose="02000300000000000000" pitchFamily="2" charset="-127"/>
+              </a:rPr>
+              <a:t>CONTENTS – </a:t>
+            </a:r>
+            <a:r>
+              <a:rPr lang="ko-KR" altLang="en-US" sz="3200" dirty="0">
+                <a:solidFill>
+                  <a:schemeClr val="tx1">
+                    <a:lumMod val="95000"/>
+                    <a:lumOff val="5000"/>
+                  </a:schemeClr>
+                </a:solidFill>
+                <a:latin typeface="메이플스토리" panose="02000300000000000000" pitchFamily="2" charset="-127"/>
+                <a:ea typeface="메이플스토리" panose="02000300000000000000" pitchFamily="2" charset="-127"/>
+              </a:rPr>
+              <a:t>연차와 만족도는 어떤 관계가 있을까</a:t>
+            </a:r>
+            <a:r>
+              <a:rPr lang="en-US" altLang="ko-KR" sz="3200" dirty="0">
+                <a:solidFill>
+                  <a:schemeClr val="tx1">
+                    <a:lumMod val="95000"/>
+                    <a:lumOff val="5000"/>
+                  </a:schemeClr>
+                </a:solidFill>
+                <a:latin typeface="메이플스토리" panose="02000300000000000000" pitchFamily="2" charset="-127"/>
+                <a:ea typeface="메이플스토리" panose="02000300000000000000" pitchFamily="2" charset="-127"/>
+              </a:rPr>
+              <a:t>?</a:t>
+            </a:r>
+            <a:endParaRPr lang="ko-KR" altLang="en-US" sz="3200" dirty="0">
+              <a:solidFill>
+                <a:schemeClr val="tx1">
+                  <a:lumMod val="95000"/>
+                  <a:lumOff val="5000"/>
+                </a:schemeClr>
+              </a:solidFill>
+              <a:latin typeface="메이플스토리" panose="02000300000000000000" pitchFamily="2" charset="-127"/>
+              <a:ea typeface="메이플스토리" panose="02000300000000000000" pitchFamily="2" charset="-127"/>
+            </a:endParaRPr>
+          </a:p>
+          <a:p>
+            <a:endParaRPr lang="ko-KR" altLang="en-US" sz="3200" spc="-150" dirty="0">
+              <a:solidFill>
+                <a:srgbClr val="00002F"/>
+              </a:solidFill>
+              <a:latin typeface="메이플스토리" panose="02000300000000000000" pitchFamily="2" charset="-127"/>
+              <a:ea typeface="메이플스토리" panose="02000300000000000000" pitchFamily="2" charset="-127"/>
+            </a:endParaRPr>
+          </a:p>
+        </p:txBody>
+      </p:sp>
+      <p:sp>
+        <p:nvSpPr>
+          <p:cNvPr id="12" name="TextBox 11"/>
+          <p:cNvSpPr txBox="1"/>
+          <p:nvPr/>
+        </p:nvSpPr>
+        <p:spPr>
+          <a:xfrm>
+            <a:off x="454730" y="498947"/>
+            <a:ext cx="615874" cy="461665"/>
           </a:xfrm>
           <a:prstGeom prst="rect">
             <a:avLst/>
@@ -2771,18 +3141,18 @@
           <a:p>
             <a:pPr algn="ctr"/>
             <a:r>
-              <a:rPr lang="en-US" altLang="ko-KR" sz="3200" spc="-150" dirty="0">
-                <a:solidFill>
-                  <a:srgbClr val="8DBABD"/>
-                </a:solidFill>
-                <a:latin typeface="메이플스토리" panose="02000300000000000000" pitchFamily="2" charset="-127"/>
-                <a:ea typeface="메이플스토리" panose="02000300000000000000" pitchFamily="2" charset="-127"/>
-              </a:rPr>
-              <a:t>Text</a:t>
-            </a:r>
-            <a:endParaRPr lang="ko-KR" altLang="en-US" sz="3200" spc="-150" dirty="0">
+              <a:rPr lang="en-US" altLang="ko-KR" sz="2400" spc="-150" dirty="0">
+                <a:solidFill>
+                  <a:srgbClr val="00002F"/>
+                </a:solidFill>
+                <a:latin typeface="메이플스토리" panose="02000300000000000000" pitchFamily="2" charset="-127"/>
+                <a:ea typeface="메이플스토리" panose="02000300000000000000" pitchFamily="2" charset="-127"/>
+              </a:rPr>
+              <a:t>04.</a:t>
+            </a:r>
+            <a:endParaRPr lang="ko-KR" altLang="en-US" sz="2400" spc="-150" dirty="0">
               <a:solidFill>
-                <a:srgbClr val="8DBABD"/>
+                <a:srgbClr val="00002F"/>
               </a:solidFill>
               <a:latin typeface="메이플스토리" panose="02000300000000000000" pitchFamily="2" charset="-127"/>
               <a:ea typeface="메이플스토리" panose="02000300000000000000" pitchFamily="2" charset="-127"/>
@@ -2792,7 +3162,7 @@
       </p:sp>
       <p:cxnSp>
         <p:nvCxnSpPr>
-          <p:cNvPr id="14" name="직선 연결선 13"/>
+          <p:cNvPr id="7" name="직선 연결선 6"/>
           <p:cNvCxnSpPr/>
           <p:nvPr/>
         </p:nvCxnSpPr>
@@ -2806,7 +3176,7 @@
           </a:prstGeom>
           <a:ln w="44450" cap="rnd">
             <a:solidFill>
-              <a:srgbClr val="D0CECE"/>
+              <a:srgbClr val="8DBABD"/>
             </a:solidFill>
           </a:ln>
           <a:effectLst>
@@ -2834,7 +3204,7 @@
       </p:cxnSp>
       <p:cxnSp>
         <p:nvCxnSpPr>
-          <p:cNvPr id="15" name="직선 연결선 14"/>
+          <p:cNvPr id="8" name="직선 연결선 7"/>
           <p:cNvCxnSpPr/>
           <p:nvPr/>
         </p:nvCxnSpPr>
@@ -2878,55 +3248,13 @@
       </p:cxnSp>
       <p:cxnSp>
         <p:nvCxnSpPr>
-          <p:cNvPr id="16" name="직선 연결선 15"/>
+          <p:cNvPr id="9" name="직선 연결선 8"/>
           <p:cNvCxnSpPr/>
           <p:nvPr/>
         </p:nvCxnSpPr>
         <p:spPr>
           <a:xfrm>
             <a:off x="11286026" y="144941"/>
-            <a:ext cx="360000" cy="0"/>
-          </a:xfrm>
-          <a:prstGeom prst="line">
-            <a:avLst/>
-          </a:prstGeom>
-          <a:ln w="44450" cap="rnd">
-            <a:solidFill>
-              <a:srgbClr val="8DBABD"/>
-            </a:solidFill>
-          </a:ln>
-          <a:effectLst>
-            <a:outerShdw blurRad="50800" dist="38100" dir="5400000" algn="t" rotWithShape="0">
-              <a:prstClr val="black">
-                <a:alpha val="40000"/>
-              </a:prstClr>
-            </a:outerShdw>
-          </a:effectLst>
-        </p:spPr>
-        <p:style>
-          <a:lnRef idx="1">
-            <a:schemeClr val="accent1"/>
-          </a:lnRef>
-          <a:fillRef idx="0">
-            <a:schemeClr val="accent1"/>
-          </a:fillRef>
-          <a:effectRef idx="0">
-            <a:schemeClr val="accent1"/>
-          </a:effectRef>
-          <a:fontRef idx="minor">
-            <a:schemeClr val="tx1"/>
-          </a:fontRef>
-        </p:style>
-      </p:cxnSp>
-      <p:cxnSp>
-        <p:nvCxnSpPr>
-          <p:cNvPr id="17" name="직선 연결선 16"/>
-          <p:cNvCxnSpPr/>
-          <p:nvPr/>
-        </p:nvCxnSpPr>
-        <p:spPr>
-          <a:xfrm>
-            <a:off x="11713592" y="144941"/>
             <a:ext cx="360000" cy="0"/>
           </a:xfrm>
           <a:prstGeom prst="line">
@@ -2964,25 +3292,32 @@
       </p:cxnSp>
       <p:cxnSp>
         <p:nvCxnSpPr>
-          <p:cNvPr id="18" name="직선 연결선 17"/>
+          <p:cNvPr id="10" name="직선 연결선 9"/>
           <p:cNvCxnSpPr/>
           <p:nvPr/>
         </p:nvCxnSpPr>
         <p:spPr>
           <a:xfrm>
-            <a:off x="1026522" y="989148"/>
-            <a:ext cx="2160000" cy="0"/>
+            <a:off x="11713592" y="144941"/>
+            <a:ext cx="360000" cy="0"/>
           </a:xfrm>
           <a:prstGeom prst="line">
             <a:avLst/>
           </a:prstGeom>
-          <a:ln>
+          <a:ln w="44450" cap="rnd">
             <a:solidFill>
-              <a:schemeClr val="bg1">
-                <a:lumMod val="50000"/>
+              <a:schemeClr val="bg2">
+                <a:lumMod val="90000"/>
               </a:schemeClr>
             </a:solidFill>
           </a:ln>
+          <a:effectLst>
+            <a:outerShdw blurRad="50800" dist="38100" dir="5400000" algn="t" rotWithShape="0">
+              <a:prstClr val="black">
+                <a:alpha val="40000"/>
+              </a:prstClr>
+            </a:outerShdw>
+          </a:effectLst>
         </p:spPr>
         <p:style>
           <a:lnRef idx="1">
@@ -3001,14 +3336,14 @@
       </p:cxnSp>
       <p:sp>
         <p:nvSpPr>
-          <p:cNvPr id="19" name="TextBox 18"/>
+          <p:cNvPr id="13" name="TextBox 12"/>
           <p:cNvSpPr txBox="1"/>
           <p:nvPr/>
         </p:nvSpPr>
         <p:spPr>
           <a:xfrm>
-            <a:off x="1026522" y="437393"/>
-            <a:ext cx="2162773" cy="584775"/>
+            <a:off x="776392" y="1006929"/>
+            <a:ext cx="8820614" cy="400110"/>
           </a:xfrm>
           <a:prstGeom prst="rect">
             <a:avLst/>
@@ -3016,122 +3351,180 @@
           <a:noFill/>
         </p:spPr>
         <p:txBody>
-          <a:bodyPr wrap="none" rtlCol="0">
+          <a:bodyPr wrap="square" rtlCol="0">
             <a:spAutoFit/>
           </a:bodyPr>
           <a:lstStyle/>
           <a:p>
-            <a:pPr algn="ctr"/>
-            <a:r>
-              <a:rPr lang="en-US" altLang="ko-KR" sz="3200" spc="-150" dirty="0">
-                <a:solidFill>
-                  <a:srgbClr val="00002F"/>
-                </a:solidFill>
-                <a:latin typeface="메이플스토리" panose="02000300000000000000" pitchFamily="2" charset="-127"/>
-                <a:ea typeface="메이플스토리" panose="02000300000000000000" pitchFamily="2" charset="-127"/>
-              </a:rPr>
-              <a:t>CONTENTS</a:t>
-            </a:r>
-            <a:endParaRPr lang="ko-KR" altLang="en-US" sz="3200" spc="-150" dirty="0">
+            <a:r>
+              <a:rPr lang="ko-KR" altLang="en-US" sz="2000" spc="-150" dirty="0" err="1">
+                <a:solidFill>
+                  <a:srgbClr val="00002F"/>
+                </a:solidFill>
+                <a:highlight>
+                  <a:srgbClr val="C0C0C0"/>
+                </a:highlight>
+                <a:latin typeface="메이플스토리" panose="02000300000000000000" pitchFamily="2" charset="-127"/>
+                <a:ea typeface="메이플스토리" panose="02000300000000000000" pitchFamily="2" charset="-127"/>
+              </a:rPr>
+              <a:t>산점도</a:t>
+            </a:r>
+            <a:r>
+              <a:rPr lang="ko-KR" altLang="en-US" sz="2000" spc="-150" dirty="0">
+                <a:solidFill>
+                  <a:srgbClr val="00002F"/>
+                </a:solidFill>
+                <a:highlight>
+                  <a:srgbClr val="C0C0C0"/>
+                </a:highlight>
+                <a:latin typeface="메이플스토리" panose="02000300000000000000" pitchFamily="2" charset="-127"/>
+                <a:ea typeface="메이플스토리" panose="02000300000000000000" pitchFamily="2" charset="-127"/>
+              </a:rPr>
+              <a:t>  </a:t>
+            </a:r>
+            <a:r>
+              <a:rPr lang="en-US" altLang="ko-KR" sz="2000" spc="-150" dirty="0">
+                <a:solidFill>
+                  <a:srgbClr val="00002F"/>
+                </a:solidFill>
+                <a:highlight>
+                  <a:srgbClr val="C0C0C0"/>
+                </a:highlight>
+                <a:latin typeface="메이플스토리" panose="02000300000000000000" pitchFamily="2" charset="-127"/>
+                <a:ea typeface="메이플스토리" panose="02000300000000000000" pitchFamily="2" charset="-127"/>
+              </a:rPr>
+              <a:t>-  </a:t>
+            </a:r>
+            <a:r>
+              <a:rPr lang="ko-KR" altLang="en-US" sz="2000" spc="-150" dirty="0">
+                <a:solidFill>
+                  <a:srgbClr val="00002F"/>
+                </a:solidFill>
+                <a:highlight>
+                  <a:srgbClr val="C0C0C0"/>
+                </a:highlight>
+                <a:latin typeface="메이플스토리" panose="02000300000000000000" pitchFamily="2" charset="-127"/>
+                <a:ea typeface="메이플스토리" panose="02000300000000000000" pitchFamily="2" charset="-127"/>
+              </a:rPr>
+              <a:t>연차에 따른  만족도</a:t>
+            </a:r>
+            <a:r>
+              <a:rPr lang="en-US" altLang="ko-KR" sz="2000" spc="-150" dirty="0">
+                <a:solidFill>
+                  <a:srgbClr val="00002F"/>
+                </a:solidFill>
+                <a:highlight>
+                  <a:srgbClr val="C0C0C0"/>
+                </a:highlight>
+                <a:latin typeface="메이플스토리" panose="02000300000000000000" pitchFamily="2" charset="-127"/>
+                <a:ea typeface="메이플스토리" panose="02000300000000000000" pitchFamily="2" charset="-127"/>
+              </a:rPr>
+              <a:t> / </a:t>
+            </a:r>
+            <a:r>
+              <a:rPr lang="ko-KR" altLang="en-US" sz="2000" spc="-150" dirty="0">
+                <a:solidFill>
+                  <a:srgbClr val="00002F"/>
+                </a:solidFill>
+                <a:highlight>
+                  <a:srgbClr val="C0C0C0"/>
+                </a:highlight>
+                <a:latin typeface="메이플스토리" panose="02000300000000000000" pitchFamily="2" charset="-127"/>
+                <a:ea typeface="메이플스토리" panose="02000300000000000000" pitchFamily="2" charset="-127"/>
+              </a:rPr>
+              <a:t>해석 </a:t>
+            </a:r>
+            <a:r>
+              <a:rPr lang="en-US" altLang="ko-KR" sz="2000" spc="-150" dirty="0">
+                <a:solidFill>
+                  <a:srgbClr val="00002F"/>
+                </a:solidFill>
+                <a:highlight>
+                  <a:srgbClr val="C0C0C0"/>
+                </a:highlight>
+                <a:latin typeface="메이플스토리" panose="02000300000000000000" pitchFamily="2" charset="-127"/>
+                <a:ea typeface="메이플스토리" panose="02000300000000000000" pitchFamily="2" charset="-127"/>
+              </a:rPr>
+              <a:t>– </a:t>
+            </a:r>
+            <a:r>
+              <a:rPr lang="ko-KR" altLang="en-US" sz="2000" spc="-150" dirty="0">
+                <a:solidFill>
+                  <a:srgbClr val="00002F"/>
+                </a:solidFill>
+                <a:highlight>
+                  <a:srgbClr val="C0C0C0"/>
+                </a:highlight>
+                <a:latin typeface="메이플스토리" panose="02000300000000000000" pitchFamily="2" charset="-127"/>
+                <a:ea typeface="메이플스토리" panose="02000300000000000000" pitchFamily="2" charset="-127"/>
+              </a:rPr>
+              <a:t>만족도가 낮은 직원들은 퇴사를 하는 경향을 보인다</a:t>
+            </a:r>
+            <a:r>
+              <a:rPr lang="en-US" altLang="ko-KR" sz="2000" spc="-150" dirty="0">
+                <a:solidFill>
+                  <a:srgbClr val="00002F"/>
+                </a:solidFill>
+                <a:highlight>
+                  <a:srgbClr val="C0C0C0"/>
+                </a:highlight>
+                <a:latin typeface="메이플스토리" panose="02000300000000000000" pitchFamily="2" charset="-127"/>
+                <a:ea typeface="메이플스토리" panose="02000300000000000000" pitchFamily="2" charset="-127"/>
+              </a:rPr>
+              <a:t>.</a:t>
+            </a:r>
+            <a:endParaRPr lang="ko-KR" altLang="en-US" sz="2000" spc="-150" dirty="0">
               <a:solidFill>
                 <a:srgbClr val="00002F"/>
               </a:solidFill>
+              <a:highlight>
+                <a:srgbClr val="C0C0C0"/>
+              </a:highlight>
               <a:latin typeface="메이플스토리" panose="02000300000000000000" pitchFamily="2" charset="-127"/>
               <a:ea typeface="메이플스토리" panose="02000300000000000000" pitchFamily="2" charset="-127"/>
             </a:endParaRPr>
           </a:p>
         </p:txBody>
       </p:sp>
-      <p:sp>
-        <p:nvSpPr>
-          <p:cNvPr id="20" name="TextBox 19"/>
-          <p:cNvSpPr txBox="1"/>
-          <p:nvPr/>
-        </p:nvSpPr>
-        <p:spPr>
-          <a:xfrm>
-            <a:off x="455532" y="498947"/>
-            <a:ext cx="614271" cy="461665"/>
+      <p:pic>
+        <p:nvPicPr>
+          <p:cNvPr id="14" name="그림 13">
+            <a:extLst>
+              <a:ext uri="{FF2B5EF4-FFF2-40B4-BE49-F238E27FC236}">
+                <a16:creationId xmlns:a16="http://schemas.microsoft.com/office/drawing/2014/main" id="{91F03BA1-E22C-4C09-8545-543C5FCB6D60}"/>
+              </a:ext>
+            </a:extLst>
+          </p:cNvPr>
+          <p:cNvPicPr>
+            <a:picLocks noChangeAspect="1"/>
+          </p:cNvPicPr>
+          <p:nvPr/>
+        </p:nvPicPr>
+        <p:blipFill>
+          <a:blip r:embed="rId2">
+            <a:extLst>
+              <a:ext uri="{28A0092B-C50C-407E-A947-70E740481C1C}">
+                <a14:useLocalDpi xmlns:a14="http://schemas.microsoft.com/office/drawing/2010/main" val="0"/>
+              </a:ext>
+            </a:extLst>
+          </a:blip>
+          <a:srcRect/>
+          <a:stretch/>
+        </p:blipFill>
+        <p:spPr>
+          <a:xfrm>
+            <a:off x="4212378" y="1675080"/>
+            <a:ext cx="3767244" cy="4581841"/>
           </a:xfrm>
           <a:prstGeom prst="rect">
             <a:avLst/>
           </a:prstGeom>
-          <a:noFill/>
-        </p:spPr>
-        <p:txBody>
-          <a:bodyPr wrap="none" rtlCol="0">
-            <a:spAutoFit/>
-          </a:bodyPr>
-          <a:lstStyle/>
-          <a:p>
-            <a:pPr algn="ctr"/>
-            <a:r>
-              <a:rPr lang="en-US" altLang="ko-KR" sz="2400" spc="-150" dirty="0">
-                <a:solidFill>
-                  <a:srgbClr val="00002F"/>
-                </a:solidFill>
-                <a:latin typeface="메이플스토리" panose="02000300000000000000" pitchFamily="2" charset="-127"/>
-                <a:ea typeface="메이플스토리" panose="02000300000000000000" pitchFamily="2" charset="-127"/>
-              </a:rPr>
-              <a:t>03.</a:t>
-            </a:r>
-            <a:endParaRPr lang="ko-KR" altLang="en-US" sz="2400" spc="-150" dirty="0">
-              <a:solidFill>
-                <a:srgbClr val="00002F"/>
-              </a:solidFill>
-              <a:latin typeface="메이플스토리" panose="02000300000000000000" pitchFamily="2" charset="-127"/>
-              <a:ea typeface="메이플스토리" panose="02000300000000000000" pitchFamily="2" charset="-127"/>
-            </a:endParaRPr>
-          </a:p>
-        </p:txBody>
-      </p:sp>
-      <p:sp>
-        <p:nvSpPr>
-          <p:cNvPr id="21" name="TextBox 20"/>
-          <p:cNvSpPr txBox="1"/>
-          <p:nvPr/>
-        </p:nvSpPr>
-        <p:spPr>
-          <a:xfrm>
-            <a:off x="1053131" y="1006929"/>
-            <a:ext cx="612220" cy="369332"/>
-          </a:xfrm>
-          <a:prstGeom prst="rect">
-            <a:avLst/>
-          </a:prstGeom>
-          <a:noFill/>
-        </p:spPr>
-        <p:txBody>
-          <a:bodyPr wrap="none" rtlCol="0">
-            <a:spAutoFit/>
-          </a:bodyPr>
-          <a:lstStyle/>
-          <a:p>
-            <a:pPr algn="ctr"/>
-            <a:r>
-              <a:rPr lang="en-US" altLang="ko-KR" spc="-150" dirty="0">
-                <a:solidFill>
-                  <a:srgbClr val="00002F"/>
-                </a:solidFill>
-                <a:latin typeface="메이플스토리" panose="02000300000000000000" pitchFamily="2" charset="-127"/>
-                <a:ea typeface="메이플스토리" panose="02000300000000000000" pitchFamily="2" charset="-127"/>
-              </a:rPr>
-              <a:t>Text</a:t>
-            </a:r>
-            <a:endParaRPr lang="ko-KR" altLang="en-US" spc="-150" dirty="0">
-              <a:solidFill>
-                <a:srgbClr val="00002F"/>
-              </a:solidFill>
-              <a:latin typeface="메이플스토리" panose="02000300000000000000" pitchFamily="2" charset="-127"/>
-              <a:ea typeface="메이플스토리" panose="02000300000000000000" pitchFamily="2" charset="-127"/>
-            </a:endParaRPr>
-          </a:p>
-        </p:txBody>
-      </p:sp>
+        </p:spPr>
+      </p:pic>
     </p:spTree>
     <p:extLst>
       <p:ext uri="{BB962C8B-B14F-4D97-AF65-F5344CB8AC3E}">
-        <p14:creationId xmlns:p14="http://schemas.microsoft.com/office/powerpoint/2010/main" val="1531280797"/>
+        <p14:creationId xmlns:p14="http://schemas.microsoft.com/office/powerpoint/2010/main" val="2019731609"/>
       </p:ext>
     </p:extLst>
   </p:cSld>
@@ -3144,6 +3537,14 @@
 <file path=ppt/slides/slide16.xml><?xml version="1.0" encoding="utf-8"?>
 <p:sld xmlns:a="http://schemas.openxmlformats.org/drawingml/2006/main" xmlns:r="http://schemas.openxmlformats.org/officeDocument/2006/relationships" xmlns:p="http://schemas.openxmlformats.org/presentationml/2006/main">
   <p:cSld>
+    <p:bg>
+      <p:bgPr>
+        <a:solidFill>
+          <a:schemeClr val="bg1"/>
+        </a:solidFill>
+        <a:effectLst/>
+      </p:bgPr>
+    </p:bg>
     <p:spTree>
       <p:nvGrpSpPr>
         <p:cNvPr id="1" name=""/>
@@ -3166,8 +3567,8 @@
         </p:nvSpPr>
         <p:spPr>
           <a:xfrm>
-            <a:off x="4000500" y="2472873"/>
-            <a:ext cx="864339" cy="769441"/>
+            <a:off x="2566632" y="1727732"/>
+            <a:ext cx="809837" cy="769441"/>
           </a:xfrm>
           <a:prstGeom prst="rect">
             <a:avLst/>
@@ -3188,7 +3589,7 @@
                 <a:latin typeface="메이플스토리" panose="02000300000000000000" pitchFamily="2" charset="-127"/>
                 <a:ea typeface="메이플스토리" panose="02000300000000000000" pitchFamily="2" charset="-127"/>
               </a:rPr>
-              <a:t>04</a:t>
+              <a:t>05</a:t>
             </a:r>
             <a:endParaRPr lang="ko-KR" altLang="en-US" sz="4400" spc="-300" dirty="0">
               <a:solidFill>
@@ -3208,8 +3609,8 @@
         </p:nvSpPr>
         <p:spPr>
           <a:xfrm>
-            <a:off x="4000499" y="3169741"/>
-            <a:ext cx="4200071" cy="473345"/>
+            <a:off x="2971552" y="2497173"/>
+            <a:ext cx="6248897" cy="1276424"/>
           </a:xfrm>
           <a:prstGeom prst="rect">
             <a:avLst/>
@@ -3245,20 +3646,27 @@
           <a:p>
             <a:pPr algn="ctr"/>
             <a:r>
-              <a:rPr lang="ko-KR" altLang="en-US" dirty="0">
-                <a:latin typeface="메이플스토리" panose="02000300000000000000" pitchFamily="2" charset="-127"/>
-                <a:ea typeface="메이플스토리" panose="02000300000000000000" pitchFamily="2" charset="-127"/>
-              </a:rPr>
-              <a:t>내용을 입력하세요</a:t>
-            </a:r>
-            <a:r>
-              <a:rPr lang="en-US" altLang="ko-KR" dirty="0">
-                <a:latin typeface="메이플스토리" panose="02000300000000000000" pitchFamily="2" charset="-127"/>
-                <a:ea typeface="메이플스토리" panose="02000300000000000000" pitchFamily="2" charset="-127"/>
-              </a:rPr>
-              <a:t>.</a:t>
-            </a:r>
-            <a:endParaRPr lang="ko-KR" altLang="en-US" dirty="0">
+              <a:rPr lang="ko-KR" altLang="en-US" sz="3600" dirty="0">
+                <a:latin typeface="메이플스토리" panose="02000300000000000000" pitchFamily="2" charset="-127"/>
+                <a:ea typeface="메이플스토리" panose="02000300000000000000" pitchFamily="2" charset="-127"/>
+              </a:rPr>
+              <a:t>승진은 성적순이 </a:t>
+            </a:r>
+            <a:r>
+              <a:rPr lang="ko-KR" altLang="en-US" sz="3600" dirty="0" err="1">
+                <a:latin typeface="메이플스토리" panose="02000300000000000000" pitchFamily="2" charset="-127"/>
+                <a:ea typeface="메이플스토리" panose="02000300000000000000" pitchFamily="2" charset="-127"/>
+              </a:rPr>
+              <a:t>아니잖아요</a:t>
+            </a:r>
+            <a:r>
+              <a:rPr lang="en-US" altLang="ko-KR" sz="3600" dirty="0">
+                <a:latin typeface="메이플스토리" panose="02000300000000000000" pitchFamily="2" charset="-127"/>
+                <a:ea typeface="메이플스토리" panose="02000300000000000000" pitchFamily="2" charset="-127"/>
+              </a:rPr>
+              <a:t>...</a:t>
+            </a:r>
+            <a:endParaRPr lang="ko-KR" altLang="en-US" sz="3600" dirty="0">
               <a:latin typeface="메이플스토리" panose="02000300000000000000" pitchFamily="2" charset="-127"/>
               <a:ea typeface="메이플스토리" panose="02000300000000000000" pitchFamily="2" charset="-127"/>
             </a:endParaRPr>
@@ -3268,7 +3676,7 @@
     </p:spTree>
     <p:extLst>
       <p:ext uri="{BB962C8B-B14F-4D97-AF65-F5344CB8AC3E}">
-        <p14:creationId xmlns:p14="http://schemas.microsoft.com/office/powerpoint/2010/main" val="2671169022"/>
+        <p14:creationId xmlns:p14="http://schemas.microsoft.com/office/powerpoint/2010/main" val="2029573387"/>
       </p:ext>
     </p:extLst>
   </p:cSld>
@@ -3295,16 +3703,460 @@
           <a:chExt cx="0" cy="0"/>
         </a:xfrm>
       </p:grpSpPr>
+      <p:graphicFrame>
+        <p:nvGraphicFramePr>
+          <p:cNvPr id="6" name="표 10">
+            <a:extLst>
+              <a:ext uri="{FF2B5EF4-FFF2-40B4-BE49-F238E27FC236}">
+                <a16:creationId xmlns:a16="http://schemas.microsoft.com/office/drawing/2014/main" id="{4D721427-A8E6-4FD2-BAB3-BE88AB9999A7}"/>
+              </a:ext>
+            </a:extLst>
+          </p:cNvPr>
+          <p:cNvGraphicFramePr>
+            <a:graphicFrameLocks noGrp="1"/>
+          </p:cNvGraphicFramePr>
+          <p:nvPr>
+            <p:extLst>
+              <p:ext uri="{D42A27DB-BD31-4B8C-83A1-F6EECF244321}">
+                <p14:modId xmlns:p14="http://schemas.microsoft.com/office/powerpoint/2010/main" val="3046681530"/>
+              </p:ext>
+            </p:extLst>
+          </p:nvPr>
+        </p:nvGraphicFramePr>
+        <p:xfrm>
+          <a:off x="762667" y="2653147"/>
+          <a:ext cx="9884867" cy="1551706"/>
+        </p:xfrm>
+        <a:graphic>
+          <a:graphicData uri="http://schemas.openxmlformats.org/drawingml/2006/table">
+            <a:tbl>
+              <a:tblPr firstRow="1" bandRow="1">
+                <a:tableStyleId>{F5AB1C69-6EDB-4FF4-983F-18BD219EF322}</a:tableStyleId>
+              </a:tblPr>
+              <a:tblGrid>
+                <a:gridCol w="1073321">
+                  <a:extLst>
+                    <a:ext uri="{9D8B030D-6E8A-4147-A177-3AD203B41FA5}">
+                      <a16:colId xmlns:a16="http://schemas.microsoft.com/office/drawing/2014/main" val="1423167219"/>
+                    </a:ext>
+                  </a:extLst>
+                </a:gridCol>
+                <a:gridCol w="2937182">
+                  <a:extLst>
+                    <a:ext uri="{9D8B030D-6E8A-4147-A177-3AD203B41FA5}">
+                      <a16:colId xmlns:a16="http://schemas.microsoft.com/office/drawing/2014/main" val="2998681635"/>
+                    </a:ext>
+                  </a:extLst>
+                </a:gridCol>
+                <a:gridCol w="2937182">
+                  <a:extLst>
+                    <a:ext uri="{9D8B030D-6E8A-4147-A177-3AD203B41FA5}">
+                      <a16:colId xmlns:a16="http://schemas.microsoft.com/office/drawing/2014/main" val="2647287412"/>
+                    </a:ext>
+                  </a:extLst>
+                </a:gridCol>
+                <a:gridCol w="2937182">
+                  <a:extLst>
+                    <a:ext uri="{9D8B030D-6E8A-4147-A177-3AD203B41FA5}">
+                      <a16:colId xmlns:a16="http://schemas.microsoft.com/office/drawing/2014/main" val="1295782723"/>
+                    </a:ext>
+                  </a:extLst>
+                </a:gridCol>
+              </a:tblGrid>
+              <a:tr h="512490">
+                <a:tc>
+                  <a:txBody>
+                    <a:bodyPr/>
+                    <a:lstStyle/>
+                    <a:p>
+                      <a:pPr latinLnBrk="1"/>
+                      <a:r>
+                        <a:rPr lang="ko-KR" altLang="en-US" dirty="0">
+                          <a:latin typeface="메이플스토리" panose="02000300000000000000" pitchFamily="2" charset="-127"/>
+                          <a:ea typeface="메이플스토리" panose="02000300000000000000" pitchFamily="2" charset="-127"/>
+                        </a:rPr>
+                        <a:t>승진여부</a:t>
+                      </a:r>
+                    </a:p>
+                  </a:txBody>
+                  <a:tcPr/>
+                </a:tc>
+                <a:tc>
+                  <a:txBody>
+                    <a:bodyPr/>
+                    <a:lstStyle/>
+                    <a:p>
+                      <a:pPr latinLnBrk="1"/>
+                      <a:r>
+                        <a:rPr lang="ko-KR" altLang="en-US" sz="2400" dirty="0">
+                          <a:latin typeface="메이플스토리" panose="02000300000000000000" pitchFamily="2" charset="-127"/>
+                          <a:ea typeface="메이플스토리" panose="02000300000000000000" pitchFamily="2" charset="-127"/>
+                        </a:rPr>
+                        <a:t>인사고과 점수</a:t>
+                      </a:r>
+                    </a:p>
+                  </a:txBody>
+                  <a:tcPr/>
+                </a:tc>
+                <a:tc>
+                  <a:txBody>
+                    <a:bodyPr/>
+                    <a:lstStyle/>
+                    <a:p>
+                      <a:pPr latinLnBrk="1"/>
+                      <a:r>
+                        <a:rPr lang="ko-KR" altLang="en-US" sz="2400" dirty="0">
+                          <a:latin typeface="메이플스토리" panose="02000300000000000000" pitchFamily="2" charset="-127"/>
+                          <a:ea typeface="메이플스토리" panose="02000300000000000000" pitchFamily="2" charset="-127"/>
+                        </a:rPr>
+                        <a:t>프로젝트 수</a:t>
+                      </a:r>
+                    </a:p>
+                  </a:txBody>
+                  <a:tcPr/>
+                </a:tc>
+                <a:tc>
+                  <a:txBody>
+                    <a:bodyPr/>
+                    <a:lstStyle/>
+                    <a:p>
+                      <a:pPr latinLnBrk="1"/>
+                      <a:r>
+                        <a:rPr lang="ko-KR" altLang="en-US" sz="2400" dirty="0">
+                          <a:latin typeface="메이플스토리" panose="02000300000000000000" pitchFamily="2" charset="-127"/>
+                          <a:ea typeface="메이플스토리" panose="02000300000000000000" pitchFamily="2" charset="-127"/>
+                        </a:rPr>
+                        <a:t>근무 시간</a:t>
+                      </a:r>
+                    </a:p>
+                  </a:txBody>
+                  <a:tcPr/>
+                </a:tc>
+                <a:extLst>
+                  <a:ext uri="{0D108BD9-81ED-4DB2-BD59-A6C34878D82A}">
+                    <a16:rowId xmlns:a16="http://schemas.microsoft.com/office/drawing/2014/main" val="3411232878"/>
+                  </a:ext>
+                </a:extLst>
+              </a:tr>
+              <a:tr h="519608">
+                <a:tc>
+                  <a:txBody>
+                    <a:bodyPr/>
+                    <a:lstStyle/>
+                    <a:p>
+                      <a:pPr latinLnBrk="1"/>
+                      <a:r>
+                        <a:rPr lang="en-US" altLang="ko-KR" sz="2400" dirty="0">
+                          <a:latin typeface="메이플스토리" panose="02000300000000000000" pitchFamily="2" charset="-127"/>
+                          <a:ea typeface="메이플스토리" panose="02000300000000000000" pitchFamily="2" charset="-127"/>
+                        </a:rPr>
+                        <a:t>NO</a:t>
+                      </a:r>
+                    </a:p>
+                  </a:txBody>
+                  <a:tcPr/>
+                </a:tc>
+                <a:tc>
+                  <a:txBody>
+                    <a:bodyPr/>
+                    <a:lstStyle/>
+                    <a:p>
+                      <a:pPr latinLnBrk="1"/>
+                      <a:r>
+                        <a:rPr lang="en-US" altLang="ko-KR" sz="2400" dirty="0">
+                          <a:latin typeface="메이플스토리" panose="02000300000000000000" pitchFamily="2" charset="-127"/>
+                          <a:ea typeface="메이플스토리" panose="02000300000000000000" pitchFamily="2" charset="-127"/>
+                        </a:rPr>
+                        <a:t>0.716</a:t>
+                      </a:r>
+                      <a:r>
+                        <a:rPr lang="ko-KR" altLang="en-US" sz="2400" dirty="0">
+                          <a:latin typeface="메이플스토리" panose="02000300000000000000" pitchFamily="2" charset="-127"/>
+                          <a:ea typeface="메이플스토리" panose="02000300000000000000" pitchFamily="2" charset="-127"/>
+                        </a:rPr>
+                        <a:t>점</a:t>
+                      </a:r>
+                    </a:p>
+                  </a:txBody>
+                  <a:tcPr/>
+                </a:tc>
+                <a:tc>
+                  <a:txBody>
+                    <a:bodyPr/>
+                    <a:lstStyle/>
+                    <a:p>
+                      <a:pPr latinLnBrk="1"/>
+                      <a:r>
+                        <a:rPr lang="en-US" altLang="ko-KR" sz="2400" dirty="0">
+                          <a:latin typeface="메이플스토리" panose="02000300000000000000" pitchFamily="2" charset="-127"/>
+                          <a:ea typeface="메이플스토리" panose="02000300000000000000" pitchFamily="2" charset="-127"/>
+                        </a:rPr>
+                        <a:t>3.80</a:t>
+                      </a:r>
+                      <a:r>
+                        <a:rPr lang="ko-KR" altLang="en-US" sz="2400" dirty="0">
+                          <a:latin typeface="메이플스토리" panose="02000300000000000000" pitchFamily="2" charset="-127"/>
+                          <a:ea typeface="메이플스토리" panose="02000300000000000000" pitchFamily="2" charset="-127"/>
+                        </a:rPr>
+                        <a:t>개</a:t>
+                      </a:r>
+                    </a:p>
+                  </a:txBody>
+                  <a:tcPr/>
+                </a:tc>
+                <a:tc>
+                  <a:txBody>
+                    <a:bodyPr/>
+                    <a:lstStyle/>
+                    <a:p>
+                      <a:pPr latinLnBrk="1"/>
+                      <a:r>
+                        <a:rPr lang="en-US" altLang="ko-KR" sz="2400" dirty="0">
+                          <a:latin typeface="메이플스토리" panose="02000300000000000000" pitchFamily="2" charset="-127"/>
+                          <a:ea typeface="메이플스토리" panose="02000300000000000000" pitchFamily="2" charset="-127"/>
+                        </a:rPr>
+                        <a:t>201</a:t>
+                      </a:r>
+                      <a:r>
+                        <a:rPr lang="ko-KR" altLang="en-US" sz="2400" dirty="0">
+                          <a:latin typeface="메이플스토리" panose="02000300000000000000" pitchFamily="2" charset="-127"/>
+                          <a:ea typeface="메이플스토리" panose="02000300000000000000" pitchFamily="2" charset="-127"/>
+                        </a:rPr>
+                        <a:t>시간</a:t>
+                      </a:r>
+                    </a:p>
+                  </a:txBody>
+                  <a:tcPr/>
+                </a:tc>
+                <a:extLst>
+                  <a:ext uri="{0D108BD9-81ED-4DB2-BD59-A6C34878D82A}">
+                    <a16:rowId xmlns:a16="http://schemas.microsoft.com/office/drawing/2014/main" val="3363316642"/>
+                  </a:ext>
+                </a:extLst>
+              </a:tr>
+              <a:tr h="519608">
+                <a:tc>
+                  <a:txBody>
+                    <a:bodyPr/>
+                    <a:lstStyle/>
+                    <a:p>
+                      <a:pPr latinLnBrk="1"/>
+                      <a:r>
+                        <a:rPr lang="en-US" altLang="ko-KR" sz="2400" dirty="0">
+                          <a:latin typeface="메이플스토리" panose="02000300000000000000" pitchFamily="2" charset="-127"/>
+                          <a:ea typeface="메이플스토리" panose="02000300000000000000" pitchFamily="2" charset="-127"/>
+                        </a:rPr>
+                        <a:t>YES</a:t>
+                      </a:r>
+                      <a:endParaRPr lang="ko-KR" altLang="en-US" sz="2400" dirty="0">
+                        <a:latin typeface="메이플스토리" panose="02000300000000000000" pitchFamily="2" charset="-127"/>
+                        <a:ea typeface="메이플스토리" panose="02000300000000000000" pitchFamily="2" charset="-127"/>
+                      </a:endParaRPr>
+                    </a:p>
+                  </a:txBody>
+                  <a:tcPr/>
+                </a:tc>
+                <a:tc>
+                  <a:txBody>
+                    <a:bodyPr/>
+                    <a:lstStyle/>
+                    <a:p>
+                      <a:pPr latinLnBrk="1"/>
+                      <a:r>
+                        <a:rPr lang="en-US" altLang="ko-KR" sz="2400" dirty="0">
+                          <a:latin typeface="메이플스토리" panose="02000300000000000000" pitchFamily="2" charset="-127"/>
+                          <a:ea typeface="메이플스토리" panose="02000300000000000000" pitchFamily="2" charset="-127"/>
+                        </a:rPr>
+                        <a:t>0.706</a:t>
+                      </a:r>
+                      <a:r>
+                        <a:rPr lang="ko-KR" altLang="en-US" sz="2400" dirty="0">
+                          <a:latin typeface="메이플스토리" panose="02000300000000000000" pitchFamily="2" charset="-127"/>
+                          <a:ea typeface="메이플스토리" panose="02000300000000000000" pitchFamily="2" charset="-127"/>
+                        </a:rPr>
+                        <a:t>점</a:t>
+                      </a:r>
+                    </a:p>
+                  </a:txBody>
+                  <a:tcPr/>
+                </a:tc>
+                <a:tc>
+                  <a:txBody>
+                    <a:bodyPr/>
+                    <a:lstStyle/>
+                    <a:p>
+                      <a:pPr latinLnBrk="1"/>
+                      <a:r>
+                        <a:rPr lang="en-US" altLang="ko-KR" sz="2400" dirty="0">
+                          <a:latin typeface="메이플스토리" panose="02000300000000000000" pitchFamily="2" charset="-127"/>
+                          <a:ea typeface="메이플스토리" panose="02000300000000000000" pitchFamily="2" charset="-127"/>
+                        </a:rPr>
+                        <a:t>3.75</a:t>
+                      </a:r>
+                      <a:r>
+                        <a:rPr lang="ko-KR" altLang="en-US" sz="2400" dirty="0">
+                          <a:latin typeface="메이플스토리" panose="02000300000000000000" pitchFamily="2" charset="-127"/>
+                          <a:ea typeface="메이플스토리" panose="02000300000000000000" pitchFamily="2" charset="-127"/>
+                        </a:rPr>
+                        <a:t>개</a:t>
+                      </a:r>
+                    </a:p>
+                  </a:txBody>
+                  <a:tcPr/>
+                </a:tc>
+                <a:tc>
+                  <a:txBody>
+                    <a:bodyPr/>
+                    <a:lstStyle/>
+                    <a:p>
+                      <a:pPr latinLnBrk="1"/>
+                      <a:r>
+                        <a:rPr lang="en-US" altLang="ko-KR" sz="2400" dirty="0">
+                          <a:latin typeface="메이플스토리" panose="02000300000000000000" pitchFamily="2" charset="-127"/>
+                          <a:ea typeface="메이플스토리" panose="02000300000000000000" pitchFamily="2" charset="-127"/>
+                        </a:rPr>
+                        <a:t>200</a:t>
+                      </a:r>
+                      <a:r>
+                        <a:rPr lang="ko-KR" altLang="en-US" sz="2400" dirty="0">
+                          <a:latin typeface="메이플스토리" panose="02000300000000000000" pitchFamily="2" charset="-127"/>
+                          <a:ea typeface="메이플스토리" panose="02000300000000000000" pitchFamily="2" charset="-127"/>
+                        </a:rPr>
+                        <a:t>시간</a:t>
+                      </a:r>
+                    </a:p>
+                  </a:txBody>
+                  <a:tcPr/>
+                </a:tc>
+                <a:extLst>
+                  <a:ext uri="{0D108BD9-81ED-4DB2-BD59-A6C34878D82A}">
+                    <a16:rowId xmlns:a16="http://schemas.microsoft.com/office/drawing/2014/main" val="35863429"/>
+                  </a:ext>
+                </a:extLst>
+              </a:tr>
+            </a:tbl>
+          </a:graphicData>
+        </a:graphic>
+      </p:graphicFrame>
+      <p:cxnSp>
+        <p:nvCxnSpPr>
+          <p:cNvPr id="4" name="직선 연결선 3"/>
+          <p:cNvCxnSpPr/>
+          <p:nvPr/>
+        </p:nvCxnSpPr>
+        <p:spPr>
+          <a:xfrm>
+            <a:off x="1026522" y="989148"/>
+            <a:ext cx="2160000" cy="0"/>
+          </a:xfrm>
+          <a:prstGeom prst="line">
+            <a:avLst/>
+          </a:prstGeom>
+          <a:ln>
+            <a:solidFill>
+              <a:schemeClr val="bg1">
+                <a:lumMod val="50000"/>
+              </a:schemeClr>
+            </a:solidFill>
+          </a:ln>
+        </p:spPr>
+        <p:style>
+          <a:lnRef idx="1">
+            <a:schemeClr val="accent1"/>
+          </a:lnRef>
+          <a:fillRef idx="0">
+            <a:schemeClr val="accent1"/>
+          </a:fillRef>
+          <a:effectRef idx="0">
+            <a:schemeClr val="accent1"/>
+          </a:effectRef>
+          <a:fontRef idx="minor">
+            <a:schemeClr val="tx1"/>
+          </a:fontRef>
+        </p:style>
+      </p:cxnSp>
       <p:sp>
         <p:nvSpPr>
-          <p:cNvPr id="11" name="TextBox 10"/>
+          <p:cNvPr id="5" name="TextBox 4"/>
           <p:cNvSpPr txBox="1"/>
           <p:nvPr/>
         </p:nvSpPr>
         <p:spPr>
           <a:xfrm>
-            <a:off x="2664965" y="2091297"/>
-            <a:ext cx="1004250" cy="584775"/>
+            <a:off x="973593" y="437393"/>
+            <a:ext cx="8985072" cy="584775"/>
+          </a:xfrm>
+          <a:prstGeom prst="rect">
+            <a:avLst/>
+          </a:prstGeom>
+          <a:noFill/>
+        </p:spPr>
+        <p:txBody>
+          <a:bodyPr wrap="square" rtlCol="0">
+            <a:spAutoFit/>
+          </a:bodyPr>
+          <a:lstStyle/>
+          <a:p>
+            <a:r>
+              <a:rPr lang="en-US" altLang="ko-KR" sz="3200" spc="-150" dirty="0">
+                <a:solidFill>
+                  <a:srgbClr val="00002F"/>
+                </a:solidFill>
+                <a:latin typeface="메이플스토리" panose="02000300000000000000" pitchFamily="2" charset="-127"/>
+                <a:ea typeface="메이플스토리" panose="02000300000000000000" pitchFamily="2" charset="-127"/>
+              </a:rPr>
+              <a:t>CONTENTS – </a:t>
+            </a:r>
+            <a:r>
+              <a:rPr lang="ko-KR" altLang="en-US" sz="3200" spc="-150" dirty="0">
+                <a:solidFill>
+                  <a:srgbClr val="00002F"/>
+                </a:solidFill>
+                <a:latin typeface="메이플스토리" panose="02000300000000000000" pitchFamily="2" charset="-127"/>
+                <a:ea typeface="메이플스토리" panose="02000300000000000000" pitchFamily="2" charset="-127"/>
+              </a:rPr>
+              <a:t>승진은 성적순이 </a:t>
+            </a:r>
+            <a:r>
+              <a:rPr lang="ko-KR" altLang="en-US" sz="3200" spc="-150" dirty="0" err="1">
+                <a:solidFill>
+                  <a:srgbClr val="00002F"/>
+                </a:solidFill>
+                <a:latin typeface="메이플스토리" panose="02000300000000000000" pitchFamily="2" charset="-127"/>
+                <a:ea typeface="메이플스토리" panose="02000300000000000000" pitchFamily="2" charset="-127"/>
+              </a:rPr>
+              <a:t>아니잖아요</a:t>
+            </a:r>
+            <a:r>
+              <a:rPr lang="en-US" altLang="ko-KR" sz="3200" spc="-150" dirty="0">
+                <a:solidFill>
+                  <a:srgbClr val="00002F"/>
+                </a:solidFill>
+                <a:latin typeface="메이플스토리" panose="02000300000000000000" pitchFamily="2" charset="-127"/>
+                <a:ea typeface="메이플스토리" panose="02000300000000000000" pitchFamily="2" charset="-127"/>
+              </a:rPr>
+              <a:t>...</a:t>
+            </a:r>
+            <a:endParaRPr lang="ko-KR" altLang="en-US" sz="3200" spc="-150" dirty="0">
+              <a:solidFill>
+                <a:srgbClr val="00002F"/>
+              </a:solidFill>
+              <a:latin typeface="메이플스토리" panose="02000300000000000000" pitchFamily="2" charset="-127"/>
+              <a:ea typeface="메이플스토리" panose="02000300000000000000" pitchFamily="2" charset="-127"/>
+            </a:endParaRPr>
+          </a:p>
+        </p:txBody>
+      </p:sp>
+      <p:sp>
+        <p:nvSpPr>
+          <p:cNvPr id="12" name="TextBox 11"/>
+          <p:cNvSpPr txBox="1"/>
+          <p:nvPr/>
+        </p:nvSpPr>
+        <p:spPr>
+          <a:xfrm>
+            <a:off x="469157" y="498947"/>
+            <a:ext cx="587020" cy="461665"/>
           </a:xfrm>
           <a:prstGeom prst="rect">
             <a:avLst/>
@@ -3319,18 +4171,18 @@
           <a:p>
             <a:pPr algn="ctr"/>
             <a:r>
-              <a:rPr lang="en-US" altLang="ko-KR" sz="3200" spc="-150" dirty="0">
-                <a:solidFill>
-                  <a:srgbClr val="8DBABD"/>
-                </a:solidFill>
-                <a:latin typeface="메이플스토리" panose="02000300000000000000" pitchFamily="2" charset="-127"/>
-                <a:ea typeface="메이플스토리" panose="02000300000000000000" pitchFamily="2" charset="-127"/>
-              </a:rPr>
-              <a:t>Text</a:t>
-            </a:r>
-            <a:endParaRPr lang="ko-KR" altLang="en-US" sz="3200" spc="-150" dirty="0">
+              <a:rPr lang="en-US" altLang="ko-KR" sz="2400" spc="-150" dirty="0">
+                <a:solidFill>
+                  <a:srgbClr val="00002F"/>
+                </a:solidFill>
+                <a:latin typeface="메이플스토리" panose="02000300000000000000" pitchFamily="2" charset="-127"/>
+                <a:ea typeface="메이플스토리" panose="02000300000000000000" pitchFamily="2" charset="-127"/>
+              </a:rPr>
+              <a:t>05.</a:t>
+            </a:r>
+            <a:endParaRPr lang="ko-KR" altLang="en-US" sz="2400" spc="-150" dirty="0">
               <a:solidFill>
-                <a:srgbClr val="8DBABD"/>
+                <a:srgbClr val="00002F"/>
               </a:solidFill>
               <a:latin typeface="메이플스토리" panose="02000300000000000000" pitchFamily="2" charset="-127"/>
               <a:ea typeface="메이플스토리" panose="02000300000000000000" pitchFamily="2" charset="-127"/>
@@ -3340,7 +4192,7 @@
       </p:sp>
       <p:cxnSp>
         <p:nvCxnSpPr>
-          <p:cNvPr id="14" name="직선 연결선 13"/>
+          <p:cNvPr id="7" name="직선 연결선 6"/>
           <p:cNvCxnSpPr/>
           <p:nvPr/>
         </p:nvCxnSpPr>
@@ -3354,7 +4206,7 @@
           </a:prstGeom>
           <a:ln w="44450" cap="rnd">
             <a:solidFill>
-              <a:srgbClr val="D0CECE"/>
+              <a:srgbClr val="8DBABD"/>
             </a:solidFill>
           </a:ln>
           <a:effectLst>
@@ -3382,7 +4234,7 @@
       </p:cxnSp>
       <p:cxnSp>
         <p:nvCxnSpPr>
-          <p:cNvPr id="15" name="직선 연결선 14"/>
+          <p:cNvPr id="8" name="직선 연결선 7"/>
           <p:cNvCxnSpPr/>
           <p:nvPr/>
         </p:nvCxnSpPr>
@@ -3426,7 +4278,7 @@
       </p:cxnSp>
       <p:cxnSp>
         <p:nvCxnSpPr>
-          <p:cNvPr id="16" name="직선 연결선 15"/>
+          <p:cNvPr id="9" name="직선 연결선 8"/>
           <p:cNvCxnSpPr/>
           <p:nvPr/>
         </p:nvCxnSpPr>
@@ -3470,7 +4322,7 @@
       </p:cxnSp>
       <p:cxnSp>
         <p:nvCxnSpPr>
-          <p:cNvPr id="17" name="직선 연결선 16"/>
+          <p:cNvPr id="10" name="직선 연결선 9"/>
           <p:cNvCxnSpPr/>
           <p:nvPr/>
         </p:nvCxnSpPr>
@@ -3484,7 +4336,9 @@
           </a:prstGeom>
           <a:ln w="44450" cap="rnd">
             <a:solidFill>
-              <a:srgbClr val="8DBABD"/>
+              <a:schemeClr val="bg2">
+                <a:lumMod val="90000"/>
+              </a:schemeClr>
             </a:solidFill>
           </a:ln>
           <a:effectLst>
@@ -3510,53 +4364,16 @@
           </a:fontRef>
         </p:style>
       </p:cxnSp>
-      <p:cxnSp>
-        <p:nvCxnSpPr>
-          <p:cNvPr id="18" name="직선 연결선 17"/>
-          <p:cNvCxnSpPr/>
-          <p:nvPr/>
-        </p:nvCxnSpPr>
-        <p:spPr>
-          <a:xfrm>
-            <a:off x="1026522" y="989148"/>
-            <a:ext cx="2160000" cy="0"/>
-          </a:xfrm>
-          <a:prstGeom prst="line">
-            <a:avLst/>
-          </a:prstGeom>
-          <a:ln>
-            <a:solidFill>
-              <a:schemeClr val="bg1">
-                <a:lumMod val="50000"/>
-              </a:schemeClr>
-            </a:solidFill>
-          </a:ln>
-        </p:spPr>
-        <p:style>
-          <a:lnRef idx="1">
-            <a:schemeClr val="accent1"/>
-          </a:lnRef>
-          <a:fillRef idx="0">
-            <a:schemeClr val="accent1"/>
-          </a:fillRef>
-          <a:effectRef idx="0">
-            <a:schemeClr val="accent1"/>
-          </a:effectRef>
-          <a:fontRef idx="minor">
-            <a:schemeClr val="tx1"/>
-          </a:fontRef>
-        </p:style>
-      </p:cxnSp>
       <p:sp>
         <p:nvSpPr>
-          <p:cNvPr id="19" name="TextBox 18"/>
+          <p:cNvPr id="13" name="TextBox 12"/>
           <p:cNvSpPr txBox="1"/>
           <p:nvPr/>
         </p:nvSpPr>
         <p:spPr>
           <a:xfrm>
-            <a:off x="1026522" y="437393"/>
-            <a:ext cx="2162773" cy="584775"/>
+            <a:off x="776392" y="1006929"/>
+            <a:ext cx="8820614" cy="400110"/>
           </a:xfrm>
           <a:prstGeom prst="rect">
             <a:avLst/>
@@ -3564,112 +4381,174 @@
           <a:noFill/>
         </p:spPr>
         <p:txBody>
-          <a:bodyPr wrap="none" rtlCol="0">
+          <a:bodyPr wrap="square" rtlCol="0">
             <a:spAutoFit/>
           </a:bodyPr>
           <a:lstStyle/>
           <a:p>
-            <a:pPr algn="ctr"/>
-            <a:r>
-              <a:rPr lang="en-US" altLang="ko-KR" sz="3200" spc="-150" dirty="0">
-                <a:solidFill>
-                  <a:srgbClr val="00002F"/>
-                </a:solidFill>
-                <a:latin typeface="메이플스토리" panose="02000300000000000000" pitchFamily="2" charset="-127"/>
-                <a:ea typeface="메이플스토리" panose="02000300000000000000" pitchFamily="2" charset="-127"/>
-              </a:rPr>
-              <a:t>CONTENTS</a:t>
-            </a:r>
-            <a:endParaRPr lang="ko-KR" altLang="en-US" sz="3200" spc="-150" dirty="0">
+            <a:r>
+              <a:rPr lang="ko-KR" altLang="en-US" sz="2000" spc="-150" dirty="0">
+                <a:solidFill>
+                  <a:srgbClr val="00002F"/>
+                </a:solidFill>
+                <a:highlight>
+                  <a:srgbClr val="C0C0C0"/>
+                </a:highlight>
+                <a:latin typeface="메이플스토리" panose="02000300000000000000" pitchFamily="2" charset="-127"/>
+                <a:ea typeface="메이플스토리" panose="02000300000000000000" pitchFamily="2" charset="-127"/>
+              </a:rPr>
+              <a:t>테이블 </a:t>
+            </a:r>
+            <a:r>
+              <a:rPr lang="en-US" altLang="ko-KR" sz="2000" spc="-150" dirty="0">
+                <a:solidFill>
+                  <a:srgbClr val="00002F"/>
+                </a:solidFill>
+                <a:highlight>
+                  <a:srgbClr val="C0C0C0"/>
+                </a:highlight>
+                <a:latin typeface="메이플스토리" panose="02000300000000000000" pitchFamily="2" charset="-127"/>
+                <a:ea typeface="메이플스토리" panose="02000300000000000000" pitchFamily="2" charset="-127"/>
+              </a:rPr>
+              <a:t>– </a:t>
+            </a:r>
+            <a:r>
+              <a:rPr lang="ko-KR" altLang="en-US" sz="2000" spc="-150" dirty="0">
+                <a:solidFill>
+                  <a:srgbClr val="00002F"/>
+                </a:solidFill>
+                <a:highlight>
+                  <a:srgbClr val="C0C0C0"/>
+                </a:highlight>
+                <a:latin typeface="메이플스토리" panose="02000300000000000000" pitchFamily="2" charset="-127"/>
+                <a:ea typeface="메이플스토리" panose="02000300000000000000" pitchFamily="2" charset="-127"/>
+              </a:rPr>
+              <a:t>승진여부는 개인의 퍼포먼스</a:t>
+            </a:r>
+            <a:r>
+              <a:rPr lang="en-US" altLang="ko-KR" sz="2000" spc="-150" dirty="0">
+                <a:solidFill>
+                  <a:srgbClr val="00002F"/>
+                </a:solidFill>
+                <a:highlight>
+                  <a:srgbClr val="C0C0C0"/>
+                </a:highlight>
+                <a:latin typeface="메이플스토리" panose="02000300000000000000" pitchFamily="2" charset="-127"/>
+                <a:ea typeface="메이플스토리" panose="02000300000000000000" pitchFamily="2" charset="-127"/>
+              </a:rPr>
+              <a:t> (</a:t>
+            </a:r>
+            <a:r>
+              <a:rPr lang="ko-KR" altLang="en-US" sz="2000" spc="-150" dirty="0">
+                <a:solidFill>
+                  <a:srgbClr val="00002F"/>
+                </a:solidFill>
+                <a:highlight>
+                  <a:srgbClr val="C0C0C0"/>
+                </a:highlight>
+                <a:latin typeface="메이플스토리" panose="02000300000000000000" pitchFamily="2" charset="-127"/>
+                <a:ea typeface="메이플스토리" panose="02000300000000000000" pitchFamily="2" charset="-127"/>
+              </a:rPr>
+              <a:t>인사고과 점수</a:t>
+            </a:r>
+            <a:r>
+              <a:rPr lang="en-US" altLang="ko-KR" sz="2000" spc="-150" dirty="0">
+                <a:solidFill>
+                  <a:srgbClr val="00002F"/>
+                </a:solidFill>
+                <a:highlight>
+                  <a:srgbClr val="C0C0C0"/>
+                </a:highlight>
+                <a:latin typeface="메이플스토리" panose="02000300000000000000" pitchFamily="2" charset="-127"/>
+                <a:ea typeface="메이플스토리" panose="02000300000000000000" pitchFamily="2" charset="-127"/>
+              </a:rPr>
+              <a:t>/</a:t>
+            </a:r>
+            <a:r>
+              <a:rPr lang="ko-KR" altLang="en-US" sz="2000" spc="-150" dirty="0">
+                <a:solidFill>
+                  <a:srgbClr val="00002F"/>
+                </a:solidFill>
+                <a:highlight>
+                  <a:srgbClr val="C0C0C0"/>
+                </a:highlight>
+                <a:latin typeface="메이플스토리" panose="02000300000000000000" pitchFamily="2" charset="-127"/>
+                <a:ea typeface="메이플스토리" panose="02000300000000000000" pitchFamily="2" charset="-127"/>
+              </a:rPr>
+              <a:t>프로젝트 수</a:t>
+            </a:r>
+            <a:r>
+              <a:rPr lang="en-US" altLang="ko-KR" sz="2000" spc="-150" dirty="0">
+                <a:solidFill>
+                  <a:srgbClr val="00002F"/>
+                </a:solidFill>
+                <a:highlight>
+                  <a:srgbClr val="C0C0C0"/>
+                </a:highlight>
+                <a:latin typeface="메이플스토리" panose="02000300000000000000" pitchFamily="2" charset="-127"/>
+                <a:ea typeface="메이플스토리" panose="02000300000000000000" pitchFamily="2" charset="-127"/>
+              </a:rPr>
+              <a:t>/</a:t>
+            </a:r>
+            <a:r>
+              <a:rPr lang="ko-KR" altLang="en-US" sz="2000" spc="-150" dirty="0">
+                <a:solidFill>
+                  <a:srgbClr val="00002F"/>
+                </a:solidFill>
+                <a:highlight>
+                  <a:srgbClr val="C0C0C0"/>
+                </a:highlight>
+                <a:latin typeface="메이플스토리" panose="02000300000000000000" pitchFamily="2" charset="-127"/>
+                <a:ea typeface="메이플스토리" panose="02000300000000000000" pitchFamily="2" charset="-127"/>
+              </a:rPr>
+              <a:t>근무 시간</a:t>
+            </a:r>
+            <a:r>
+              <a:rPr lang="en-US" altLang="ko-KR" sz="2000" spc="-150" dirty="0">
+                <a:solidFill>
+                  <a:srgbClr val="00002F"/>
+                </a:solidFill>
+                <a:highlight>
+                  <a:srgbClr val="C0C0C0"/>
+                </a:highlight>
+                <a:latin typeface="메이플스토리" panose="02000300000000000000" pitchFamily="2" charset="-127"/>
+                <a:ea typeface="메이플스토리" panose="02000300000000000000" pitchFamily="2" charset="-127"/>
+              </a:rPr>
+              <a:t>) </a:t>
+            </a:r>
+            <a:r>
+              <a:rPr lang="ko-KR" altLang="en-US" sz="2000" spc="-150" dirty="0">
+                <a:solidFill>
+                  <a:srgbClr val="00002F"/>
+                </a:solidFill>
+                <a:highlight>
+                  <a:srgbClr val="C0C0C0"/>
+                </a:highlight>
+                <a:latin typeface="메이플스토리" panose="02000300000000000000" pitchFamily="2" charset="-127"/>
+                <a:ea typeface="메이플스토리" panose="02000300000000000000" pitchFamily="2" charset="-127"/>
+              </a:rPr>
+              <a:t>와 큰 관계가 없다</a:t>
+            </a:r>
+            <a:r>
+              <a:rPr lang="en-US" altLang="ko-KR" sz="2000" spc="-150" dirty="0">
+                <a:solidFill>
+                  <a:srgbClr val="00002F"/>
+                </a:solidFill>
+                <a:highlight>
+                  <a:srgbClr val="C0C0C0"/>
+                </a:highlight>
+                <a:latin typeface="메이플스토리" panose="02000300000000000000" pitchFamily="2" charset="-127"/>
+                <a:ea typeface="메이플스토리" panose="02000300000000000000" pitchFamily="2" charset="-127"/>
+              </a:rPr>
+              <a:t>.</a:t>
+            </a:r>
+            <a:endParaRPr lang="ko-KR" altLang="en-US" sz="2000" spc="-150" dirty="0">
               <a:solidFill>
                 <a:srgbClr val="00002F"/>
               </a:solidFill>
-              <a:latin typeface="메이플스토리" panose="02000300000000000000" pitchFamily="2" charset="-127"/>
-              <a:ea typeface="메이플스토리" panose="02000300000000000000" pitchFamily="2" charset="-127"/>
-            </a:endParaRPr>
-          </a:p>
-        </p:txBody>
-      </p:sp>
-      <p:sp>
-        <p:nvSpPr>
-          <p:cNvPr id="20" name="TextBox 19"/>
-          <p:cNvSpPr txBox="1"/>
-          <p:nvPr/>
-        </p:nvSpPr>
-        <p:spPr>
-          <a:xfrm>
-            <a:off x="455532" y="498947"/>
-            <a:ext cx="614271" cy="461665"/>
-          </a:xfrm>
-          <a:prstGeom prst="rect">
-            <a:avLst/>
-          </a:prstGeom>
-          <a:noFill/>
-        </p:spPr>
-        <p:txBody>
-          <a:bodyPr wrap="none" rtlCol="0">
-            <a:spAutoFit/>
-          </a:bodyPr>
-          <a:lstStyle/>
-          <a:p>
-            <a:pPr algn="ctr"/>
-            <a:r>
-              <a:rPr lang="en-US" altLang="ko-KR" sz="2400" spc="-150" dirty="0">
-                <a:solidFill>
-                  <a:srgbClr val="00002F"/>
-                </a:solidFill>
-                <a:latin typeface="메이플스토리" panose="02000300000000000000" pitchFamily="2" charset="-127"/>
-                <a:ea typeface="메이플스토리" panose="02000300000000000000" pitchFamily="2" charset="-127"/>
-              </a:rPr>
-              <a:t>04.</a:t>
-            </a:r>
-            <a:endParaRPr lang="ko-KR" altLang="en-US" sz="2400" spc="-150" dirty="0">
-              <a:solidFill>
-                <a:srgbClr val="00002F"/>
-              </a:solidFill>
-              <a:latin typeface="메이플스토리" panose="02000300000000000000" pitchFamily="2" charset="-127"/>
-              <a:ea typeface="메이플스토리" panose="02000300000000000000" pitchFamily="2" charset="-127"/>
-            </a:endParaRPr>
-          </a:p>
-        </p:txBody>
-      </p:sp>
-      <p:sp>
-        <p:nvSpPr>
-          <p:cNvPr id="21" name="TextBox 20"/>
-          <p:cNvSpPr txBox="1"/>
-          <p:nvPr/>
-        </p:nvSpPr>
-        <p:spPr>
-          <a:xfrm>
-            <a:off x="1053131" y="1006929"/>
-            <a:ext cx="612220" cy="369332"/>
-          </a:xfrm>
-          <a:prstGeom prst="rect">
-            <a:avLst/>
-          </a:prstGeom>
-          <a:noFill/>
-        </p:spPr>
-        <p:txBody>
-          <a:bodyPr wrap="none" rtlCol="0">
-            <a:spAutoFit/>
-          </a:bodyPr>
-          <a:lstStyle/>
-          <a:p>
-            <a:pPr algn="ctr"/>
-            <a:r>
-              <a:rPr lang="en-US" altLang="ko-KR" spc="-150" dirty="0">
-                <a:solidFill>
-                  <a:srgbClr val="00002F"/>
-                </a:solidFill>
-                <a:latin typeface="메이플스토리" panose="02000300000000000000" pitchFamily="2" charset="-127"/>
-                <a:ea typeface="메이플스토리" panose="02000300000000000000" pitchFamily="2" charset="-127"/>
-              </a:rPr>
-              <a:t>Text</a:t>
-            </a:r>
-            <a:endParaRPr lang="ko-KR" altLang="en-US" spc="-150" dirty="0">
-              <a:solidFill>
-                <a:srgbClr val="00002F"/>
-              </a:solidFill>
+              <a:highlight>
+                <a:srgbClr val="C0C0C0"/>
+              </a:highlight>
               <a:latin typeface="메이플스토리" panose="02000300000000000000" pitchFamily="2" charset="-127"/>
               <a:ea typeface="메이플스토리" panose="02000300000000000000" pitchFamily="2" charset="-127"/>
             </a:endParaRPr>
@@ -3679,7 +4558,7 @@
     </p:spTree>
     <p:extLst>
       <p:ext uri="{BB962C8B-B14F-4D97-AF65-F5344CB8AC3E}">
-        <p14:creationId xmlns:p14="http://schemas.microsoft.com/office/powerpoint/2010/main" val="2511007924"/>
+        <p14:creationId xmlns:p14="http://schemas.microsoft.com/office/powerpoint/2010/main" val="1703863721"/>
       </p:ext>
     </p:extLst>
   </p:cSld>
@@ -3706,16 +4585,53 @@
           <a:chExt cx="0" cy="0"/>
         </a:xfrm>
       </p:grpSpPr>
+      <p:cxnSp>
+        <p:nvCxnSpPr>
+          <p:cNvPr id="4" name="직선 연결선 3"/>
+          <p:cNvCxnSpPr/>
+          <p:nvPr/>
+        </p:nvCxnSpPr>
+        <p:spPr>
+          <a:xfrm>
+            <a:off x="1026522" y="989148"/>
+            <a:ext cx="2160000" cy="0"/>
+          </a:xfrm>
+          <a:prstGeom prst="line">
+            <a:avLst/>
+          </a:prstGeom>
+          <a:ln>
+            <a:solidFill>
+              <a:schemeClr val="bg1">
+                <a:lumMod val="50000"/>
+              </a:schemeClr>
+            </a:solidFill>
+          </a:ln>
+        </p:spPr>
+        <p:style>
+          <a:lnRef idx="1">
+            <a:schemeClr val="accent1"/>
+          </a:lnRef>
+          <a:fillRef idx="0">
+            <a:schemeClr val="accent1"/>
+          </a:fillRef>
+          <a:effectRef idx="0">
+            <a:schemeClr val="accent1"/>
+          </a:effectRef>
+          <a:fontRef idx="minor">
+            <a:schemeClr val="tx1"/>
+          </a:fontRef>
+        </p:style>
+      </p:cxnSp>
       <p:sp>
         <p:nvSpPr>
-          <p:cNvPr id="2" name="TextBox 1"/>
+          <p:cNvPr id="5" name="TextBox 4"/>
           <p:cNvSpPr txBox="1"/>
           <p:nvPr/>
         </p:nvSpPr>
         <p:spPr>
           <a:xfrm>
-            <a:off x="3840645" y="2447473"/>
-            <a:ext cx="4510722" cy="1200329"/>
+            <a:off x="973593" y="437393"/>
+            <a:ext cx="8985072" cy="584775"/>
           </a:xfrm>
           <a:prstGeom prst="rect">
             <a:avLst/>
@@ -3723,23 +4639,52 @@
           <a:noFill/>
         </p:spPr>
         <p:txBody>
-          <a:bodyPr wrap="none" rtlCol="0">
+          <a:bodyPr wrap="square" rtlCol="0">
             <a:spAutoFit/>
           </a:bodyPr>
           <a:lstStyle/>
           <a:p>
-            <a:pPr algn="ctr"/>
-            <a:r>
-              <a:rPr lang="en-US" altLang="ko-KR" sz="7200" spc="-300" dirty="0">
-                <a:solidFill>
-                  <a:srgbClr val="00002F"/>
-                </a:solidFill>
-                <a:latin typeface="메이플스토리" panose="02000300000000000000" pitchFamily="2" charset="-127"/>
-                <a:ea typeface="메이플스토리" panose="02000300000000000000" pitchFamily="2" charset="-127"/>
-              </a:rPr>
-              <a:t>Thank you</a:t>
-            </a:r>
-            <a:endParaRPr lang="ko-KR" altLang="en-US" sz="7200" spc="-300" dirty="0">
+            <a:r>
+              <a:rPr lang="en-US" altLang="ko-KR" sz="3200" spc="-150" dirty="0">
+                <a:solidFill>
+                  <a:srgbClr val="00002F"/>
+                </a:solidFill>
+                <a:latin typeface="메이플스토리" panose="02000300000000000000" pitchFamily="2" charset="-127"/>
+                <a:ea typeface="메이플스토리" panose="02000300000000000000" pitchFamily="2" charset="-127"/>
+              </a:rPr>
+              <a:t>CONTENTS – </a:t>
+            </a:r>
+            <a:r>
+              <a:rPr lang="ko-KR" altLang="en-US" sz="3200" spc="-150" dirty="0">
+                <a:solidFill>
+                  <a:srgbClr val="00002F"/>
+                </a:solidFill>
+                <a:latin typeface="메이플스토리" panose="02000300000000000000" pitchFamily="2" charset="-127"/>
+                <a:ea typeface="메이플스토리" panose="02000300000000000000" pitchFamily="2" charset="-127"/>
+              </a:rPr>
+              <a:t>승진은 성적순이 </a:t>
+            </a:r>
+            <a:r>
+              <a:rPr lang="ko-KR" altLang="en-US" sz="3200" spc="-150" dirty="0" err="1">
+                <a:solidFill>
+                  <a:srgbClr val="00002F"/>
+                </a:solidFill>
+                <a:latin typeface="메이플스토리" panose="02000300000000000000" pitchFamily="2" charset="-127"/>
+                <a:ea typeface="메이플스토리" panose="02000300000000000000" pitchFamily="2" charset="-127"/>
+              </a:rPr>
+              <a:t>아니잖아요</a:t>
+            </a:r>
+            <a:r>
+              <a:rPr lang="en-US" altLang="ko-KR" sz="3200" spc="-150" dirty="0">
+                <a:solidFill>
+                  <a:srgbClr val="00002F"/>
+                </a:solidFill>
+                <a:latin typeface="메이플스토리" panose="02000300000000000000" pitchFamily="2" charset="-127"/>
+                <a:ea typeface="메이플스토리" panose="02000300000000000000" pitchFamily="2" charset="-127"/>
+              </a:rPr>
+              <a:t>...</a:t>
+            </a:r>
+            <a:endParaRPr lang="ko-KR" altLang="en-US" sz="3200" spc="-150" dirty="0">
               <a:solidFill>
                 <a:srgbClr val="00002F"/>
               </a:solidFill>
@@ -3751,66 +4696,1087 @@
       </p:sp>
       <p:sp>
         <p:nvSpPr>
-          <p:cNvPr id="3" name="직사각형 2"/>
-          <p:cNvSpPr/>
+          <p:cNvPr id="12" name="TextBox 11"/>
+          <p:cNvSpPr txBox="1"/>
           <p:nvPr/>
         </p:nvSpPr>
         <p:spPr>
           <a:xfrm>
-            <a:off x="4000499" y="3591816"/>
-            <a:ext cx="4200071" cy="391195"/>
+            <a:off x="469157" y="498947"/>
+            <a:ext cx="587020" cy="461665"/>
           </a:xfrm>
           <a:prstGeom prst="rect">
             <a:avLst/>
           </a:prstGeom>
-          <a:solidFill>
-            <a:srgbClr val="8DBABD"/>
-          </a:solidFill>
-          <a:ln>
-            <a:solidFill>
-              <a:srgbClr val="8DBABD"/>
-            </a:solidFill>
-          </a:ln>
-        </p:spPr>
-        <p:style>
-          <a:lnRef idx="2">
-            <a:schemeClr val="accent1">
-              <a:shade val="50000"/>
-            </a:schemeClr>
-          </a:lnRef>
-          <a:fillRef idx="1">
-            <a:schemeClr val="accent1"/>
-          </a:fillRef>
-          <a:effectRef idx="0">
-            <a:schemeClr val="accent1"/>
-          </a:effectRef>
-          <a:fontRef idx="minor">
-            <a:schemeClr val="lt1"/>
-          </a:fontRef>
-        </p:style>
+          <a:noFill/>
+        </p:spPr>
         <p:txBody>
-          <a:bodyPr rtlCol="0" anchor="ctr"/>
+          <a:bodyPr wrap="none" rtlCol="0">
+            <a:spAutoFit/>
+          </a:bodyPr>
           <a:lstStyle/>
           <a:p>
             <a:pPr algn="ctr"/>
             <a:r>
-              <a:rPr lang="ko-KR" altLang="en-US" dirty="0" err="1">
-                <a:latin typeface="메이플스토리" panose="02000300000000000000" pitchFamily="2" charset="-127"/>
-                <a:ea typeface="메이플스토리" panose="02000300000000000000" pitchFamily="2" charset="-127"/>
-              </a:rPr>
-              <a:t>나눔스퀘어</a:t>
-            </a:r>
-            <a:endParaRPr lang="ko-KR" altLang="en-US" dirty="0">
+              <a:rPr lang="en-US" altLang="ko-KR" sz="2400" spc="-150" dirty="0">
+                <a:solidFill>
+                  <a:srgbClr val="00002F"/>
+                </a:solidFill>
+                <a:latin typeface="메이플스토리" panose="02000300000000000000" pitchFamily="2" charset="-127"/>
+                <a:ea typeface="메이플스토리" panose="02000300000000000000" pitchFamily="2" charset="-127"/>
+              </a:rPr>
+              <a:t>05.</a:t>
+            </a:r>
+            <a:endParaRPr lang="ko-KR" altLang="en-US" sz="2400" spc="-150" dirty="0">
+              <a:solidFill>
+                <a:srgbClr val="00002F"/>
+              </a:solidFill>
               <a:latin typeface="메이플스토리" panose="02000300000000000000" pitchFamily="2" charset="-127"/>
               <a:ea typeface="메이플스토리" panose="02000300000000000000" pitchFamily="2" charset="-127"/>
             </a:endParaRPr>
           </a:p>
         </p:txBody>
       </p:sp>
+      <p:cxnSp>
+        <p:nvCxnSpPr>
+          <p:cNvPr id="7" name="직선 연결선 6"/>
+          <p:cNvCxnSpPr/>
+          <p:nvPr/>
+        </p:nvCxnSpPr>
+        <p:spPr>
+          <a:xfrm>
+            <a:off x="10430892" y="144941"/>
+            <a:ext cx="360000" cy="0"/>
+          </a:xfrm>
+          <a:prstGeom prst="line">
+            <a:avLst/>
+          </a:prstGeom>
+          <a:ln w="44450" cap="rnd">
+            <a:solidFill>
+              <a:srgbClr val="8DBABD"/>
+            </a:solidFill>
+          </a:ln>
+          <a:effectLst>
+            <a:outerShdw blurRad="50800" dist="38100" dir="5400000" algn="t" rotWithShape="0">
+              <a:prstClr val="black">
+                <a:alpha val="40000"/>
+              </a:prstClr>
+            </a:outerShdw>
+          </a:effectLst>
+        </p:spPr>
+        <p:style>
+          <a:lnRef idx="1">
+            <a:schemeClr val="accent1"/>
+          </a:lnRef>
+          <a:fillRef idx="0">
+            <a:schemeClr val="accent1"/>
+          </a:fillRef>
+          <a:effectRef idx="0">
+            <a:schemeClr val="accent1"/>
+          </a:effectRef>
+          <a:fontRef idx="minor">
+            <a:schemeClr val="tx1"/>
+          </a:fontRef>
+        </p:style>
+      </p:cxnSp>
+      <p:cxnSp>
+        <p:nvCxnSpPr>
+          <p:cNvPr id="8" name="직선 연결선 7"/>
+          <p:cNvCxnSpPr/>
+          <p:nvPr/>
+        </p:nvCxnSpPr>
+        <p:spPr>
+          <a:xfrm>
+            <a:off x="10858459" y="144941"/>
+            <a:ext cx="360000" cy="0"/>
+          </a:xfrm>
+          <a:prstGeom prst="line">
+            <a:avLst/>
+          </a:prstGeom>
+          <a:ln w="44450" cap="rnd">
+            <a:solidFill>
+              <a:schemeClr val="bg2">
+                <a:lumMod val="90000"/>
+              </a:schemeClr>
+            </a:solidFill>
+          </a:ln>
+          <a:effectLst>
+            <a:outerShdw blurRad="50800" dist="38100" dir="5400000" algn="t" rotWithShape="0">
+              <a:prstClr val="black">
+                <a:alpha val="40000"/>
+              </a:prstClr>
+            </a:outerShdw>
+          </a:effectLst>
+        </p:spPr>
+        <p:style>
+          <a:lnRef idx="1">
+            <a:schemeClr val="accent1"/>
+          </a:lnRef>
+          <a:fillRef idx="0">
+            <a:schemeClr val="accent1"/>
+          </a:fillRef>
+          <a:effectRef idx="0">
+            <a:schemeClr val="accent1"/>
+          </a:effectRef>
+          <a:fontRef idx="minor">
+            <a:schemeClr val="tx1"/>
+          </a:fontRef>
+        </p:style>
+      </p:cxnSp>
+      <p:cxnSp>
+        <p:nvCxnSpPr>
+          <p:cNvPr id="9" name="직선 연결선 8"/>
+          <p:cNvCxnSpPr/>
+          <p:nvPr/>
+        </p:nvCxnSpPr>
+        <p:spPr>
+          <a:xfrm>
+            <a:off x="11286026" y="144941"/>
+            <a:ext cx="360000" cy="0"/>
+          </a:xfrm>
+          <a:prstGeom prst="line">
+            <a:avLst/>
+          </a:prstGeom>
+          <a:ln w="44450" cap="rnd">
+            <a:solidFill>
+              <a:schemeClr val="bg2">
+                <a:lumMod val="90000"/>
+              </a:schemeClr>
+            </a:solidFill>
+          </a:ln>
+          <a:effectLst>
+            <a:outerShdw blurRad="50800" dist="38100" dir="5400000" algn="t" rotWithShape="0">
+              <a:prstClr val="black">
+                <a:alpha val="40000"/>
+              </a:prstClr>
+            </a:outerShdw>
+          </a:effectLst>
+        </p:spPr>
+        <p:style>
+          <a:lnRef idx="1">
+            <a:schemeClr val="accent1"/>
+          </a:lnRef>
+          <a:fillRef idx="0">
+            <a:schemeClr val="accent1"/>
+          </a:fillRef>
+          <a:effectRef idx="0">
+            <a:schemeClr val="accent1"/>
+          </a:effectRef>
+          <a:fontRef idx="minor">
+            <a:schemeClr val="tx1"/>
+          </a:fontRef>
+        </p:style>
+      </p:cxnSp>
+      <p:cxnSp>
+        <p:nvCxnSpPr>
+          <p:cNvPr id="10" name="직선 연결선 9"/>
+          <p:cNvCxnSpPr/>
+          <p:nvPr/>
+        </p:nvCxnSpPr>
+        <p:spPr>
+          <a:xfrm>
+            <a:off x="11713592" y="144941"/>
+            <a:ext cx="360000" cy="0"/>
+          </a:xfrm>
+          <a:prstGeom prst="line">
+            <a:avLst/>
+          </a:prstGeom>
+          <a:ln w="44450" cap="rnd">
+            <a:solidFill>
+              <a:schemeClr val="bg2">
+                <a:lumMod val="90000"/>
+              </a:schemeClr>
+            </a:solidFill>
+          </a:ln>
+          <a:effectLst>
+            <a:outerShdw blurRad="50800" dist="38100" dir="5400000" algn="t" rotWithShape="0">
+              <a:prstClr val="black">
+                <a:alpha val="40000"/>
+              </a:prstClr>
+            </a:outerShdw>
+          </a:effectLst>
+        </p:spPr>
+        <p:style>
+          <a:lnRef idx="1">
+            <a:schemeClr val="accent1"/>
+          </a:lnRef>
+          <a:fillRef idx="0">
+            <a:schemeClr val="accent1"/>
+          </a:fillRef>
+          <a:effectRef idx="0">
+            <a:schemeClr val="accent1"/>
+          </a:effectRef>
+          <a:fontRef idx="minor">
+            <a:schemeClr val="tx1"/>
+          </a:fontRef>
+        </p:style>
+      </p:cxnSp>
+      <p:sp>
+        <p:nvSpPr>
+          <p:cNvPr id="13" name="TextBox 12"/>
+          <p:cNvSpPr txBox="1"/>
+          <p:nvPr/>
+        </p:nvSpPr>
+        <p:spPr>
+          <a:xfrm>
+            <a:off x="776392" y="1006929"/>
+            <a:ext cx="8820614" cy="400110"/>
+          </a:xfrm>
+          <a:prstGeom prst="rect">
+            <a:avLst/>
+          </a:prstGeom>
+          <a:noFill/>
+        </p:spPr>
+        <p:txBody>
+          <a:bodyPr wrap="square" rtlCol="0">
+            <a:spAutoFit/>
+          </a:bodyPr>
+          <a:lstStyle/>
+          <a:p>
+            <a:r>
+              <a:rPr lang="ko-KR" altLang="en-US" sz="2000" spc="-150" dirty="0">
+                <a:solidFill>
+                  <a:srgbClr val="00002F"/>
+                </a:solidFill>
+                <a:highlight>
+                  <a:srgbClr val="C0C0C0"/>
+                </a:highlight>
+                <a:latin typeface="메이플스토리" panose="02000300000000000000" pitchFamily="2" charset="-127"/>
+                <a:ea typeface="메이플스토리" panose="02000300000000000000" pitchFamily="2" charset="-127"/>
+              </a:rPr>
+              <a:t>테이블 시각화 </a:t>
+            </a:r>
+            <a:r>
+              <a:rPr lang="en-US" altLang="ko-KR" sz="2000" spc="-150" dirty="0">
+                <a:solidFill>
+                  <a:srgbClr val="00002F"/>
+                </a:solidFill>
+                <a:highlight>
+                  <a:srgbClr val="C0C0C0"/>
+                </a:highlight>
+                <a:latin typeface="메이플스토리" panose="02000300000000000000" pitchFamily="2" charset="-127"/>
+                <a:ea typeface="메이플스토리" panose="02000300000000000000" pitchFamily="2" charset="-127"/>
+              </a:rPr>
+              <a:t>(X = </a:t>
+            </a:r>
+            <a:r>
+              <a:rPr lang="ko-KR" altLang="en-US" sz="2000" spc="-150" dirty="0">
+                <a:solidFill>
+                  <a:srgbClr val="00002F"/>
+                </a:solidFill>
+                <a:highlight>
+                  <a:srgbClr val="C0C0C0"/>
+                </a:highlight>
+                <a:latin typeface="메이플스토리" panose="02000300000000000000" pitchFamily="2" charset="-127"/>
+                <a:ea typeface="메이플스토리" panose="02000300000000000000" pitchFamily="2" charset="-127"/>
+              </a:rPr>
+              <a:t>승진 여부</a:t>
+            </a:r>
+            <a:r>
+              <a:rPr lang="en-US" altLang="ko-KR" sz="2000" spc="-150" dirty="0">
+                <a:solidFill>
+                  <a:srgbClr val="00002F"/>
+                </a:solidFill>
+                <a:highlight>
+                  <a:srgbClr val="C0C0C0"/>
+                </a:highlight>
+                <a:latin typeface="메이플스토리" panose="02000300000000000000" pitchFamily="2" charset="-127"/>
+                <a:ea typeface="메이플스토리" panose="02000300000000000000" pitchFamily="2" charset="-127"/>
+              </a:rPr>
+              <a:t>)</a:t>
+            </a:r>
+            <a:r>
+              <a:rPr lang="ko-KR" altLang="en-US" sz="2000" spc="-150" dirty="0">
+                <a:solidFill>
+                  <a:srgbClr val="00002F"/>
+                </a:solidFill>
+                <a:highlight>
+                  <a:srgbClr val="C0C0C0"/>
+                </a:highlight>
+                <a:latin typeface="메이플스토리" panose="02000300000000000000" pitchFamily="2" charset="-127"/>
+                <a:ea typeface="메이플스토리" panose="02000300000000000000" pitchFamily="2" charset="-127"/>
+              </a:rPr>
+              <a:t> </a:t>
+            </a:r>
+          </a:p>
+        </p:txBody>
+      </p:sp>
+      <p:pic>
+        <p:nvPicPr>
+          <p:cNvPr id="3" name="그림 2">
+            <a:extLst>
+              <a:ext uri="{FF2B5EF4-FFF2-40B4-BE49-F238E27FC236}">
+                <a16:creationId xmlns:a16="http://schemas.microsoft.com/office/drawing/2014/main" id="{68898D53-2742-4EF5-BC62-B3872582144B}"/>
+              </a:ext>
+            </a:extLst>
+          </p:cNvPr>
+          <p:cNvPicPr>
+            <a:picLocks noChangeAspect="1"/>
+          </p:cNvPicPr>
+          <p:nvPr/>
+        </p:nvPicPr>
+        <p:blipFill>
+          <a:blip r:embed="rId2">
+            <a:extLst>
+              <a:ext uri="{28A0092B-C50C-407E-A947-70E740481C1C}">
+                <a14:useLocalDpi xmlns:a14="http://schemas.microsoft.com/office/drawing/2010/main" val="0"/>
+              </a:ext>
+            </a:extLst>
+          </a:blip>
+          <a:srcRect/>
+          <a:stretch/>
+        </p:blipFill>
+        <p:spPr>
+          <a:xfrm>
+            <a:off x="8645966" y="2341927"/>
+            <a:ext cx="2507465" cy="3382954"/>
+          </a:xfrm>
+          <a:prstGeom prst="rect">
+            <a:avLst/>
+          </a:prstGeom>
+        </p:spPr>
+      </p:pic>
+      <p:pic>
+        <p:nvPicPr>
+          <p:cNvPr id="14" name="그림 13">
+            <a:extLst>
+              <a:ext uri="{FF2B5EF4-FFF2-40B4-BE49-F238E27FC236}">
+                <a16:creationId xmlns:a16="http://schemas.microsoft.com/office/drawing/2014/main" id="{3DF12EA1-00B6-43D6-89A9-F2707E117616}"/>
+              </a:ext>
+            </a:extLst>
+          </p:cNvPr>
+          <p:cNvPicPr>
+            <a:picLocks noChangeAspect="1"/>
+          </p:cNvPicPr>
+          <p:nvPr/>
+        </p:nvPicPr>
+        <p:blipFill>
+          <a:blip r:embed="rId3">
+            <a:extLst>
+              <a:ext uri="{28A0092B-C50C-407E-A947-70E740481C1C}">
+                <a14:useLocalDpi xmlns:a14="http://schemas.microsoft.com/office/drawing/2010/main" val="0"/>
+              </a:ext>
+            </a:extLst>
+          </a:blip>
+          <a:srcRect/>
+          <a:stretch/>
+        </p:blipFill>
+        <p:spPr>
+          <a:xfrm>
+            <a:off x="926674" y="2325149"/>
+            <a:ext cx="2507465" cy="3382954"/>
+          </a:xfrm>
+          <a:prstGeom prst="rect">
+            <a:avLst/>
+          </a:prstGeom>
+        </p:spPr>
+      </p:pic>
+      <p:pic>
+        <p:nvPicPr>
+          <p:cNvPr id="16" name="그림 15">
+            <a:extLst>
+              <a:ext uri="{FF2B5EF4-FFF2-40B4-BE49-F238E27FC236}">
+                <a16:creationId xmlns:a16="http://schemas.microsoft.com/office/drawing/2014/main" id="{2AE8534E-DF63-47ED-9D6A-13D194B0EE03}"/>
+              </a:ext>
+            </a:extLst>
+          </p:cNvPr>
+          <p:cNvPicPr>
+            <a:picLocks noChangeAspect="1"/>
+          </p:cNvPicPr>
+          <p:nvPr/>
+        </p:nvPicPr>
+        <p:blipFill>
+          <a:blip r:embed="rId4">
+            <a:extLst>
+              <a:ext uri="{28A0092B-C50C-407E-A947-70E740481C1C}">
+                <a14:useLocalDpi xmlns:a14="http://schemas.microsoft.com/office/drawing/2010/main" val="0"/>
+              </a:ext>
+            </a:extLst>
+          </a:blip>
+          <a:srcRect/>
+          <a:stretch/>
+        </p:blipFill>
+        <p:spPr>
+          <a:xfrm>
+            <a:off x="4842267" y="2325149"/>
+            <a:ext cx="2507465" cy="3382954"/>
+          </a:xfrm>
+          <a:prstGeom prst="rect">
+            <a:avLst/>
+          </a:prstGeom>
+        </p:spPr>
+      </p:pic>
+      <p:sp>
+        <p:nvSpPr>
+          <p:cNvPr id="17" name="TextBox 16">
+            <a:extLst>
+              <a:ext uri="{FF2B5EF4-FFF2-40B4-BE49-F238E27FC236}">
+                <a16:creationId xmlns:a16="http://schemas.microsoft.com/office/drawing/2014/main" id="{75F65BDB-AE01-4E64-B86A-F0F4B2194722}"/>
+              </a:ext>
+            </a:extLst>
+          </p:cNvPr>
+          <p:cNvSpPr txBox="1"/>
+          <p:nvPr/>
+        </p:nvSpPr>
+        <p:spPr>
+          <a:xfrm>
+            <a:off x="776392" y="1644242"/>
+            <a:ext cx="2906375" cy="545285"/>
+          </a:xfrm>
+          <a:prstGeom prst="rect">
+            <a:avLst/>
+          </a:prstGeom>
+          <a:noFill/>
+        </p:spPr>
+        <p:txBody>
+          <a:bodyPr wrap="square" rtlCol="0">
+            <a:spAutoFit/>
+          </a:bodyPr>
+          <a:lstStyle/>
+          <a:p>
+            <a:endParaRPr lang="ko-KR" altLang="en-US" dirty="0"/>
+          </a:p>
+        </p:txBody>
+      </p:sp>
+      <p:sp>
+        <p:nvSpPr>
+          <p:cNvPr id="18" name="TextBox 17">
+            <a:extLst>
+              <a:ext uri="{FF2B5EF4-FFF2-40B4-BE49-F238E27FC236}">
+                <a16:creationId xmlns:a16="http://schemas.microsoft.com/office/drawing/2014/main" id="{F1143F72-077F-4815-9D91-132D7D100526}"/>
+              </a:ext>
+            </a:extLst>
+          </p:cNvPr>
+          <p:cNvSpPr txBox="1"/>
+          <p:nvPr/>
+        </p:nvSpPr>
+        <p:spPr>
+          <a:xfrm>
+            <a:off x="928792" y="1796642"/>
+            <a:ext cx="2906375" cy="545285"/>
+          </a:xfrm>
+          <a:prstGeom prst="rect">
+            <a:avLst/>
+          </a:prstGeom>
+          <a:noFill/>
+        </p:spPr>
+        <p:txBody>
+          <a:bodyPr wrap="square" rtlCol="0">
+            <a:spAutoFit/>
+          </a:bodyPr>
+          <a:lstStyle/>
+          <a:p>
+            <a:endParaRPr lang="ko-KR" altLang="en-US" dirty="0"/>
+          </a:p>
+        </p:txBody>
+      </p:sp>
+      <p:sp>
+        <p:nvSpPr>
+          <p:cNvPr id="19" name="TextBox 18">
+            <a:extLst>
+              <a:ext uri="{FF2B5EF4-FFF2-40B4-BE49-F238E27FC236}">
+                <a16:creationId xmlns:a16="http://schemas.microsoft.com/office/drawing/2014/main" id="{DEC557CB-321E-4886-BE87-225516D0D2E3}"/>
+              </a:ext>
+            </a:extLst>
+          </p:cNvPr>
+          <p:cNvSpPr txBox="1"/>
+          <p:nvPr/>
+        </p:nvSpPr>
+        <p:spPr>
+          <a:xfrm>
+            <a:off x="727218" y="1798040"/>
+            <a:ext cx="2906375" cy="461665"/>
+          </a:xfrm>
+          <a:prstGeom prst="rect">
+            <a:avLst/>
+          </a:prstGeom>
+          <a:noFill/>
+        </p:spPr>
+        <p:txBody>
+          <a:bodyPr wrap="square" rtlCol="0">
+            <a:spAutoFit/>
+          </a:bodyPr>
+          <a:lstStyle/>
+          <a:p>
+            <a:pPr algn="ctr"/>
+            <a:r>
+              <a:rPr lang="en-US" altLang="ko-KR" sz="2400" dirty="0">
+                <a:latin typeface="메이플스토리" panose="02000300000000000000" pitchFamily="2" charset="-127"/>
+                <a:ea typeface="메이플스토리" panose="02000300000000000000" pitchFamily="2" charset="-127"/>
+              </a:rPr>
+              <a:t>Y=</a:t>
+            </a:r>
+            <a:r>
+              <a:rPr lang="ko-KR" altLang="en-US" sz="2400" dirty="0">
+                <a:latin typeface="메이플스토리" panose="02000300000000000000" pitchFamily="2" charset="-127"/>
+                <a:ea typeface="메이플스토리" panose="02000300000000000000" pitchFamily="2" charset="-127"/>
+              </a:rPr>
+              <a:t>인사고과 점수</a:t>
+            </a:r>
+          </a:p>
+        </p:txBody>
+      </p:sp>
+      <p:sp>
+        <p:nvSpPr>
+          <p:cNvPr id="20" name="TextBox 19">
+            <a:extLst>
+              <a:ext uri="{FF2B5EF4-FFF2-40B4-BE49-F238E27FC236}">
+                <a16:creationId xmlns:a16="http://schemas.microsoft.com/office/drawing/2014/main" id="{60F4DEB6-84DA-4044-8007-DD0515528C73}"/>
+              </a:ext>
+            </a:extLst>
+          </p:cNvPr>
+          <p:cNvSpPr txBox="1"/>
+          <p:nvPr/>
+        </p:nvSpPr>
+        <p:spPr>
+          <a:xfrm>
+            <a:off x="8446510" y="1799114"/>
+            <a:ext cx="2906375" cy="461665"/>
+          </a:xfrm>
+          <a:prstGeom prst="rect">
+            <a:avLst/>
+          </a:prstGeom>
+          <a:noFill/>
+        </p:spPr>
+        <p:txBody>
+          <a:bodyPr wrap="square" rtlCol="0">
+            <a:spAutoFit/>
+          </a:bodyPr>
+          <a:lstStyle/>
+          <a:p>
+            <a:pPr algn="ctr"/>
+            <a:r>
+              <a:rPr lang="en-US" altLang="ko-KR" sz="2400" dirty="0">
+                <a:latin typeface="메이플스토리" panose="02000300000000000000" pitchFamily="2" charset="-127"/>
+                <a:ea typeface="메이플스토리" panose="02000300000000000000" pitchFamily="2" charset="-127"/>
+              </a:rPr>
+              <a:t>Y=</a:t>
+            </a:r>
+            <a:r>
+              <a:rPr lang="ko-KR" altLang="en-US" sz="2400" dirty="0">
+                <a:latin typeface="메이플스토리" panose="02000300000000000000" pitchFamily="2" charset="-127"/>
+                <a:ea typeface="메이플스토리" panose="02000300000000000000" pitchFamily="2" charset="-127"/>
+              </a:rPr>
+              <a:t>근무시간</a:t>
+            </a:r>
+          </a:p>
+        </p:txBody>
+      </p:sp>
+      <p:sp>
+        <p:nvSpPr>
+          <p:cNvPr id="21" name="TextBox 20">
+            <a:extLst>
+              <a:ext uri="{FF2B5EF4-FFF2-40B4-BE49-F238E27FC236}">
+                <a16:creationId xmlns:a16="http://schemas.microsoft.com/office/drawing/2014/main" id="{43A51430-9F98-4150-BB72-2014DBF86E1C}"/>
+              </a:ext>
+            </a:extLst>
+          </p:cNvPr>
+          <p:cNvSpPr txBox="1"/>
+          <p:nvPr/>
+        </p:nvSpPr>
+        <p:spPr>
+          <a:xfrm>
+            <a:off x="4642811" y="1799114"/>
+            <a:ext cx="2906375" cy="461665"/>
+          </a:xfrm>
+          <a:prstGeom prst="rect">
+            <a:avLst/>
+          </a:prstGeom>
+          <a:noFill/>
+        </p:spPr>
+        <p:txBody>
+          <a:bodyPr wrap="square" rtlCol="0">
+            <a:spAutoFit/>
+          </a:bodyPr>
+          <a:lstStyle/>
+          <a:p>
+            <a:pPr algn="ctr"/>
+            <a:r>
+              <a:rPr lang="en-US" altLang="ko-KR" sz="2400" dirty="0">
+                <a:latin typeface="메이플스토리" panose="02000300000000000000" pitchFamily="2" charset="-127"/>
+                <a:ea typeface="메이플스토리" panose="02000300000000000000" pitchFamily="2" charset="-127"/>
+              </a:rPr>
+              <a:t>Y=</a:t>
+            </a:r>
+            <a:r>
+              <a:rPr lang="ko-KR" altLang="en-US" sz="2400" dirty="0">
+                <a:latin typeface="메이플스토리" panose="02000300000000000000" pitchFamily="2" charset="-127"/>
+                <a:ea typeface="메이플스토리" panose="02000300000000000000" pitchFamily="2" charset="-127"/>
+              </a:rPr>
+              <a:t>프로젝트 수</a:t>
+            </a:r>
+          </a:p>
+        </p:txBody>
+      </p:sp>
     </p:spTree>
     <p:extLst>
       <p:ext uri="{BB962C8B-B14F-4D97-AF65-F5344CB8AC3E}">
-        <p14:creationId xmlns:p14="http://schemas.microsoft.com/office/powerpoint/2010/main" val="4116967652"/>
+        <p14:creationId xmlns:p14="http://schemas.microsoft.com/office/powerpoint/2010/main" val="2814512547"/>
+      </p:ext>
+    </p:extLst>
+  </p:cSld>
+  <p:clrMapOvr>
+    <a:masterClrMapping/>
+  </p:clrMapOvr>
+</p:sld>
+</file>
+
+<file path=ppt/slides/slide19.xml><?xml version="1.0" encoding="utf-8"?>
+<p:sld xmlns:a="http://schemas.openxmlformats.org/drawingml/2006/main" xmlns:r="http://schemas.openxmlformats.org/officeDocument/2006/relationships" xmlns:p="http://schemas.openxmlformats.org/presentationml/2006/main">
+  <p:cSld>
+    <p:spTree>
+      <p:nvGrpSpPr>
+        <p:cNvPr id="1" name=""/>
+        <p:cNvGrpSpPr/>
+        <p:nvPr/>
+      </p:nvGrpSpPr>
+      <p:grpSpPr>
+        <a:xfrm>
+          <a:off x="0" y="0"/>
+          <a:ext cx="0" cy="0"/>
+          <a:chOff x="0" y="0"/>
+          <a:chExt cx="0" cy="0"/>
+        </a:xfrm>
+      </p:grpSpPr>
+      <p:cxnSp>
+        <p:nvCxnSpPr>
+          <p:cNvPr id="4" name="직선 연결선 3"/>
+          <p:cNvCxnSpPr/>
+          <p:nvPr/>
+        </p:nvCxnSpPr>
+        <p:spPr>
+          <a:xfrm>
+            <a:off x="1026522" y="989148"/>
+            <a:ext cx="2160000" cy="0"/>
+          </a:xfrm>
+          <a:prstGeom prst="line">
+            <a:avLst/>
+          </a:prstGeom>
+          <a:ln>
+            <a:solidFill>
+              <a:schemeClr val="bg1">
+                <a:lumMod val="50000"/>
+              </a:schemeClr>
+            </a:solidFill>
+          </a:ln>
+        </p:spPr>
+        <p:style>
+          <a:lnRef idx="1">
+            <a:schemeClr val="accent1"/>
+          </a:lnRef>
+          <a:fillRef idx="0">
+            <a:schemeClr val="accent1"/>
+          </a:fillRef>
+          <a:effectRef idx="0">
+            <a:schemeClr val="accent1"/>
+          </a:effectRef>
+          <a:fontRef idx="minor">
+            <a:schemeClr val="tx1"/>
+          </a:fontRef>
+        </p:style>
+      </p:cxnSp>
+      <p:sp>
+        <p:nvSpPr>
+          <p:cNvPr id="5" name="TextBox 4"/>
+          <p:cNvSpPr txBox="1"/>
+          <p:nvPr/>
+        </p:nvSpPr>
+        <p:spPr>
+          <a:xfrm>
+            <a:off x="973593" y="437393"/>
+            <a:ext cx="8985072" cy="584775"/>
+          </a:xfrm>
+          <a:prstGeom prst="rect">
+            <a:avLst/>
+          </a:prstGeom>
+          <a:noFill/>
+        </p:spPr>
+        <p:txBody>
+          <a:bodyPr wrap="square" rtlCol="0">
+            <a:spAutoFit/>
+          </a:bodyPr>
+          <a:lstStyle/>
+          <a:p>
+            <a:r>
+              <a:rPr lang="en-US" altLang="ko-KR" sz="3200" spc="-150" dirty="0">
+                <a:solidFill>
+                  <a:srgbClr val="00002F"/>
+                </a:solidFill>
+                <a:latin typeface="메이플스토리" panose="02000300000000000000" pitchFamily="2" charset="-127"/>
+                <a:ea typeface="메이플스토리" panose="02000300000000000000" pitchFamily="2" charset="-127"/>
+              </a:rPr>
+              <a:t>CONTENTS – </a:t>
+            </a:r>
+            <a:r>
+              <a:rPr lang="ko-KR" altLang="en-US" sz="3200" spc="-150" dirty="0">
+                <a:solidFill>
+                  <a:srgbClr val="00002F"/>
+                </a:solidFill>
+                <a:latin typeface="메이플스토리" panose="02000300000000000000" pitchFamily="2" charset="-127"/>
+                <a:ea typeface="메이플스토리" panose="02000300000000000000" pitchFamily="2" charset="-127"/>
+              </a:rPr>
+              <a:t>승진은 성적순이 </a:t>
+            </a:r>
+            <a:r>
+              <a:rPr lang="ko-KR" altLang="en-US" sz="3200" spc="-150" dirty="0" err="1">
+                <a:solidFill>
+                  <a:srgbClr val="00002F"/>
+                </a:solidFill>
+                <a:latin typeface="메이플스토리" panose="02000300000000000000" pitchFamily="2" charset="-127"/>
+                <a:ea typeface="메이플스토리" panose="02000300000000000000" pitchFamily="2" charset="-127"/>
+              </a:rPr>
+              <a:t>아니잖아요</a:t>
+            </a:r>
+            <a:r>
+              <a:rPr lang="en-US" altLang="ko-KR" sz="3200" spc="-150" dirty="0">
+                <a:solidFill>
+                  <a:srgbClr val="00002F"/>
+                </a:solidFill>
+                <a:latin typeface="메이플스토리" panose="02000300000000000000" pitchFamily="2" charset="-127"/>
+                <a:ea typeface="메이플스토리" panose="02000300000000000000" pitchFamily="2" charset="-127"/>
+              </a:rPr>
+              <a:t>...</a:t>
+            </a:r>
+            <a:endParaRPr lang="ko-KR" altLang="en-US" sz="3200" spc="-150" dirty="0">
+              <a:solidFill>
+                <a:srgbClr val="00002F"/>
+              </a:solidFill>
+              <a:latin typeface="메이플스토리" panose="02000300000000000000" pitchFamily="2" charset="-127"/>
+              <a:ea typeface="메이플스토리" panose="02000300000000000000" pitchFamily="2" charset="-127"/>
+            </a:endParaRPr>
+          </a:p>
+        </p:txBody>
+      </p:sp>
+      <p:sp>
+        <p:nvSpPr>
+          <p:cNvPr id="12" name="TextBox 11"/>
+          <p:cNvSpPr txBox="1"/>
+          <p:nvPr/>
+        </p:nvSpPr>
+        <p:spPr>
+          <a:xfrm>
+            <a:off x="469157" y="498947"/>
+            <a:ext cx="587020" cy="461665"/>
+          </a:xfrm>
+          <a:prstGeom prst="rect">
+            <a:avLst/>
+          </a:prstGeom>
+          <a:noFill/>
+        </p:spPr>
+        <p:txBody>
+          <a:bodyPr wrap="none" rtlCol="0">
+            <a:spAutoFit/>
+          </a:bodyPr>
+          <a:lstStyle/>
+          <a:p>
+            <a:pPr algn="ctr"/>
+            <a:r>
+              <a:rPr lang="en-US" altLang="ko-KR" sz="2400" spc="-150" dirty="0">
+                <a:solidFill>
+                  <a:srgbClr val="00002F"/>
+                </a:solidFill>
+                <a:latin typeface="메이플스토리" panose="02000300000000000000" pitchFamily="2" charset="-127"/>
+                <a:ea typeface="메이플스토리" panose="02000300000000000000" pitchFamily="2" charset="-127"/>
+              </a:rPr>
+              <a:t>05.</a:t>
+            </a:r>
+            <a:endParaRPr lang="ko-KR" altLang="en-US" sz="2400" spc="-150" dirty="0">
+              <a:solidFill>
+                <a:srgbClr val="00002F"/>
+              </a:solidFill>
+              <a:latin typeface="메이플스토리" panose="02000300000000000000" pitchFamily="2" charset="-127"/>
+              <a:ea typeface="메이플스토리" panose="02000300000000000000" pitchFamily="2" charset="-127"/>
+            </a:endParaRPr>
+          </a:p>
+        </p:txBody>
+      </p:sp>
+      <p:cxnSp>
+        <p:nvCxnSpPr>
+          <p:cNvPr id="7" name="직선 연결선 6"/>
+          <p:cNvCxnSpPr/>
+          <p:nvPr/>
+        </p:nvCxnSpPr>
+        <p:spPr>
+          <a:xfrm>
+            <a:off x="10430892" y="144941"/>
+            <a:ext cx="360000" cy="0"/>
+          </a:xfrm>
+          <a:prstGeom prst="line">
+            <a:avLst/>
+          </a:prstGeom>
+          <a:ln w="44450" cap="rnd">
+            <a:solidFill>
+              <a:srgbClr val="8DBABD"/>
+            </a:solidFill>
+          </a:ln>
+          <a:effectLst>
+            <a:outerShdw blurRad="50800" dist="38100" dir="5400000" algn="t" rotWithShape="0">
+              <a:prstClr val="black">
+                <a:alpha val="40000"/>
+              </a:prstClr>
+            </a:outerShdw>
+          </a:effectLst>
+        </p:spPr>
+        <p:style>
+          <a:lnRef idx="1">
+            <a:schemeClr val="accent1"/>
+          </a:lnRef>
+          <a:fillRef idx="0">
+            <a:schemeClr val="accent1"/>
+          </a:fillRef>
+          <a:effectRef idx="0">
+            <a:schemeClr val="accent1"/>
+          </a:effectRef>
+          <a:fontRef idx="minor">
+            <a:schemeClr val="tx1"/>
+          </a:fontRef>
+        </p:style>
+      </p:cxnSp>
+      <p:cxnSp>
+        <p:nvCxnSpPr>
+          <p:cNvPr id="8" name="직선 연결선 7"/>
+          <p:cNvCxnSpPr/>
+          <p:nvPr/>
+        </p:nvCxnSpPr>
+        <p:spPr>
+          <a:xfrm>
+            <a:off x="10858459" y="144941"/>
+            <a:ext cx="360000" cy="0"/>
+          </a:xfrm>
+          <a:prstGeom prst="line">
+            <a:avLst/>
+          </a:prstGeom>
+          <a:ln w="44450" cap="rnd">
+            <a:solidFill>
+              <a:schemeClr val="bg2">
+                <a:lumMod val="90000"/>
+              </a:schemeClr>
+            </a:solidFill>
+          </a:ln>
+          <a:effectLst>
+            <a:outerShdw blurRad="50800" dist="38100" dir="5400000" algn="t" rotWithShape="0">
+              <a:prstClr val="black">
+                <a:alpha val="40000"/>
+              </a:prstClr>
+            </a:outerShdw>
+          </a:effectLst>
+        </p:spPr>
+        <p:style>
+          <a:lnRef idx="1">
+            <a:schemeClr val="accent1"/>
+          </a:lnRef>
+          <a:fillRef idx="0">
+            <a:schemeClr val="accent1"/>
+          </a:fillRef>
+          <a:effectRef idx="0">
+            <a:schemeClr val="accent1"/>
+          </a:effectRef>
+          <a:fontRef idx="minor">
+            <a:schemeClr val="tx1"/>
+          </a:fontRef>
+        </p:style>
+      </p:cxnSp>
+      <p:cxnSp>
+        <p:nvCxnSpPr>
+          <p:cNvPr id="9" name="직선 연결선 8"/>
+          <p:cNvCxnSpPr/>
+          <p:nvPr/>
+        </p:nvCxnSpPr>
+        <p:spPr>
+          <a:xfrm>
+            <a:off x="11286026" y="144941"/>
+            <a:ext cx="360000" cy="0"/>
+          </a:xfrm>
+          <a:prstGeom prst="line">
+            <a:avLst/>
+          </a:prstGeom>
+          <a:ln w="44450" cap="rnd">
+            <a:solidFill>
+              <a:schemeClr val="bg2">
+                <a:lumMod val="90000"/>
+              </a:schemeClr>
+            </a:solidFill>
+          </a:ln>
+          <a:effectLst>
+            <a:outerShdw blurRad="50800" dist="38100" dir="5400000" algn="t" rotWithShape="0">
+              <a:prstClr val="black">
+                <a:alpha val="40000"/>
+              </a:prstClr>
+            </a:outerShdw>
+          </a:effectLst>
+        </p:spPr>
+        <p:style>
+          <a:lnRef idx="1">
+            <a:schemeClr val="accent1"/>
+          </a:lnRef>
+          <a:fillRef idx="0">
+            <a:schemeClr val="accent1"/>
+          </a:fillRef>
+          <a:effectRef idx="0">
+            <a:schemeClr val="accent1"/>
+          </a:effectRef>
+          <a:fontRef idx="minor">
+            <a:schemeClr val="tx1"/>
+          </a:fontRef>
+        </p:style>
+      </p:cxnSp>
+      <p:cxnSp>
+        <p:nvCxnSpPr>
+          <p:cNvPr id="10" name="직선 연결선 9"/>
+          <p:cNvCxnSpPr/>
+          <p:nvPr/>
+        </p:nvCxnSpPr>
+        <p:spPr>
+          <a:xfrm>
+            <a:off x="11713592" y="144941"/>
+            <a:ext cx="360000" cy="0"/>
+          </a:xfrm>
+          <a:prstGeom prst="line">
+            <a:avLst/>
+          </a:prstGeom>
+          <a:ln w="44450" cap="rnd">
+            <a:solidFill>
+              <a:schemeClr val="bg2">
+                <a:lumMod val="90000"/>
+              </a:schemeClr>
+            </a:solidFill>
+          </a:ln>
+          <a:effectLst>
+            <a:outerShdw blurRad="50800" dist="38100" dir="5400000" algn="t" rotWithShape="0">
+              <a:prstClr val="black">
+                <a:alpha val="40000"/>
+              </a:prstClr>
+            </a:outerShdw>
+          </a:effectLst>
+        </p:spPr>
+        <p:style>
+          <a:lnRef idx="1">
+            <a:schemeClr val="accent1"/>
+          </a:lnRef>
+          <a:fillRef idx="0">
+            <a:schemeClr val="accent1"/>
+          </a:fillRef>
+          <a:effectRef idx="0">
+            <a:schemeClr val="accent1"/>
+          </a:effectRef>
+          <a:fontRef idx="minor">
+            <a:schemeClr val="tx1"/>
+          </a:fontRef>
+        </p:style>
+      </p:cxnSp>
+      <p:sp>
+        <p:nvSpPr>
+          <p:cNvPr id="13" name="TextBox 12"/>
+          <p:cNvSpPr txBox="1"/>
+          <p:nvPr/>
+        </p:nvSpPr>
+        <p:spPr>
+          <a:xfrm>
+            <a:off x="776392" y="1006929"/>
+            <a:ext cx="8820614" cy="400110"/>
+          </a:xfrm>
+          <a:prstGeom prst="rect">
+            <a:avLst/>
+          </a:prstGeom>
+          <a:noFill/>
+        </p:spPr>
+        <p:txBody>
+          <a:bodyPr wrap="square" rtlCol="0">
+            <a:spAutoFit/>
+          </a:bodyPr>
+          <a:lstStyle/>
+          <a:p>
+            <a:r>
+              <a:rPr lang="ko-KR" altLang="en-US" sz="2000" spc="-150" dirty="0">
+                <a:solidFill>
+                  <a:srgbClr val="00002F"/>
+                </a:solidFill>
+                <a:highlight>
+                  <a:srgbClr val="C0C0C0"/>
+                </a:highlight>
+                <a:latin typeface="메이플스토리" panose="02000300000000000000" pitchFamily="2" charset="-127"/>
+                <a:ea typeface="메이플스토리" panose="02000300000000000000" pitchFamily="2" charset="-127"/>
+              </a:rPr>
+              <a:t>승진은</a:t>
+            </a:r>
+            <a:r>
+              <a:rPr lang="en-US" altLang="ko-KR" sz="2000" spc="-150" dirty="0">
+                <a:solidFill>
+                  <a:srgbClr val="00002F"/>
+                </a:solidFill>
+                <a:highlight>
+                  <a:srgbClr val="C0C0C0"/>
+                </a:highlight>
+                <a:latin typeface="메이플스토리" panose="02000300000000000000" pitchFamily="2" charset="-127"/>
+                <a:ea typeface="메이플스토리" panose="02000300000000000000" pitchFamily="2" charset="-127"/>
+              </a:rPr>
+              <a:t> </a:t>
+            </a:r>
+            <a:r>
+              <a:rPr lang="ko-KR" altLang="en-US" sz="2000" spc="-150" dirty="0" err="1">
+                <a:solidFill>
+                  <a:srgbClr val="00002F"/>
+                </a:solidFill>
+                <a:highlight>
+                  <a:srgbClr val="C0C0C0"/>
+                </a:highlight>
+                <a:latin typeface="메이플스토리" panose="02000300000000000000" pitchFamily="2" charset="-127"/>
+                <a:ea typeface="메이플스토리" panose="02000300000000000000" pitchFamily="2" charset="-127"/>
+              </a:rPr>
+              <a:t>연차순이잖아요</a:t>
+            </a:r>
+            <a:endParaRPr lang="ko-KR" altLang="en-US" sz="2000" spc="-150" dirty="0">
+              <a:solidFill>
+                <a:srgbClr val="00002F"/>
+              </a:solidFill>
+              <a:highlight>
+                <a:srgbClr val="C0C0C0"/>
+              </a:highlight>
+              <a:latin typeface="메이플스토리" panose="02000300000000000000" pitchFamily="2" charset="-127"/>
+              <a:ea typeface="메이플스토리" panose="02000300000000000000" pitchFamily="2" charset="-127"/>
+            </a:endParaRPr>
+          </a:p>
+        </p:txBody>
+      </p:sp>
+      <p:pic>
+        <p:nvPicPr>
+          <p:cNvPr id="14" name="그림 13">
+            <a:extLst>
+              <a:ext uri="{FF2B5EF4-FFF2-40B4-BE49-F238E27FC236}">
+                <a16:creationId xmlns:a16="http://schemas.microsoft.com/office/drawing/2014/main" id="{91F03BA1-E22C-4C09-8545-543C5FCB6D60}"/>
+              </a:ext>
+            </a:extLst>
+          </p:cNvPr>
+          <p:cNvPicPr>
+            <a:picLocks noChangeAspect="1"/>
+          </p:cNvPicPr>
+          <p:nvPr/>
+        </p:nvPicPr>
+        <p:blipFill>
+          <a:blip r:embed="rId2">
+            <a:extLst>
+              <a:ext uri="{28A0092B-C50C-407E-A947-70E740481C1C}">
+                <a14:useLocalDpi xmlns:a14="http://schemas.microsoft.com/office/drawing/2010/main" val="0"/>
+              </a:ext>
+            </a:extLst>
+          </a:blip>
+          <a:srcRect/>
+          <a:stretch/>
+        </p:blipFill>
+        <p:spPr>
+          <a:xfrm>
+            <a:off x="4397956" y="1675080"/>
+            <a:ext cx="3396088" cy="4581841"/>
+          </a:xfrm>
+          <a:prstGeom prst="rect">
+            <a:avLst/>
+          </a:prstGeom>
+        </p:spPr>
+      </p:pic>
+    </p:spTree>
+    <p:extLst>
+      <p:ext uri="{BB962C8B-B14F-4D97-AF65-F5344CB8AC3E}">
+        <p14:creationId xmlns:p14="http://schemas.microsoft.com/office/powerpoint/2010/main" val="3586085446"/>
       </p:ext>
     </p:extLst>
   </p:cSld>
@@ -3845,8 +5811,8 @@
         </p:nvSpPr>
         <p:spPr>
           <a:xfrm>
-            <a:off x="463338" y="2497976"/>
-            <a:ext cx="1816523" cy="1862048"/>
+            <a:off x="389600" y="1726189"/>
+            <a:ext cx="952505" cy="923330"/>
           </a:xfrm>
           <a:prstGeom prst="rect">
             <a:avLst/>
@@ -3860,7 +5826,7 @@
           <a:lstStyle/>
           <a:p>
             <a:r>
-              <a:rPr lang="en-US" altLang="ko-KR" sz="11500" b="1" dirty="0">
+              <a:rPr lang="en-US" altLang="ko-KR" sz="5400" b="1" dirty="0">
                 <a:solidFill>
                   <a:srgbClr val="00002F"/>
                 </a:solidFill>
@@ -3869,7 +5835,7 @@
               </a:rPr>
               <a:t>01</a:t>
             </a:r>
-            <a:endParaRPr lang="ko-KR" altLang="en-US" sz="11500" b="1" dirty="0">
+            <a:endParaRPr lang="ko-KR" altLang="en-US" sz="5400" b="1" dirty="0">
               <a:solidFill>
                 <a:srgbClr val="00002F"/>
               </a:solidFill>
@@ -3887,8 +5853,8 @@
         </p:nvSpPr>
         <p:spPr>
           <a:xfrm>
-            <a:off x="270814" y="3194050"/>
-            <a:ext cx="2201573" cy="469900"/>
+            <a:off x="1536139" y="1952904"/>
+            <a:ext cx="9377938" cy="469900"/>
           </a:xfrm>
           <a:prstGeom prst="rect">
             <a:avLst/>
@@ -3933,8 +5899,25 @@
                 <a:latin typeface="메이플스토리" panose="02000300000000000000" pitchFamily="2" charset="-127"/>
                 <a:ea typeface="메이플스토리" panose="02000300000000000000" pitchFamily="2" charset="-127"/>
               </a:rPr>
-              <a:t>제목을 입력합니다</a:t>
-            </a:r>
+              <a:t>사고뭉치 부서를 찾아라</a:t>
+            </a:r>
+            <a:r>
+              <a:rPr lang="en-US" altLang="ko-KR" sz="2000" dirty="0">
+                <a:solidFill>
+                  <a:srgbClr val="00002F"/>
+                </a:solidFill>
+                <a:latin typeface="메이플스토리" panose="02000300000000000000" pitchFamily="2" charset="-127"/>
+                <a:ea typeface="메이플스토리" panose="02000300000000000000" pitchFamily="2" charset="-127"/>
+              </a:rPr>
+              <a:t>!</a:t>
+            </a:r>
+            <a:endParaRPr lang="ko-KR" altLang="en-US" sz="2000" dirty="0">
+              <a:solidFill>
+                <a:srgbClr val="00002F"/>
+              </a:solidFill>
+              <a:latin typeface="메이플스토리" panose="02000300000000000000" pitchFamily="2" charset="-127"/>
+              <a:ea typeface="메이플스토리" panose="02000300000000000000" pitchFamily="2" charset="-127"/>
+            </a:endParaRPr>
           </a:p>
         </p:txBody>
       </p:sp>
@@ -3946,8 +5929,8 @@
         </p:nvSpPr>
         <p:spPr>
           <a:xfrm>
-            <a:off x="3515156" y="2497976"/>
-            <a:ext cx="2074607" cy="1862048"/>
+            <a:off x="389600" y="3194050"/>
+            <a:ext cx="1072730" cy="923330"/>
           </a:xfrm>
           <a:prstGeom prst="rect">
             <a:avLst/>
@@ -3961,7 +5944,7 @@
           <a:lstStyle/>
           <a:p>
             <a:r>
-              <a:rPr lang="en-US" altLang="ko-KR" sz="11500" b="1" dirty="0">
+              <a:rPr lang="en-US" altLang="ko-KR" sz="5400" b="1" dirty="0">
                 <a:solidFill>
                   <a:srgbClr val="00002F"/>
                 </a:solidFill>
@@ -3970,7 +5953,7 @@
               </a:rPr>
               <a:t>02</a:t>
             </a:r>
-            <a:endParaRPr lang="ko-KR" altLang="en-US" sz="11500" b="1" dirty="0">
+            <a:endParaRPr lang="ko-KR" altLang="en-US" sz="5400" b="1" dirty="0">
               <a:solidFill>
                 <a:srgbClr val="00002F"/>
               </a:solidFill>
@@ -3988,8 +5971,8 @@
         </p:nvSpPr>
         <p:spPr>
           <a:xfrm>
-            <a:off x="3420414" y="3194050"/>
-            <a:ext cx="2201573" cy="469900"/>
+            <a:off x="1536140" y="3420765"/>
+            <a:ext cx="9377937" cy="469900"/>
           </a:xfrm>
           <a:prstGeom prst="rect">
             <a:avLst/>
@@ -4027,6 +6010,36 @@
           <a:p>
             <a:pPr algn="ctr"/>
             <a:r>
+              <a:rPr lang="en-US" altLang="ko-KR" sz="2000" dirty="0">
+                <a:solidFill>
+                  <a:srgbClr val="00002F"/>
+                </a:solidFill>
+                <a:latin typeface="메이플스토리" panose="02000300000000000000" pitchFamily="2" charset="-127"/>
+                <a:ea typeface="메이플스토리" panose="02000300000000000000" pitchFamily="2" charset="-127"/>
+              </a:rPr>
+              <a:t>3</a:t>
+            </a:r>
+            <a:r>
+              <a:rPr lang="ko-KR" altLang="en-US" sz="2000" dirty="0" err="1">
+                <a:solidFill>
+                  <a:srgbClr val="00002F"/>
+                </a:solidFill>
+                <a:latin typeface="메이플스토리" panose="02000300000000000000" pitchFamily="2" charset="-127"/>
+                <a:ea typeface="메이플스토리" panose="02000300000000000000" pitchFamily="2" charset="-127"/>
+              </a:rPr>
+              <a:t>년차</a:t>
+            </a:r>
+            <a:r>
+              <a:rPr lang="en-US" altLang="ko-KR" sz="2000" dirty="0">
+                <a:solidFill>
+                  <a:srgbClr val="00002F"/>
+                </a:solidFill>
+                <a:latin typeface="메이플스토리" panose="02000300000000000000" pitchFamily="2" charset="-127"/>
+                <a:ea typeface="메이플스토리" panose="02000300000000000000" pitchFamily="2" charset="-127"/>
+              </a:rPr>
+              <a:t>, </a:t>
+            </a:r>
+            <a:r>
               <a:rPr lang="ko-KR" altLang="en-US" sz="2000" dirty="0">
                 <a:solidFill>
                   <a:srgbClr val="00002F"/>
@@ -4034,8 +6047,25 @@
                 <a:latin typeface="메이플스토리" panose="02000300000000000000" pitchFamily="2" charset="-127"/>
                 <a:ea typeface="메이플스토리" panose="02000300000000000000" pitchFamily="2" charset="-127"/>
               </a:rPr>
-              <a:t>제목을 입력합니다</a:t>
-            </a:r>
+              <a:t>이직을 시작하다</a:t>
+            </a:r>
+            <a:r>
+              <a:rPr lang="en-US" altLang="ko-KR" sz="2000" dirty="0">
+                <a:solidFill>
+                  <a:srgbClr val="00002F"/>
+                </a:solidFill>
+                <a:latin typeface="메이플스토리" panose="02000300000000000000" pitchFamily="2" charset="-127"/>
+                <a:ea typeface="메이플스토리" panose="02000300000000000000" pitchFamily="2" charset="-127"/>
+              </a:rPr>
+              <a:t>.</a:t>
+            </a:r>
+            <a:endParaRPr lang="ko-KR" altLang="en-US" sz="2000" dirty="0">
+              <a:solidFill>
+                <a:srgbClr val="00002F"/>
+              </a:solidFill>
+              <a:latin typeface="메이플스토리" panose="02000300000000000000" pitchFamily="2" charset="-127"/>
+              <a:ea typeface="메이플스토리" panose="02000300000000000000" pitchFamily="2" charset="-127"/>
+            </a:endParaRPr>
           </a:p>
         </p:txBody>
       </p:sp>
@@ -4047,8 +6077,8 @@
         </p:nvSpPr>
         <p:spPr>
           <a:xfrm>
-            <a:off x="6664756" y="2497976"/>
-            <a:ext cx="2066591" cy="1862048"/>
+            <a:off x="389600" y="4661911"/>
+            <a:ext cx="1069524" cy="923330"/>
           </a:xfrm>
           <a:prstGeom prst="rect">
             <a:avLst/>
@@ -4062,7 +6092,7 @@
           <a:lstStyle/>
           <a:p>
             <a:r>
-              <a:rPr lang="en-US" altLang="ko-KR" sz="11500" b="1" dirty="0">
+              <a:rPr lang="en-US" altLang="ko-KR" sz="5400" b="1" dirty="0">
                 <a:solidFill>
                   <a:srgbClr val="00002F"/>
                 </a:solidFill>
@@ -4071,7 +6101,7 @@
               </a:rPr>
               <a:t>03</a:t>
             </a:r>
-            <a:endParaRPr lang="ko-KR" altLang="en-US" sz="11500" b="1" dirty="0">
+            <a:endParaRPr lang="ko-KR" altLang="en-US" sz="5400" b="1" dirty="0">
               <a:solidFill>
                 <a:srgbClr val="00002F"/>
               </a:solidFill>
@@ -4089,8 +6119,8 @@
         </p:nvSpPr>
         <p:spPr>
           <a:xfrm>
-            <a:off x="6570014" y="3194050"/>
-            <a:ext cx="2201573" cy="469900"/>
+            <a:off x="1536140" y="4888626"/>
+            <a:ext cx="9377937" cy="469900"/>
           </a:xfrm>
           <a:prstGeom prst="rect">
             <a:avLst/>
@@ -4130,114 +6160,40 @@
             <a:r>
               <a:rPr lang="ko-KR" altLang="en-US" sz="2000" dirty="0">
                 <a:solidFill>
-                  <a:srgbClr val="00002F"/>
-                </a:solidFill>
-                <a:latin typeface="메이플스토리" panose="02000300000000000000" pitchFamily="2" charset="-127"/>
-                <a:ea typeface="메이플스토리" panose="02000300000000000000" pitchFamily="2" charset="-127"/>
-              </a:rPr>
-              <a:t>제목을 입력합니다</a:t>
-            </a:r>
-          </a:p>
-        </p:txBody>
-      </p:sp>
-      <p:sp>
-        <p:nvSpPr>
-          <p:cNvPr id="10" name="TextBox 9"/>
-          <p:cNvSpPr txBox="1"/>
-          <p:nvPr/>
-        </p:nvSpPr>
-        <p:spPr>
-          <a:xfrm>
-            <a:off x="9814356" y="2497976"/>
-            <a:ext cx="2159566" cy="1862048"/>
-          </a:xfrm>
-          <a:prstGeom prst="rect">
-            <a:avLst/>
-          </a:prstGeom>
-          <a:noFill/>
-        </p:spPr>
-        <p:txBody>
-          <a:bodyPr wrap="none" rtlCol="0">
-            <a:spAutoFit/>
-          </a:bodyPr>
-          <a:lstStyle/>
-          <a:p>
-            <a:r>
-              <a:rPr lang="en-US" altLang="ko-KR" sz="11500" b="1" dirty="0">
-                <a:solidFill>
-                  <a:srgbClr val="00002F"/>
-                </a:solidFill>
-                <a:latin typeface="메이플스토리" panose="02000300000000000000" pitchFamily="2" charset="-127"/>
-                <a:ea typeface="메이플스토리" panose="02000300000000000000" pitchFamily="2" charset="-127"/>
-              </a:rPr>
-              <a:t>04</a:t>
-            </a:r>
-            <a:endParaRPr lang="ko-KR" altLang="en-US" sz="11500" b="1" dirty="0">
+                  <a:schemeClr val="tx1"/>
+                </a:solidFill>
+                <a:latin typeface="메이플스토리" panose="02000300000000000000" pitchFamily="2" charset="-127"/>
+                <a:ea typeface="메이플스토리" panose="02000300000000000000" pitchFamily="2" charset="-127"/>
+              </a:rPr>
+              <a:t>돈 많이 주면 </a:t>
+            </a:r>
+            <a:r>
+              <a:rPr lang="ko-KR" altLang="en-US" sz="2000" dirty="0" err="1">
+                <a:solidFill>
+                  <a:schemeClr val="tx1"/>
+                </a:solidFill>
+                <a:latin typeface="메이플스토리" panose="02000300000000000000" pitchFamily="2" charset="-127"/>
+                <a:ea typeface="메이플스토리" panose="02000300000000000000" pitchFamily="2" charset="-127"/>
+              </a:rPr>
+              <a:t>만족할래</a:t>
+            </a:r>
+            <a:r>
+              <a:rPr lang="en-US" altLang="ko-KR" sz="2000" dirty="0">
+                <a:solidFill>
+                  <a:schemeClr val="tx1"/>
+                </a:solidFill>
+                <a:latin typeface="메이플스토리" panose="02000300000000000000" pitchFamily="2" charset="-127"/>
+                <a:ea typeface="메이플스토리" panose="02000300000000000000" pitchFamily="2" charset="-127"/>
+              </a:rPr>
+              <a:t>?</a:t>
+            </a:r>
+            <a:endParaRPr lang="ko-KR" altLang="en-US" sz="2000" dirty="0">
               <a:solidFill>
-                <a:srgbClr val="00002F"/>
+                <a:schemeClr val="tx1"/>
               </a:solidFill>
               <a:latin typeface="메이플스토리" panose="02000300000000000000" pitchFamily="2" charset="-127"/>
               <a:ea typeface="메이플스토리" panose="02000300000000000000" pitchFamily="2" charset="-127"/>
             </a:endParaRPr>
-          </a:p>
-        </p:txBody>
-      </p:sp>
-      <p:sp>
-        <p:nvSpPr>
-          <p:cNvPr id="11" name="직사각형 10"/>
-          <p:cNvSpPr/>
-          <p:nvPr/>
-        </p:nvSpPr>
-        <p:spPr>
-          <a:xfrm>
-            <a:off x="9719614" y="3194050"/>
-            <a:ext cx="2201573" cy="469900"/>
-          </a:xfrm>
-          <a:prstGeom prst="rect">
-            <a:avLst/>
-          </a:prstGeom>
-          <a:solidFill>
-            <a:schemeClr val="bg1">
-              <a:alpha val="80000"/>
-            </a:schemeClr>
-          </a:solidFill>
-          <a:ln>
-            <a:solidFill>
-              <a:schemeClr val="bg1"/>
-            </a:solidFill>
-          </a:ln>
-        </p:spPr>
-        <p:style>
-          <a:lnRef idx="2">
-            <a:schemeClr val="accent1">
-              <a:shade val="50000"/>
-            </a:schemeClr>
-          </a:lnRef>
-          <a:fillRef idx="1">
-            <a:schemeClr val="accent1"/>
-          </a:fillRef>
-          <a:effectRef idx="0">
-            <a:schemeClr val="accent1"/>
-          </a:effectRef>
-          <a:fontRef idx="minor">
-            <a:schemeClr val="lt1"/>
-          </a:fontRef>
-        </p:style>
-        <p:txBody>
-          <a:bodyPr rtlCol="0" anchor="ctr"/>
-          <a:lstStyle/>
-          <a:p>
-            <a:pPr algn="ctr"/>
-            <a:r>
-              <a:rPr lang="ko-KR" altLang="en-US" sz="2000" dirty="0">
-                <a:solidFill>
-                  <a:srgbClr val="00002F"/>
-                </a:solidFill>
-                <a:latin typeface="메이플스토리" panose="02000300000000000000" pitchFamily="2" charset="-127"/>
-                <a:ea typeface="메이플스토리" panose="02000300000000000000" pitchFamily="2" charset="-127"/>
-              </a:rPr>
-              <a:t>제목을 입력합니다</a:t>
-            </a:r>
           </a:p>
         </p:txBody>
       </p:sp>
@@ -4325,6 +6281,2421 @@
     <p:extLst>
       <p:ext uri="{BB962C8B-B14F-4D97-AF65-F5344CB8AC3E}">
         <p14:creationId xmlns:p14="http://schemas.microsoft.com/office/powerpoint/2010/main" val="1723337297"/>
+      </p:ext>
+    </p:extLst>
+  </p:cSld>
+  <p:clrMapOvr>
+    <a:masterClrMapping/>
+  </p:clrMapOvr>
+</p:sld>
+</file>
+
+<file path=ppt/slides/slide20.xml><?xml version="1.0" encoding="utf-8"?>
+<p:sld xmlns:a="http://schemas.openxmlformats.org/drawingml/2006/main" xmlns:r="http://schemas.openxmlformats.org/officeDocument/2006/relationships" xmlns:p="http://schemas.openxmlformats.org/presentationml/2006/main">
+  <p:cSld>
+    <p:bg>
+      <p:bgPr>
+        <a:blipFill dpi="0" rotWithShape="1">
+          <a:blip r:embed="rId2">
+            <a:alphaModFix amt="70000"/>
+            <a:extLst>
+              <a:ext uri="{BEBA8EAE-BF5A-486C-A8C5-ECC9F3942E4B}">
+                <a14:imgProps xmlns:a14="http://schemas.microsoft.com/office/drawing/2010/main">
+                  <a14:imgLayer r:embed="rId3">
+                    <a14:imgEffect>
+                      <a14:sharpenSoften amount="43000"/>
+                    </a14:imgEffect>
+                    <a14:imgEffect>
+                      <a14:brightnessContrast bright="-62000"/>
+                    </a14:imgEffect>
+                  </a14:imgLayer>
+                </a14:imgProps>
+              </a:ext>
+            </a:extLst>
+          </a:blip>
+          <a:srcRect/>
+          <a:stretch>
+            <a:fillRect/>
+          </a:stretch>
+        </a:blipFill>
+        <a:effectLst/>
+      </p:bgPr>
+    </p:bg>
+    <p:spTree>
+      <p:nvGrpSpPr>
+        <p:cNvPr id="1" name=""/>
+        <p:cNvGrpSpPr/>
+        <p:nvPr/>
+      </p:nvGrpSpPr>
+      <p:grpSpPr>
+        <a:xfrm>
+          <a:off x="0" y="0"/>
+          <a:ext cx="0" cy="0"/>
+          <a:chOff x="0" y="0"/>
+          <a:chExt cx="0" cy="0"/>
+        </a:xfrm>
+      </p:grpSpPr>
+      <p:sp>
+        <p:nvSpPr>
+          <p:cNvPr id="2" name="TextBox 1"/>
+          <p:cNvSpPr txBox="1"/>
+          <p:nvPr/>
+        </p:nvSpPr>
+        <p:spPr>
+          <a:xfrm>
+            <a:off x="753731" y="1727732"/>
+            <a:ext cx="827471" cy="769441"/>
+          </a:xfrm>
+          <a:prstGeom prst="rect">
+            <a:avLst/>
+          </a:prstGeom>
+          <a:noFill/>
+        </p:spPr>
+        <p:txBody>
+          <a:bodyPr wrap="none" rtlCol="0">
+            <a:spAutoFit/>
+          </a:bodyPr>
+          <a:lstStyle/>
+          <a:p>
+            <a:r>
+              <a:rPr lang="en-US" altLang="ko-KR" sz="4400" spc="-300" dirty="0">
+                <a:solidFill>
+                  <a:srgbClr val="00002F"/>
+                </a:solidFill>
+                <a:latin typeface="메이플스토리" panose="02000300000000000000" pitchFamily="2" charset="-127"/>
+                <a:ea typeface="메이플스토리" panose="02000300000000000000" pitchFamily="2" charset="-127"/>
+              </a:rPr>
+              <a:t>06</a:t>
+            </a:r>
+            <a:endParaRPr lang="ko-KR" altLang="en-US" sz="4400" spc="-300" dirty="0">
+              <a:solidFill>
+                <a:srgbClr val="00002F"/>
+              </a:solidFill>
+              <a:latin typeface="메이플스토리" panose="02000300000000000000" pitchFamily="2" charset="-127"/>
+              <a:ea typeface="메이플스토리" panose="02000300000000000000" pitchFamily="2" charset="-127"/>
+            </a:endParaRPr>
+          </a:p>
+        </p:txBody>
+      </p:sp>
+      <p:sp>
+        <p:nvSpPr>
+          <p:cNvPr id="3" name="직사각형 2"/>
+          <p:cNvSpPr/>
+          <p:nvPr/>
+        </p:nvSpPr>
+        <p:spPr>
+          <a:xfrm>
+            <a:off x="1167468" y="2497173"/>
+            <a:ext cx="9857065" cy="1276424"/>
+          </a:xfrm>
+          <a:prstGeom prst="rect">
+            <a:avLst/>
+          </a:prstGeom>
+          <a:solidFill>
+            <a:srgbClr val="8DBABD"/>
+          </a:solidFill>
+          <a:ln>
+            <a:solidFill>
+              <a:srgbClr val="8DBABD"/>
+            </a:solidFill>
+          </a:ln>
+        </p:spPr>
+        <p:style>
+          <a:lnRef idx="2">
+            <a:schemeClr val="accent1">
+              <a:shade val="50000"/>
+            </a:schemeClr>
+          </a:lnRef>
+          <a:fillRef idx="1">
+            <a:schemeClr val="accent1"/>
+          </a:fillRef>
+          <a:effectRef idx="0">
+            <a:schemeClr val="accent1"/>
+          </a:effectRef>
+          <a:fontRef idx="minor">
+            <a:schemeClr val="lt1"/>
+          </a:fontRef>
+        </p:style>
+        <p:txBody>
+          <a:bodyPr rtlCol="0" anchor="ctr"/>
+          <a:lstStyle/>
+          <a:p>
+            <a:pPr algn="ctr"/>
+            <a:r>
+              <a:rPr lang="ko-KR" altLang="en-US" sz="3600" dirty="0">
+                <a:latin typeface="메이플스토리" panose="02000300000000000000" pitchFamily="2" charset="-127"/>
+                <a:ea typeface="메이플스토리" panose="02000300000000000000" pitchFamily="2" charset="-127"/>
+              </a:rPr>
+              <a:t>열심히 일해봐라 돈 많이 주나</a:t>
+            </a:r>
+            <a:r>
+              <a:rPr lang="en-US" altLang="ko-KR" sz="3600" dirty="0">
+                <a:latin typeface="메이플스토리" panose="02000300000000000000" pitchFamily="2" charset="-127"/>
+                <a:ea typeface="메이플스토리" panose="02000300000000000000" pitchFamily="2" charset="-127"/>
+              </a:rPr>
+              <a:t>!! </a:t>
+            </a:r>
+          </a:p>
+          <a:p>
+            <a:pPr algn="ctr"/>
+            <a:r>
+              <a:rPr lang="ko-KR" altLang="en-US" sz="3600" dirty="0">
+                <a:latin typeface="메이플스토리" panose="02000300000000000000" pitchFamily="2" charset="-127"/>
+                <a:ea typeface="메이플스토리" panose="02000300000000000000" pitchFamily="2" charset="-127"/>
+              </a:rPr>
+              <a:t>악으로 깡으로 버텨라</a:t>
+            </a:r>
+            <a:r>
+              <a:rPr lang="en-US" altLang="ko-KR" sz="3600" dirty="0">
+                <a:latin typeface="메이플스토리" panose="02000300000000000000" pitchFamily="2" charset="-127"/>
+                <a:ea typeface="메이플스토리" panose="02000300000000000000" pitchFamily="2" charset="-127"/>
+              </a:rPr>
+              <a:t>!!!</a:t>
+            </a:r>
+            <a:endParaRPr lang="ko-KR" altLang="en-US" sz="3600" dirty="0">
+              <a:latin typeface="메이플스토리" panose="02000300000000000000" pitchFamily="2" charset="-127"/>
+              <a:ea typeface="메이플스토리" panose="02000300000000000000" pitchFamily="2" charset="-127"/>
+            </a:endParaRPr>
+          </a:p>
+        </p:txBody>
+      </p:sp>
+    </p:spTree>
+    <p:extLst>
+      <p:ext uri="{BB962C8B-B14F-4D97-AF65-F5344CB8AC3E}">
+        <p14:creationId xmlns:p14="http://schemas.microsoft.com/office/powerpoint/2010/main" val="888822243"/>
+      </p:ext>
+    </p:extLst>
+  </p:cSld>
+  <p:clrMapOvr>
+    <a:masterClrMapping/>
+  </p:clrMapOvr>
+</p:sld>
+</file>
+
+<file path=ppt/slides/slide21.xml><?xml version="1.0" encoding="utf-8"?>
+<p:sld xmlns:a="http://schemas.openxmlformats.org/drawingml/2006/main" xmlns:r="http://schemas.openxmlformats.org/officeDocument/2006/relationships" xmlns:p="http://schemas.openxmlformats.org/presentationml/2006/main">
+  <p:cSld>
+    <p:spTree>
+      <p:nvGrpSpPr>
+        <p:cNvPr id="1" name=""/>
+        <p:cNvGrpSpPr/>
+        <p:nvPr/>
+      </p:nvGrpSpPr>
+      <p:grpSpPr>
+        <a:xfrm>
+          <a:off x="0" y="0"/>
+          <a:ext cx="0" cy="0"/>
+          <a:chOff x="0" y="0"/>
+          <a:chExt cx="0" cy="0"/>
+        </a:xfrm>
+      </p:grpSpPr>
+      <p:graphicFrame>
+        <p:nvGraphicFramePr>
+          <p:cNvPr id="6" name="표 10">
+            <a:extLst>
+              <a:ext uri="{FF2B5EF4-FFF2-40B4-BE49-F238E27FC236}">
+                <a16:creationId xmlns:a16="http://schemas.microsoft.com/office/drawing/2014/main" id="{4D721427-A8E6-4FD2-BAB3-BE88AB9999A7}"/>
+              </a:ext>
+            </a:extLst>
+          </p:cNvPr>
+          <p:cNvGraphicFramePr>
+            <a:graphicFrameLocks noGrp="1"/>
+          </p:cNvGraphicFramePr>
+          <p:nvPr>
+            <p:extLst>
+              <p:ext uri="{D42A27DB-BD31-4B8C-83A1-F6EECF244321}">
+                <p14:modId xmlns:p14="http://schemas.microsoft.com/office/powerpoint/2010/main" val="638100214"/>
+              </p:ext>
+            </p:extLst>
+          </p:nvPr>
+        </p:nvGraphicFramePr>
+        <p:xfrm>
+          <a:off x="973593" y="2470685"/>
+          <a:ext cx="9884866" cy="1916630"/>
+        </p:xfrm>
+        <a:graphic>
+          <a:graphicData uri="http://schemas.openxmlformats.org/drawingml/2006/table">
+            <a:tbl>
+              <a:tblPr firstRow="1" bandRow="1">
+                <a:tableStyleId>{F5AB1C69-6EDB-4FF4-983F-18BD219EF322}</a:tableStyleId>
+              </a:tblPr>
+              <a:tblGrid>
+                <a:gridCol w="1501159">
+                  <a:extLst>
+                    <a:ext uri="{9D8B030D-6E8A-4147-A177-3AD203B41FA5}">
+                      <a16:colId xmlns:a16="http://schemas.microsoft.com/office/drawing/2014/main" val="1423167219"/>
+                    </a:ext>
+                  </a:extLst>
+                </a:gridCol>
+                <a:gridCol w="2794569">
+                  <a:extLst>
+                    <a:ext uri="{9D8B030D-6E8A-4147-A177-3AD203B41FA5}">
+                      <a16:colId xmlns:a16="http://schemas.microsoft.com/office/drawing/2014/main" val="2998681635"/>
+                    </a:ext>
+                  </a:extLst>
+                </a:gridCol>
+                <a:gridCol w="2794569">
+                  <a:extLst>
+                    <a:ext uri="{9D8B030D-6E8A-4147-A177-3AD203B41FA5}">
+                      <a16:colId xmlns:a16="http://schemas.microsoft.com/office/drawing/2014/main" val="2647287412"/>
+                    </a:ext>
+                  </a:extLst>
+                </a:gridCol>
+                <a:gridCol w="2794569">
+                  <a:extLst>
+                    <a:ext uri="{9D8B030D-6E8A-4147-A177-3AD203B41FA5}">
+                      <a16:colId xmlns:a16="http://schemas.microsoft.com/office/drawing/2014/main" val="1295782723"/>
+                    </a:ext>
+                  </a:extLst>
+                </a:gridCol>
+              </a:tblGrid>
+              <a:tr h="474218">
+                <a:tc>
+                  <a:txBody>
+                    <a:bodyPr/>
+                    <a:lstStyle/>
+                    <a:p>
+                      <a:pPr latinLnBrk="1"/>
+                      <a:r>
+                        <a:rPr lang="ko-KR" altLang="en-US" sz="2400" dirty="0">
+                          <a:latin typeface="메이플스토리" panose="02000300000000000000" pitchFamily="2" charset="-127"/>
+                          <a:ea typeface="메이플스토리" panose="02000300000000000000" pitchFamily="2" charset="-127"/>
+                        </a:rPr>
+                        <a:t>급여 수준</a:t>
+                      </a:r>
+                    </a:p>
+                  </a:txBody>
+                  <a:tcPr/>
+                </a:tc>
+                <a:tc>
+                  <a:txBody>
+                    <a:bodyPr/>
+                    <a:lstStyle/>
+                    <a:p>
+                      <a:pPr latinLnBrk="1"/>
+                      <a:r>
+                        <a:rPr lang="ko-KR" altLang="en-US" sz="2400" dirty="0">
+                          <a:latin typeface="메이플스토리" panose="02000300000000000000" pitchFamily="2" charset="-127"/>
+                          <a:ea typeface="메이플스토리" panose="02000300000000000000" pitchFamily="2" charset="-127"/>
+                        </a:rPr>
+                        <a:t>인사고과 점수</a:t>
+                      </a:r>
+                    </a:p>
+                  </a:txBody>
+                  <a:tcPr/>
+                </a:tc>
+                <a:tc>
+                  <a:txBody>
+                    <a:bodyPr/>
+                    <a:lstStyle/>
+                    <a:p>
+                      <a:pPr latinLnBrk="1"/>
+                      <a:r>
+                        <a:rPr lang="ko-KR" altLang="en-US" sz="2400" dirty="0">
+                          <a:latin typeface="메이플스토리" panose="02000300000000000000" pitchFamily="2" charset="-127"/>
+                          <a:ea typeface="메이플스토리" panose="02000300000000000000" pitchFamily="2" charset="-127"/>
+                        </a:rPr>
+                        <a:t>프로젝트 수</a:t>
+                      </a:r>
+                    </a:p>
+                  </a:txBody>
+                  <a:tcPr/>
+                </a:tc>
+                <a:tc>
+                  <a:txBody>
+                    <a:bodyPr/>
+                    <a:lstStyle/>
+                    <a:p>
+                      <a:pPr latinLnBrk="1"/>
+                      <a:r>
+                        <a:rPr lang="ko-KR" altLang="en-US" sz="2400" dirty="0">
+                          <a:latin typeface="메이플스토리" panose="02000300000000000000" pitchFamily="2" charset="-127"/>
+                          <a:ea typeface="메이플스토리" panose="02000300000000000000" pitchFamily="2" charset="-127"/>
+                        </a:rPr>
+                        <a:t>근무 시간</a:t>
+                      </a:r>
+                    </a:p>
+                  </a:txBody>
+                  <a:tcPr/>
+                </a:tc>
+                <a:extLst>
+                  <a:ext uri="{0D108BD9-81ED-4DB2-BD59-A6C34878D82A}">
+                    <a16:rowId xmlns:a16="http://schemas.microsoft.com/office/drawing/2014/main" val="3411232878"/>
+                  </a:ext>
+                </a:extLst>
+              </a:tr>
+              <a:tr h="480804">
+                <a:tc>
+                  <a:txBody>
+                    <a:bodyPr/>
+                    <a:lstStyle/>
+                    <a:p>
+                      <a:pPr latinLnBrk="1"/>
+                      <a:r>
+                        <a:rPr lang="en-US" altLang="ko-KR" sz="2400" dirty="0">
+                          <a:latin typeface="메이플스토리" panose="02000300000000000000" pitchFamily="2" charset="-127"/>
+                          <a:ea typeface="메이플스토리" panose="02000300000000000000" pitchFamily="2" charset="-127"/>
+                        </a:rPr>
+                        <a:t>LOW</a:t>
+                      </a:r>
+                    </a:p>
+                  </a:txBody>
+                  <a:tcPr/>
+                </a:tc>
+                <a:tc>
+                  <a:txBody>
+                    <a:bodyPr/>
+                    <a:lstStyle/>
+                    <a:p>
+                      <a:pPr latinLnBrk="1"/>
+                      <a:r>
+                        <a:rPr lang="en-US" altLang="ko-KR" sz="2400" dirty="0">
+                          <a:latin typeface="메이플스토리" panose="02000300000000000000" pitchFamily="2" charset="-127"/>
+                          <a:ea typeface="메이플스토리" panose="02000300000000000000" pitchFamily="2" charset="-127"/>
+                        </a:rPr>
+                        <a:t>0.717</a:t>
+                      </a:r>
+                      <a:r>
+                        <a:rPr lang="ko-KR" altLang="en-US" sz="2400" dirty="0">
+                          <a:latin typeface="메이플스토리" panose="02000300000000000000" pitchFamily="2" charset="-127"/>
+                          <a:ea typeface="메이플스토리" panose="02000300000000000000" pitchFamily="2" charset="-127"/>
+                        </a:rPr>
+                        <a:t>점</a:t>
+                      </a:r>
+                    </a:p>
+                  </a:txBody>
+                  <a:tcPr/>
+                </a:tc>
+                <a:tc>
+                  <a:txBody>
+                    <a:bodyPr/>
+                    <a:lstStyle/>
+                    <a:p>
+                      <a:pPr latinLnBrk="1"/>
+                      <a:r>
+                        <a:rPr lang="en-US" altLang="ko-KR" sz="2400" dirty="0">
+                          <a:latin typeface="메이플스토리" panose="02000300000000000000" pitchFamily="2" charset="-127"/>
+                          <a:ea typeface="메이플스토리" panose="02000300000000000000" pitchFamily="2" charset="-127"/>
+                        </a:rPr>
+                        <a:t>3.80</a:t>
+                      </a:r>
+                      <a:r>
+                        <a:rPr lang="ko-KR" altLang="en-US" sz="2400" dirty="0">
+                          <a:latin typeface="메이플스토리" panose="02000300000000000000" pitchFamily="2" charset="-127"/>
+                          <a:ea typeface="메이플스토리" panose="02000300000000000000" pitchFamily="2" charset="-127"/>
+                        </a:rPr>
+                        <a:t>개</a:t>
+                      </a:r>
+                    </a:p>
+                  </a:txBody>
+                  <a:tcPr/>
+                </a:tc>
+                <a:tc>
+                  <a:txBody>
+                    <a:bodyPr/>
+                    <a:lstStyle/>
+                    <a:p>
+                      <a:pPr latinLnBrk="1"/>
+                      <a:r>
+                        <a:rPr lang="en-US" altLang="ko-KR" sz="2400" dirty="0">
+                          <a:latin typeface="메이플스토리" panose="02000300000000000000" pitchFamily="2" charset="-127"/>
+                          <a:ea typeface="메이플스토리" panose="02000300000000000000" pitchFamily="2" charset="-127"/>
+                        </a:rPr>
+                        <a:t>200</a:t>
+                      </a:r>
+                      <a:r>
+                        <a:rPr lang="ko-KR" altLang="en-US" sz="2400" dirty="0">
+                          <a:latin typeface="메이플스토리" panose="02000300000000000000" pitchFamily="2" charset="-127"/>
+                          <a:ea typeface="메이플스토리" panose="02000300000000000000" pitchFamily="2" charset="-127"/>
+                        </a:rPr>
+                        <a:t>시간</a:t>
+                      </a:r>
+                    </a:p>
+                  </a:txBody>
+                  <a:tcPr/>
+                </a:tc>
+                <a:extLst>
+                  <a:ext uri="{0D108BD9-81ED-4DB2-BD59-A6C34878D82A}">
+                    <a16:rowId xmlns:a16="http://schemas.microsoft.com/office/drawing/2014/main" val="3363316642"/>
+                  </a:ext>
+                </a:extLst>
+              </a:tr>
+              <a:tr h="480804">
+                <a:tc>
+                  <a:txBody>
+                    <a:bodyPr/>
+                    <a:lstStyle/>
+                    <a:p>
+                      <a:pPr latinLnBrk="1"/>
+                      <a:r>
+                        <a:rPr lang="en-US" altLang="ko-KR" sz="2400" dirty="0">
+                          <a:latin typeface="메이플스토리" panose="02000300000000000000" pitchFamily="2" charset="-127"/>
+                          <a:ea typeface="메이플스토리" panose="02000300000000000000" pitchFamily="2" charset="-127"/>
+                        </a:rPr>
+                        <a:t>MEDIUM</a:t>
+                      </a:r>
+                      <a:endParaRPr lang="ko-KR" altLang="en-US" sz="2400" dirty="0">
+                        <a:latin typeface="메이플스토리" panose="02000300000000000000" pitchFamily="2" charset="-127"/>
+                        <a:ea typeface="메이플스토리" panose="02000300000000000000" pitchFamily="2" charset="-127"/>
+                      </a:endParaRPr>
+                    </a:p>
+                  </a:txBody>
+                  <a:tcPr/>
+                </a:tc>
+                <a:tc>
+                  <a:txBody>
+                    <a:bodyPr/>
+                    <a:lstStyle/>
+                    <a:p>
+                      <a:pPr latinLnBrk="1"/>
+                      <a:r>
+                        <a:rPr lang="en-US" altLang="ko-KR" sz="2400" dirty="0">
+                          <a:latin typeface="메이플스토리" panose="02000300000000000000" pitchFamily="2" charset="-127"/>
+                          <a:ea typeface="메이플스토리" panose="02000300000000000000" pitchFamily="2" charset="-127"/>
+                        </a:rPr>
+                        <a:t>0.717</a:t>
+                      </a:r>
+                      <a:r>
+                        <a:rPr lang="ko-KR" altLang="en-US" sz="2400" dirty="0">
+                          <a:latin typeface="메이플스토리" panose="02000300000000000000" pitchFamily="2" charset="-127"/>
+                          <a:ea typeface="메이플스토리" panose="02000300000000000000" pitchFamily="2" charset="-127"/>
+                        </a:rPr>
+                        <a:t>점</a:t>
+                      </a:r>
+                    </a:p>
+                  </a:txBody>
+                  <a:tcPr/>
+                </a:tc>
+                <a:tc>
+                  <a:txBody>
+                    <a:bodyPr/>
+                    <a:lstStyle/>
+                    <a:p>
+                      <a:pPr latinLnBrk="1"/>
+                      <a:r>
+                        <a:rPr lang="en-US" altLang="ko-KR" sz="2400" dirty="0">
+                          <a:latin typeface="메이플스토리" panose="02000300000000000000" pitchFamily="2" charset="-127"/>
+                          <a:ea typeface="메이플스토리" panose="02000300000000000000" pitchFamily="2" charset="-127"/>
+                        </a:rPr>
+                        <a:t>3.81</a:t>
+                      </a:r>
+                      <a:r>
+                        <a:rPr lang="ko-KR" altLang="en-US" sz="2400" dirty="0">
+                          <a:latin typeface="메이플스토리" panose="02000300000000000000" pitchFamily="2" charset="-127"/>
+                          <a:ea typeface="메이플스토리" panose="02000300000000000000" pitchFamily="2" charset="-127"/>
+                        </a:rPr>
+                        <a:t>개</a:t>
+                      </a:r>
+                    </a:p>
+                  </a:txBody>
+                  <a:tcPr/>
+                </a:tc>
+                <a:tc>
+                  <a:txBody>
+                    <a:bodyPr/>
+                    <a:lstStyle/>
+                    <a:p>
+                      <a:pPr latinLnBrk="1"/>
+                      <a:r>
+                        <a:rPr lang="en-US" altLang="ko-KR" sz="2400" dirty="0">
+                          <a:latin typeface="메이플스토리" panose="02000300000000000000" pitchFamily="2" charset="-127"/>
+                          <a:ea typeface="메이플스토리" panose="02000300000000000000" pitchFamily="2" charset="-127"/>
+                        </a:rPr>
+                        <a:t>201</a:t>
+                      </a:r>
+                      <a:r>
+                        <a:rPr lang="ko-KR" altLang="en-US" sz="2400" dirty="0">
+                          <a:latin typeface="메이플스토리" panose="02000300000000000000" pitchFamily="2" charset="-127"/>
+                          <a:ea typeface="메이플스토리" panose="02000300000000000000" pitchFamily="2" charset="-127"/>
+                        </a:rPr>
+                        <a:t>시간</a:t>
+                      </a:r>
+                    </a:p>
+                  </a:txBody>
+                  <a:tcPr/>
+                </a:tc>
+                <a:extLst>
+                  <a:ext uri="{0D108BD9-81ED-4DB2-BD59-A6C34878D82A}">
+                    <a16:rowId xmlns:a16="http://schemas.microsoft.com/office/drawing/2014/main" val="35863429"/>
+                  </a:ext>
+                </a:extLst>
+              </a:tr>
+              <a:tr h="480804">
+                <a:tc>
+                  <a:txBody>
+                    <a:bodyPr/>
+                    <a:lstStyle/>
+                    <a:p>
+                      <a:pPr latinLnBrk="1"/>
+                      <a:r>
+                        <a:rPr lang="en-US" altLang="ko-KR" sz="2400" dirty="0">
+                          <a:latin typeface="메이플스토리" panose="02000300000000000000" pitchFamily="2" charset="-127"/>
+                          <a:ea typeface="메이플스토리" panose="02000300000000000000" pitchFamily="2" charset="-127"/>
+                        </a:rPr>
+                        <a:t>HIGH</a:t>
+                      </a:r>
+                      <a:endParaRPr lang="ko-KR" altLang="en-US" sz="2400" dirty="0">
+                        <a:latin typeface="메이플스토리" panose="02000300000000000000" pitchFamily="2" charset="-127"/>
+                        <a:ea typeface="메이플스토리" panose="02000300000000000000" pitchFamily="2" charset="-127"/>
+                      </a:endParaRPr>
+                    </a:p>
+                  </a:txBody>
+                  <a:tcPr/>
+                </a:tc>
+                <a:tc>
+                  <a:txBody>
+                    <a:bodyPr/>
+                    <a:lstStyle/>
+                    <a:p>
+                      <a:pPr latinLnBrk="1"/>
+                      <a:r>
+                        <a:rPr lang="en-US" altLang="ko-KR" sz="2400" dirty="0">
+                          <a:latin typeface="메이플스토리" panose="02000300000000000000" pitchFamily="2" charset="-127"/>
+                          <a:ea typeface="메이플스토리" panose="02000300000000000000" pitchFamily="2" charset="-127"/>
+                        </a:rPr>
+                        <a:t>0.704</a:t>
+                      </a:r>
+                      <a:r>
+                        <a:rPr lang="ko-KR" altLang="en-US" sz="2400" dirty="0">
+                          <a:latin typeface="메이플스토리" panose="02000300000000000000" pitchFamily="2" charset="-127"/>
+                          <a:ea typeface="메이플스토리" panose="02000300000000000000" pitchFamily="2" charset="-127"/>
+                        </a:rPr>
+                        <a:t>점</a:t>
+                      </a:r>
+                    </a:p>
+                  </a:txBody>
+                  <a:tcPr/>
+                </a:tc>
+                <a:tc>
+                  <a:txBody>
+                    <a:bodyPr/>
+                    <a:lstStyle/>
+                    <a:p>
+                      <a:pPr latinLnBrk="1"/>
+                      <a:r>
+                        <a:rPr lang="en-US" altLang="ko-KR" sz="2400" dirty="0">
+                          <a:latin typeface="메이플스토리" panose="02000300000000000000" pitchFamily="2" charset="-127"/>
+                          <a:ea typeface="메이플스토리" panose="02000300000000000000" pitchFamily="2" charset="-127"/>
+                        </a:rPr>
+                        <a:t>3.77</a:t>
+                      </a:r>
+                      <a:r>
+                        <a:rPr lang="ko-KR" altLang="en-US" sz="2400" dirty="0">
+                          <a:latin typeface="메이플스토리" panose="02000300000000000000" pitchFamily="2" charset="-127"/>
+                          <a:ea typeface="메이플스토리" panose="02000300000000000000" pitchFamily="2" charset="-127"/>
+                        </a:rPr>
+                        <a:t>개</a:t>
+                      </a:r>
+                    </a:p>
+                  </a:txBody>
+                  <a:tcPr/>
+                </a:tc>
+                <a:tc>
+                  <a:txBody>
+                    <a:bodyPr/>
+                    <a:lstStyle/>
+                    <a:p>
+                      <a:pPr latinLnBrk="1"/>
+                      <a:r>
+                        <a:rPr lang="en-US" altLang="ko-KR" sz="2400" dirty="0">
+                          <a:latin typeface="메이플스토리" panose="02000300000000000000" pitchFamily="2" charset="-127"/>
+                          <a:ea typeface="메이플스토리" panose="02000300000000000000" pitchFamily="2" charset="-127"/>
+                        </a:rPr>
+                        <a:t>201</a:t>
+                      </a:r>
+                      <a:r>
+                        <a:rPr lang="ko-KR" altLang="en-US" sz="2400" dirty="0">
+                          <a:latin typeface="메이플스토리" panose="02000300000000000000" pitchFamily="2" charset="-127"/>
+                          <a:ea typeface="메이플스토리" panose="02000300000000000000" pitchFamily="2" charset="-127"/>
+                        </a:rPr>
+                        <a:t>시간</a:t>
+                      </a:r>
+                    </a:p>
+                  </a:txBody>
+                  <a:tcPr/>
+                </a:tc>
+                <a:extLst>
+                  <a:ext uri="{0D108BD9-81ED-4DB2-BD59-A6C34878D82A}">
+                    <a16:rowId xmlns:a16="http://schemas.microsoft.com/office/drawing/2014/main" val="4073439729"/>
+                  </a:ext>
+                </a:extLst>
+              </a:tr>
+            </a:tbl>
+          </a:graphicData>
+        </a:graphic>
+      </p:graphicFrame>
+      <p:cxnSp>
+        <p:nvCxnSpPr>
+          <p:cNvPr id="4" name="직선 연결선 3"/>
+          <p:cNvCxnSpPr/>
+          <p:nvPr/>
+        </p:nvCxnSpPr>
+        <p:spPr>
+          <a:xfrm>
+            <a:off x="1026522" y="989148"/>
+            <a:ext cx="2160000" cy="0"/>
+          </a:xfrm>
+          <a:prstGeom prst="line">
+            <a:avLst/>
+          </a:prstGeom>
+          <a:ln>
+            <a:solidFill>
+              <a:schemeClr val="bg1">
+                <a:lumMod val="50000"/>
+              </a:schemeClr>
+            </a:solidFill>
+          </a:ln>
+        </p:spPr>
+        <p:style>
+          <a:lnRef idx="1">
+            <a:schemeClr val="accent1"/>
+          </a:lnRef>
+          <a:fillRef idx="0">
+            <a:schemeClr val="accent1"/>
+          </a:fillRef>
+          <a:effectRef idx="0">
+            <a:schemeClr val="accent1"/>
+          </a:effectRef>
+          <a:fontRef idx="minor">
+            <a:schemeClr val="tx1"/>
+          </a:fontRef>
+        </p:style>
+      </p:cxnSp>
+      <p:sp>
+        <p:nvSpPr>
+          <p:cNvPr id="5" name="TextBox 4"/>
+          <p:cNvSpPr txBox="1"/>
+          <p:nvPr/>
+        </p:nvSpPr>
+        <p:spPr>
+          <a:xfrm>
+            <a:off x="973593" y="437393"/>
+            <a:ext cx="8985072" cy="584775"/>
+          </a:xfrm>
+          <a:prstGeom prst="rect">
+            <a:avLst/>
+          </a:prstGeom>
+          <a:noFill/>
+        </p:spPr>
+        <p:txBody>
+          <a:bodyPr wrap="square" rtlCol="0">
+            <a:spAutoFit/>
+          </a:bodyPr>
+          <a:lstStyle/>
+          <a:p>
+            <a:r>
+              <a:rPr lang="en-US" altLang="ko-KR" sz="3200" spc="-150" dirty="0">
+                <a:solidFill>
+                  <a:srgbClr val="00002F"/>
+                </a:solidFill>
+                <a:latin typeface="메이플스토리" panose="02000300000000000000" pitchFamily="2" charset="-127"/>
+                <a:ea typeface="메이플스토리" panose="02000300000000000000" pitchFamily="2" charset="-127"/>
+              </a:rPr>
+              <a:t>CONTENTS – </a:t>
+            </a:r>
+            <a:r>
+              <a:rPr lang="ko-KR" altLang="en-US" sz="3200" spc="-150" dirty="0">
+                <a:solidFill>
+                  <a:srgbClr val="00002F"/>
+                </a:solidFill>
+                <a:latin typeface="메이플스토리" panose="02000300000000000000" pitchFamily="2" charset="-127"/>
+                <a:ea typeface="메이플스토리" panose="02000300000000000000" pitchFamily="2" charset="-127"/>
+              </a:rPr>
+              <a:t>악으로 깡으로 버텨라</a:t>
+            </a:r>
+            <a:r>
+              <a:rPr lang="en-US" altLang="ko-KR" sz="3200" spc="-150" dirty="0">
+                <a:solidFill>
+                  <a:srgbClr val="00002F"/>
+                </a:solidFill>
+                <a:latin typeface="메이플스토리" panose="02000300000000000000" pitchFamily="2" charset="-127"/>
+                <a:ea typeface="메이플스토리" panose="02000300000000000000" pitchFamily="2" charset="-127"/>
+              </a:rPr>
+              <a:t>!</a:t>
+            </a:r>
+            <a:endParaRPr lang="ko-KR" altLang="en-US" sz="3200" spc="-150" dirty="0">
+              <a:solidFill>
+                <a:srgbClr val="00002F"/>
+              </a:solidFill>
+              <a:latin typeface="메이플스토리" panose="02000300000000000000" pitchFamily="2" charset="-127"/>
+              <a:ea typeface="메이플스토리" panose="02000300000000000000" pitchFamily="2" charset="-127"/>
+            </a:endParaRPr>
+          </a:p>
+        </p:txBody>
+      </p:sp>
+      <p:sp>
+        <p:nvSpPr>
+          <p:cNvPr id="12" name="TextBox 11"/>
+          <p:cNvSpPr txBox="1"/>
+          <p:nvPr/>
+        </p:nvSpPr>
+        <p:spPr>
+          <a:xfrm>
+            <a:off x="464348" y="498947"/>
+            <a:ext cx="596638" cy="461665"/>
+          </a:xfrm>
+          <a:prstGeom prst="rect">
+            <a:avLst/>
+          </a:prstGeom>
+          <a:noFill/>
+        </p:spPr>
+        <p:txBody>
+          <a:bodyPr wrap="none" rtlCol="0">
+            <a:spAutoFit/>
+          </a:bodyPr>
+          <a:lstStyle/>
+          <a:p>
+            <a:pPr algn="ctr"/>
+            <a:r>
+              <a:rPr lang="en-US" altLang="ko-KR" sz="2400" spc="-150" dirty="0">
+                <a:solidFill>
+                  <a:srgbClr val="00002F"/>
+                </a:solidFill>
+                <a:latin typeface="메이플스토리" panose="02000300000000000000" pitchFamily="2" charset="-127"/>
+                <a:ea typeface="메이플스토리" panose="02000300000000000000" pitchFamily="2" charset="-127"/>
+              </a:rPr>
+              <a:t>06.</a:t>
+            </a:r>
+            <a:endParaRPr lang="ko-KR" altLang="en-US" sz="2400" spc="-150" dirty="0">
+              <a:solidFill>
+                <a:srgbClr val="00002F"/>
+              </a:solidFill>
+              <a:latin typeface="메이플스토리" panose="02000300000000000000" pitchFamily="2" charset="-127"/>
+              <a:ea typeface="메이플스토리" panose="02000300000000000000" pitchFamily="2" charset="-127"/>
+            </a:endParaRPr>
+          </a:p>
+        </p:txBody>
+      </p:sp>
+      <p:cxnSp>
+        <p:nvCxnSpPr>
+          <p:cNvPr id="7" name="직선 연결선 6"/>
+          <p:cNvCxnSpPr/>
+          <p:nvPr/>
+        </p:nvCxnSpPr>
+        <p:spPr>
+          <a:xfrm>
+            <a:off x="10430892" y="144941"/>
+            <a:ext cx="360000" cy="0"/>
+          </a:xfrm>
+          <a:prstGeom prst="line">
+            <a:avLst/>
+          </a:prstGeom>
+          <a:ln w="44450" cap="rnd">
+            <a:solidFill>
+              <a:srgbClr val="8DBABD"/>
+            </a:solidFill>
+          </a:ln>
+          <a:effectLst>
+            <a:outerShdw blurRad="50800" dist="38100" dir="5400000" algn="t" rotWithShape="0">
+              <a:prstClr val="black">
+                <a:alpha val="40000"/>
+              </a:prstClr>
+            </a:outerShdw>
+          </a:effectLst>
+        </p:spPr>
+        <p:style>
+          <a:lnRef idx="1">
+            <a:schemeClr val="accent1"/>
+          </a:lnRef>
+          <a:fillRef idx="0">
+            <a:schemeClr val="accent1"/>
+          </a:fillRef>
+          <a:effectRef idx="0">
+            <a:schemeClr val="accent1"/>
+          </a:effectRef>
+          <a:fontRef idx="minor">
+            <a:schemeClr val="tx1"/>
+          </a:fontRef>
+        </p:style>
+      </p:cxnSp>
+      <p:cxnSp>
+        <p:nvCxnSpPr>
+          <p:cNvPr id="8" name="직선 연결선 7"/>
+          <p:cNvCxnSpPr/>
+          <p:nvPr/>
+        </p:nvCxnSpPr>
+        <p:spPr>
+          <a:xfrm>
+            <a:off x="10858459" y="144941"/>
+            <a:ext cx="360000" cy="0"/>
+          </a:xfrm>
+          <a:prstGeom prst="line">
+            <a:avLst/>
+          </a:prstGeom>
+          <a:ln w="44450" cap="rnd">
+            <a:solidFill>
+              <a:schemeClr val="bg2">
+                <a:lumMod val="90000"/>
+              </a:schemeClr>
+            </a:solidFill>
+          </a:ln>
+          <a:effectLst>
+            <a:outerShdw blurRad="50800" dist="38100" dir="5400000" algn="t" rotWithShape="0">
+              <a:prstClr val="black">
+                <a:alpha val="40000"/>
+              </a:prstClr>
+            </a:outerShdw>
+          </a:effectLst>
+        </p:spPr>
+        <p:style>
+          <a:lnRef idx="1">
+            <a:schemeClr val="accent1"/>
+          </a:lnRef>
+          <a:fillRef idx="0">
+            <a:schemeClr val="accent1"/>
+          </a:fillRef>
+          <a:effectRef idx="0">
+            <a:schemeClr val="accent1"/>
+          </a:effectRef>
+          <a:fontRef idx="minor">
+            <a:schemeClr val="tx1"/>
+          </a:fontRef>
+        </p:style>
+      </p:cxnSp>
+      <p:cxnSp>
+        <p:nvCxnSpPr>
+          <p:cNvPr id="9" name="직선 연결선 8"/>
+          <p:cNvCxnSpPr/>
+          <p:nvPr/>
+        </p:nvCxnSpPr>
+        <p:spPr>
+          <a:xfrm>
+            <a:off x="11286026" y="144941"/>
+            <a:ext cx="360000" cy="0"/>
+          </a:xfrm>
+          <a:prstGeom prst="line">
+            <a:avLst/>
+          </a:prstGeom>
+          <a:ln w="44450" cap="rnd">
+            <a:solidFill>
+              <a:schemeClr val="bg2">
+                <a:lumMod val="90000"/>
+              </a:schemeClr>
+            </a:solidFill>
+          </a:ln>
+          <a:effectLst>
+            <a:outerShdw blurRad="50800" dist="38100" dir="5400000" algn="t" rotWithShape="0">
+              <a:prstClr val="black">
+                <a:alpha val="40000"/>
+              </a:prstClr>
+            </a:outerShdw>
+          </a:effectLst>
+        </p:spPr>
+        <p:style>
+          <a:lnRef idx="1">
+            <a:schemeClr val="accent1"/>
+          </a:lnRef>
+          <a:fillRef idx="0">
+            <a:schemeClr val="accent1"/>
+          </a:fillRef>
+          <a:effectRef idx="0">
+            <a:schemeClr val="accent1"/>
+          </a:effectRef>
+          <a:fontRef idx="minor">
+            <a:schemeClr val="tx1"/>
+          </a:fontRef>
+        </p:style>
+      </p:cxnSp>
+      <p:cxnSp>
+        <p:nvCxnSpPr>
+          <p:cNvPr id="10" name="직선 연결선 9"/>
+          <p:cNvCxnSpPr/>
+          <p:nvPr/>
+        </p:nvCxnSpPr>
+        <p:spPr>
+          <a:xfrm>
+            <a:off x="11713592" y="144941"/>
+            <a:ext cx="360000" cy="0"/>
+          </a:xfrm>
+          <a:prstGeom prst="line">
+            <a:avLst/>
+          </a:prstGeom>
+          <a:ln w="44450" cap="rnd">
+            <a:solidFill>
+              <a:schemeClr val="bg2">
+                <a:lumMod val="90000"/>
+              </a:schemeClr>
+            </a:solidFill>
+          </a:ln>
+          <a:effectLst>
+            <a:outerShdw blurRad="50800" dist="38100" dir="5400000" algn="t" rotWithShape="0">
+              <a:prstClr val="black">
+                <a:alpha val="40000"/>
+              </a:prstClr>
+            </a:outerShdw>
+          </a:effectLst>
+        </p:spPr>
+        <p:style>
+          <a:lnRef idx="1">
+            <a:schemeClr val="accent1"/>
+          </a:lnRef>
+          <a:fillRef idx="0">
+            <a:schemeClr val="accent1"/>
+          </a:fillRef>
+          <a:effectRef idx="0">
+            <a:schemeClr val="accent1"/>
+          </a:effectRef>
+          <a:fontRef idx="minor">
+            <a:schemeClr val="tx1"/>
+          </a:fontRef>
+        </p:style>
+      </p:cxnSp>
+      <p:sp>
+        <p:nvSpPr>
+          <p:cNvPr id="13" name="TextBox 12"/>
+          <p:cNvSpPr txBox="1"/>
+          <p:nvPr/>
+        </p:nvSpPr>
+        <p:spPr>
+          <a:xfrm>
+            <a:off x="776392" y="1006929"/>
+            <a:ext cx="8820614" cy="400110"/>
+          </a:xfrm>
+          <a:prstGeom prst="rect">
+            <a:avLst/>
+          </a:prstGeom>
+          <a:noFill/>
+        </p:spPr>
+        <p:txBody>
+          <a:bodyPr wrap="square" rtlCol="0">
+            <a:spAutoFit/>
+          </a:bodyPr>
+          <a:lstStyle/>
+          <a:p>
+            <a:r>
+              <a:rPr lang="ko-KR" altLang="en-US" sz="2000" spc="-150" dirty="0">
+                <a:solidFill>
+                  <a:srgbClr val="00002F"/>
+                </a:solidFill>
+                <a:highlight>
+                  <a:srgbClr val="C0C0C0"/>
+                </a:highlight>
+                <a:latin typeface="메이플스토리" panose="02000300000000000000" pitchFamily="2" charset="-127"/>
+                <a:ea typeface="메이플스토리" panose="02000300000000000000" pitchFamily="2" charset="-127"/>
+              </a:rPr>
+              <a:t>테이블 </a:t>
+            </a:r>
+            <a:r>
+              <a:rPr lang="en-US" altLang="ko-KR" sz="2000" spc="-150" dirty="0">
+                <a:solidFill>
+                  <a:srgbClr val="00002F"/>
+                </a:solidFill>
+                <a:highlight>
+                  <a:srgbClr val="C0C0C0"/>
+                </a:highlight>
+                <a:latin typeface="메이플스토리" panose="02000300000000000000" pitchFamily="2" charset="-127"/>
+                <a:ea typeface="메이플스토리" panose="02000300000000000000" pitchFamily="2" charset="-127"/>
+              </a:rPr>
+              <a:t>- </a:t>
+            </a:r>
+            <a:r>
+              <a:rPr lang="ko-KR" altLang="en-US" sz="2000" spc="-150" dirty="0">
+                <a:solidFill>
+                  <a:srgbClr val="00002F"/>
+                </a:solidFill>
+                <a:highlight>
+                  <a:srgbClr val="C0C0C0"/>
+                </a:highlight>
+                <a:latin typeface="메이플스토리" panose="02000300000000000000" pitchFamily="2" charset="-127"/>
+                <a:ea typeface="메이플스토리" panose="02000300000000000000" pitchFamily="2" charset="-127"/>
+              </a:rPr>
+              <a:t>급여 수준은  개인의 퍼포먼스</a:t>
+            </a:r>
+            <a:r>
+              <a:rPr lang="en-US" altLang="ko-KR" sz="2000" spc="-150" dirty="0">
+                <a:solidFill>
+                  <a:srgbClr val="00002F"/>
+                </a:solidFill>
+                <a:highlight>
+                  <a:srgbClr val="C0C0C0"/>
+                </a:highlight>
+                <a:latin typeface="메이플스토리" panose="02000300000000000000" pitchFamily="2" charset="-127"/>
+                <a:ea typeface="메이플스토리" panose="02000300000000000000" pitchFamily="2" charset="-127"/>
+              </a:rPr>
+              <a:t>(</a:t>
+            </a:r>
+            <a:r>
+              <a:rPr lang="ko-KR" altLang="en-US" sz="2000" spc="-150" dirty="0">
+                <a:solidFill>
+                  <a:srgbClr val="00002F"/>
+                </a:solidFill>
+                <a:highlight>
+                  <a:srgbClr val="C0C0C0"/>
+                </a:highlight>
+                <a:latin typeface="메이플스토리" panose="02000300000000000000" pitchFamily="2" charset="-127"/>
+                <a:ea typeface="메이플스토리" panose="02000300000000000000" pitchFamily="2" charset="-127"/>
+              </a:rPr>
+              <a:t>인사고과 점수</a:t>
+            </a:r>
+            <a:r>
+              <a:rPr lang="en-US" altLang="ko-KR" sz="2000" spc="-150" dirty="0">
+                <a:solidFill>
+                  <a:srgbClr val="00002F"/>
+                </a:solidFill>
+                <a:highlight>
+                  <a:srgbClr val="C0C0C0"/>
+                </a:highlight>
+                <a:latin typeface="메이플스토리" panose="02000300000000000000" pitchFamily="2" charset="-127"/>
+                <a:ea typeface="메이플스토리" panose="02000300000000000000" pitchFamily="2" charset="-127"/>
+              </a:rPr>
+              <a:t>/</a:t>
+            </a:r>
+            <a:r>
+              <a:rPr lang="ko-KR" altLang="en-US" sz="2000" spc="-150" dirty="0">
+                <a:solidFill>
+                  <a:srgbClr val="00002F"/>
+                </a:solidFill>
+                <a:highlight>
+                  <a:srgbClr val="C0C0C0"/>
+                </a:highlight>
+                <a:latin typeface="메이플스토리" panose="02000300000000000000" pitchFamily="2" charset="-127"/>
+                <a:ea typeface="메이플스토리" panose="02000300000000000000" pitchFamily="2" charset="-127"/>
+              </a:rPr>
+              <a:t>프로젝트 수</a:t>
+            </a:r>
+            <a:r>
+              <a:rPr lang="en-US" altLang="ko-KR" sz="2000" spc="-150" dirty="0">
+                <a:solidFill>
+                  <a:srgbClr val="00002F"/>
+                </a:solidFill>
+                <a:highlight>
+                  <a:srgbClr val="C0C0C0"/>
+                </a:highlight>
+                <a:latin typeface="메이플스토리" panose="02000300000000000000" pitchFamily="2" charset="-127"/>
+                <a:ea typeface="메이플스토리" panose="02000300000000000000" pitchFamily="2" charset="-127"/>
+              </a:rPr>
+              <a:t>/</a:t>
+            </a:r>
+            <a:r>
+              <a:rPr lang="ko-KR" altLang="en-US" sz="2000" spc="-150" dirty="0">
+                <a:solidFill>
+                  <a:srgbClr val="00002F"/>
+                </a:solidFill>
+                <a:highlight>
+                  <a:srgbClr val="C0C0C0"/>
+                </a:highlight>
+                <a:latin typeface="메이플스토리" panose="02000300000000000000" pitchFamily="2" charset="-127"/>
+                <a:ea typeface="메이플스토리" panose="02000300000000000000" pitchFamily="2" charset="-127"/>
+              </a:rPr>
+              <a:t>근무 시간</a:t>
+            </a:r>
+            <a:r>
+              <a:rPr lang="en-US" altLang="ko-KR" sz="2000" spc="-150" dirty="0">
+                <a:solidFill>
+                  <a:srgbClr val="00002F"/>
+                </a:solidFill>
+                <a:highlight>
+                  <a:srgbClr val="C0C0C0"/>
+                </a:highlight>
+                <a:latin typeface="메이플스토리" panose="02000300000000000000" pitchFamily="2" charset="-127"/>
+                <a:ea typeface="메이플스토리" panose="02000300000000000000" pitchFamily="2" charset="-127"/>
+              </a:rPr>
+              <a:t>)</a:t>
+            </a:r>
+            <a:r>
+              <a:rPr lang="ko-KR" altLang="en-US" sz="2000" spc="-150" dirty="0">
+                <a:solidFill>
+                  <a:srgbClr val="00002F"/>
+                </a:solidFill>
+                <a:highlight>
+                  <a:srgbClr val="C0C0C0"/>
+                </a:highlight>
+                <a:latin typeface="메이플스토리" panose="02000300000000000000" pitchFamily="2" charset="-127"/>
+                <a:ea typeface="메이플스토리" panose="02000300000000000000" pitchFamily="2" charset="-127"/>
+              </a:rPr>
+              <a:t>와 큰 관계가 없다</a:t>
+            </a:r>
+            <a:r>
+              <a:rPr lang="en-US" altLang="ko-KR" sz="2000" spc="-150" dirty="0">
+                <a:solidFill>
+                  <a:srgbClr val="00002F"/>
+                </a:solidFill>
+                <a:highlight>
+                  <a:srgbClr val="C0C0C0"/>
+                </a:highlight>
+                <a:latin typeface="메이플스토리" panose="02000300000000000000" pitchFamily="2" charset="-127"/>
+                <a:ea typeface="메이플스토리" panose="02000300000000000000" pitchFamily="2" charset="-127"/>
+              </a:rPr>
+              <a:t>.</a:t>
+            </a:r>
+            <a:endParaRPr lang="ko-KR" altLang="en-US" sz="2000" spc="-150" dirty="0">
+              <a:solidFill>
+                <a:srgbClr val="00002F"/>
+              </a:solidFill>
+              <a:highlight>
+                <a:srgbClr val="C0C0C0"/>
+              </a:highlight>
+              <a:latin typeface="메이플스토리" panose="02000300000000000000" pitchFamily="2" charset="-127"/>
+              <a:ea typeface="메이플스토리" panose="02000300000000000000" pitchFamily="2" charset="-127"/>
+            </a:endParaRPr>
+          </a:p>
+        </p:txBody>
+      </p:sp>
+    </p:spTree>
+    <p:extLst>
+      <p:ext uri="{BB962C8B-B14F-4D97-AF65-F5344CB8AC3E}">
+        <p14:creationId xmlns:p14="http://schemas.microsoft.com/office/powerpoint/2010/main" val="1203569589"/>
+      </p:ext>
+    </p:extLst>
+  </p:cSld>
+  <p:clrMapOvr>
+    <a:masterClrMapping/>
+  </p:clrMapOvr>
+</p:sld>
+</file>
+
+<file path=ppt/slides/slide22.xml><?xml version="1.0" encoding="utf-8"?>
+<p:sld xmlns:a="http://schemas.openxmlformats.org/drawingml/2006/main" xmlns:r="http://schemas.openxmlformats.org/officeDocument/2006/relationships" xmlns:p="http://schemas.openxmlformats.org/presentationml/2006/main">
+  <p:cSld>
+    <p:spTree>
+      <p:nvGrpSpPr>
+        <p:cNvPr id="1" name=""/>
+        <p:cNvGrpSpPr/>
+        <p:nvPr/>
+      </p:nvGrpSpPr>
+      <p:grpSpPr>
+        <a:xfrm>
+          <a:off x="0" y="0"/>
+          <a:ext cx="0" cy="0"/>
+          <a:chOff x="0" y="0"/>
+          <a:chExt cx="0" cy="0"/>
+        </a:xfrm>
+      </p:grpSpPr>
+      <p:cxnSp>
+        <p:nvCxnSpPr>
+          <p:cNvPr id="4" name="직선 연결선 3"/>
+          <p:cNvCxnSpPr/>
+          <p:nvPr/>
+        </p:nvCxnSpPr>
+        <p:spPr>
+          <a:xfrm>
+            <a:off x="1026522" y="989148"/>
+            <a:ext cx="2160000" cy="0"/>
+          </a:xfrm>
+          <a:prstGeom prst="line">
+            <a:avLst/>
+          </a:prstGeom>
+          <a:ln>
+            <a:solidFill>
+              <a:schemeClr val="bg1">
+                <a:lumMod val="50000"/>
+              </a:schemeClr>
+            </a:solidFill>
+          </a:ln>
+        </p:spPr>
+        <p:style>
+          <a:lnRef idx="1">
+            <a:schemeClr val="accent1"/>
+          </a:lnRef>
+          <a:fillRef idx="0">
+            <a:schemeClr val="accent1"/>
+          </a:fillRef>
+          <a:effectRef idx="0">
+            <a:schemeClr val="accent1"/>
+          </a:effectRef>
+          <a:fontRef idx="minor">
+            <a:schemeClr val="tx1"/>
+          </a:fontRef>
+        </p:style>
+      </p:cxnSp>
+      <p:sp>
+        <p:nvSpPr>
+          <p:cNvPr id="5" name="TextBox 4"/>
+          <p:cNvSpPr txBox="1"/>
+          <p:nvPr/>
+        </p:nvSpPr>
+        <p:spPr>
+          <a:xfrm>
+            <a:off x="973593" y="437393"/>
+            <a:ext cx="8985072" cy="584775"/>
+          </a:xfrm>
+          <a:prstGeom prst="rect">
+            <a:avLst/>
+          </a:prstGeom>
+          <a:noFill/>
+        </p:spPr>
+        <p:txBody>
+          <a:bodyPr wrap="square" rtlCol="0">
+            <a:spAutoFit/>
+          </a:bodyPr>
+          <a:lstStyle/>
+          <a:p>
+            <a:r>
+              <a:rPr lang="en-US" altLang="ko-KR" sz="3200" spc="-150" dirty="0">
+                <a:solidFill>
+                  <a:srgbClr val="00002F"/>
+                </a:solidFill>
+                <a:latin typeface="메이플스토리" panose="02000300000000000000" pitchFamily="2" charset="-127"/>
+                <a:ea typeface="메이플스토리" panose="02000300000000000000" pitchFamily="2" charset="-127"/>
+              </a:rPr>
+              <a:t>CONTENTS – </a:t>
+            </a:r>
+            <a:r>
+              <a:rPr lang="ko-KR" altLang="en-US" sz="3200" spc="-150" dirty="0">
+                <a:solidFill>
+                  <a:srgbClr val="00002F"/>
+                </a:solidFill>
+                <a:latin typeface="메이플스토리" panose="02000300000000000000" pitchFamily="2" charset="-127"/>
+                <a:ea typeface="메이플스토리" panose="02000300000000000000" pitchFamily="2" charset="-127"/>
+              </a:rPr>
+              <a:t>악으로 깡으로 버텨라</a:t>
+            </a:r>
+            <a:r>
+              <a:rPr lang="en-US" altLang="ko-KR" sz="3200" spc="-150" dirty="0">
+                <a:solidFill>
+                  <a:srgbClr val="00002F"/>
+                </a:solidFill>
+                <a:latin typeface="메이플스토리" panose="02000300000000000000" pitchFamily="2" charset="-127"/>
+                <a:ea typeface="메이플스토리" panose="02000300000000000000" pitchFamily="2" charset="-127"/>
+              </a:rPr>
+              <a:t>!</a:t>
+            </a:r>
+            <a:endParaRPr lang="ko-KR" altLang="en-US" sz="3200" spc="-150" dirty="0">
+              <a:solidFill>
+                <a:srgbClr val="00002F"/>
+              </a:solidFill>
+              <a:latin typeface="메이플스토리" panose="02000300000000000000" pitchFamily="2" charset="-127"/>
+              <a:ea typeface="메이플스토리" panose="02000300000000000000" pitchFamily="2" charset="-127"/>
+            </a:endParaRPr>
+          </a:p>
+        </p:txBody>
+      </p:sp>
+      <p:sp>
+        <p:nvSpPr>
+          <p:cNvPr id="12" name="TextBox 11"/>
+          <p:cNvSpPr txBox="1"/>
+          <p:nvPr/>
+        </p:nvSpPr>
+        <p:spPr>
+          <a:xfrm>
+            <a:off x="464348" y="498947"/>
+            <a:ext cx="596638" cy="461665"/>
+          </a:xfrm>
+          <a:prstGeom prst="rect">
+            <a:avLst/>
+          </a:prstGeom>
+          <a:noFill/>
+        </p:spPr>
+        <p:txBody>
+          <a:bodyPr wrap="none" rtlCol="0">
+            <a:spAutoFit/>
+          </a:bodyPr>
+          <a:lstStyle/>
+          <a:p>
+            <a:pPr algn="ctr"/>
+            <a:r>
+              <a:rPr lang="en-US" altLang="ko-KR" sz="2400" spc="-150" dirty="0">
+                <a:solidFill>
+                  <a:srgbClr val="00002F"/>
+                </a:solidFill>
+                <a:latin typeface="메이플스토리" panose="02000300000000000000" pitchFamily="2" charset="-127"/>
+                <a:ea typeface="메이플스토리" panose="02000300000000000000" pitchFamily="2" charset="-127"/>
+              </a:rPr>
+              <a:t>06.</a:t>
+            </a:r>
+            <a:endParaRPr lang="ko-KR" altLang="en-US" sz="2400" spc="-150" dirty="0">
+              <a:solidFill>
+                <a:srgbClr val="00002F"/>
+              </a:solidFill>
+              <a:latin typeface="메이플스토리" panose="02000300000000000000" pitchFamily="2" charset="-127"/>
+              <a:ea typeface="메이플스토리" panose="02000300000000000000" pitchFamily="2" charset="-127"/>
+            </a:endParaRPr>
+          </a:p>
+        </p:txBody>
+      </p:sp>
+      <p:cxnSp>
+        <p:nvCxnSpPr>
+          <p:cNvPr id="7" name="직선 연결선 6"/>
+          <p:cNvCxnSpPr/>
+          <p:nvPr/>
+        </p:nvCxnSpPr>
+        <p:spPr>
+          <a:xfrm>
+            <a:off x="10430892" y="144941"/>
+            <a:ext cx="360000" cy="0"/>
+          </a:xfrm>
+          <a:prstGeom prst="line">
+            <a:avLst/>
+          </a:prstGeom>
+          <a:ln w="44450" cap="rnd">
+            <a:solidFill>
+              <a:srgbClr val="8DBABD"/>
+            </a:solidFill>
+          </a:ln>
+          <a:effectLst>
+            <a:outerShdw blurRad="50800" dist="38100" dir="5400000" algn="t" rotWithShape="0">
+              <a:prstClr val="black">
+                <a:alpha val="40000"/>
+              </a:prstClr>
+            </a:outerShdw>
+          </a:effectLst>
+        </p:spPr>
+        <p:style>
+          <a:lnRef idx="1">
+            <a:schemeClr val="accent1"/>
+          </a:lnRef>
+          <a:fillRef idx="0">
+            <a:schemeClr val="accent1"/>
+          </a:fillRef>
+          <a:effectRef idx="0">
+            <a:schemeClr val="accent1"/>
+          </a:effectRef>
+          <a:fontRef idx="minor">
+            <a:schemeClr val="tx1"/>
+          </a:fontRef>
+        </p:style>
+      </p:cxnSp>
+      <p:cxnSp>
+        <p:nvCxnSpPr>
+          <p:cNvPr id="8" name="직선 연결선 7"/>
+          <p:cNvCxnSpPr/>
+          <p:nvPr/>
+        </p:nvCxnSpPr>
+        <p:spPr>
+          <a:xfrm>
+            <a:off x="10858459" y="144941"/>
+            <a:ext cx="360000" cy="0"/>
+          </a:xfrm>
+          <a:prstGeom prst="line">
+            <a:avLst/>
+          </a:prstGeom>
+          <a:ln w="44450" cap="rnd">
+            <a:solidFill>
+              <a:schemeClr val="bg2">
+                <a:lumMod val="90000"/>
+              </a:schemeClr>
+            </a:solidFill>
+          </a:ln>
+          <a:effectLst>
+            <a:outerShdw blurRad="50800" dist="38100" dir="5400000" algn="t" rotWithShape="0">
+              <a:prstClr val="black">
+                <a:alpha val="40000"/>
+              </a:prstClr>
+            </a:outerShdw>
+          </a:effectLst>
+        </p:spPr>
+        <p:style>
+          <a:lnRef idx="1">
+            <a:schemeClr val="accent1"/>
+          </a:lnRef>
+          <a:fillRef idx="0">
+            <a:schemeClr val="accent1"/>
+          </a:fillRef>
+          <a:effectRef idx="0">
+            <a:schemeClr val="accent1"/>
+          </a:effectRef>
+          <a:fontRef idx="minor">
+            <a:schemeClr val="tx1"/>
+          </a:fontRef>
+        </p:style>
+      </p:cxnSp>
+      <p:cxnSp>
+        <p:nvCxnSpPr>
+          <p:cNvPr id="9" name="직선 연결선 8"/>
+          <p:cNvCxnSpPr/>
+          <p:nvPr/>
+        </p:nvCxnSpPr>
+        <p:spPr>
+          <a:xfrm>
+            <a:off x="11286026" y="144941"/>
+            <a:ext cx="360000" cy="0"/>
+          </a:xfrm>
+          <a:prstGeom prst="line">
+            <a:avLst/>
+          </a:prstGeom>
+          <a:ln w="44450" cap="rnd">
+            <a:solidFill>
+              <a:schemeClr val="bg2">
+                <a:lumMod val="90000"/>
+              </a:schemeClr>
+            </a:solidFill>
+          </a:ln>
+          <a:effectLst>
+            <a:outerShdw blurRad="50800" dist="38100" dir="5400000" algn="t" rotWithShape="0">
+              <a:prstClr val="black">
+                <a:alpha val="40000"/>
+              </a:prstClr>
+            </a:outerShdw>
+          </a:effectLst>
+        </p:spPr>
+        <p:style>
+          <a:lnRef idx="1">
+            <a:schemeClr val="accent1"/>
+          </a:lnRef>
+          <a:fillRef idx="0">
+            <a:schemeClr val="accent1"/>
+          </a:fillRef>
+          <a:effectRef idx="0">
+            <a:schemeClr val="accent1"/>
+          </a:effectRef>
+          <a:fontRef idx="minor">
+            <a:schemeClr val="tx1"/>
+          </a:fontRef>
+        </p:style>
+      </p:cxnSp>
+      <p:cxnSp>
+        <p:nvCxnSpPr>
+          <p:cNvPr id="10" name="직선 연결선 9"/>
+          <p:cNvCxnSpPr/>
+          <p:nvPr/>
+        </p:nvCxnSpPr>
+        <p:spPr>
+          <a:xfrm>
+            <a:off x="11713592" y="144941"/>
+            <a:ext cx="360000" cy="0"/>
+          </a:xfrm>
+          <a:prstGeom prst="line">
+            <a:avLst/>
+          </a:prstGeom>
+          <a:ln w="44450" cap="rnd">
+            <a:solidFill>
+              <a:schemeClr val="bg2">
+                <a:lumMod val="90000"/>
+              </a:schemeClr>
+            </a:solidFill>
+          </a:ln>
+          <a:effectLst>
+            <a:outerShdw blurRad="50800" dist="38100" dir="5400000" algn="t" rotWithShape="0">
+              <a:prstClr val="black">
+                <a:alpha val="40000"/>
+              </a:prstClr>
+            </a:outerShdw>
+          </a:effectLst>
+        </p:spPr>
+        <p:style>
+          <a:lnRef idx="1">
+            <a:schemeClr val="accent1"/>
+          </a:lnRef>
+          <a:fillRef idx="0">
+            <a:schemeClr val="accent1"/>
+          </a:fillRef>
+          <a:effectRef idx="0">
+            <a:schemeClr val="accent1"/>
+          </a:effectRef>
+          <a:fontRef idx="minor">
+            <a:schemeClr val="tx1"/>
+          </a:fontRef>
+        </p:style>
+      </p:cxnSp>
+      <p:sp>
+        <p:nvSpPr>
+          <p:cNvPr id="13" name="TextBox 12"/>
+          <p:cNvSpPr txBox="1"/>
+          <p:nvPr/>
+        </p:nvSpPr>
+        <p:spPr>
+          <a:xfrm>
+            <a:off x="776392" y="1006929"/>
+            <a:ext cx="8820614" cy="400110"/>
+          </a:xfrm>
+          <a:prstGeom prst="rect">
+            <a:avLst/>
+          </a:prstGeom>
+          <a:noFill/>
+        </p:spPr>
+        <p:txBody>
+          <a:bodyPr wrap="square" rtlCol="0">
+            <a:spAutoFit/>
+          </a:bodyPr>
+          <a:lstStyle/>
+          <a:p>
+            <a:r>
+              <a:rPr lang="ko-KR" altLang="en-US" sz="2000" spc="-150" dirty="0">
+                <a:solidFill>
+                  <a:srgbClr val="00002F"/>
+                </a:solidFill>
+                <a:highlight>
+                  <a:srgbClr val="C0C0C0"/>
+                </a:highlight>
+                <a:latin typeface="메이플스토리" panose="02000300000000000000" pitchFamily="2" charset="-127"/>
+                <a:ea typeface="메이플스토리" panose="02000300000000000000" pitchFamily="2" charset="-127"/>
+              </a:rPr>
+              <a:t>테이블 시각화 </a:t>
+            </a:r>
+            <a:r>
+              <a:rPr lang="en-US" altLang="ko-KR" sz="2000" spc="-150" dirty="0">
+                <a:solidFill>
+                  <a:srgbClr val="00002F"/>
+                </a:solidFill>
+                <a:highlight>
+                  <a:srgbClr val="C0C0C0"/>
+                </a:highlight>
+                <a:latin typeface="메이플스토리" panose="02000300000000000000" pitchFamily="2" charset="-127"/>
+                <a:ea typeface="메이플스토리" panose="02000300000000000000" pitchFamily="2" charset="-127"/>
+              </a:rPr>
+              <a:t>(X = </a:t>
+            </a:r>
+            <a:r>
+              <a:rPr lang="ko-KR" altLang="en-US" sz="2000" spc="-150" dirty="0">
+                <a:solidFill>
+                  <a:srgbClr val="00002F"/>
+                </a:solidFill>
+                <a:highlight>
+                  <a:srgbClr val="C0C0C0"/>
+                </a:highlight>
+                <a:latin typeface="메이플스토리" panose="02000300000000000000" pitchFamily="2" charset="-127"/>
+                <a:ea typeface="메이플스토리" panose="02000300000000000000" pitchFamily="2" charset="-127"/>
+              </a:rPr>
+              <a:t>급여 수준</a:t>
+            </a:r>
+            <a:r>
+              <a:rPr lang="en-US" altLang="ko-KR" sz="2000" spc="-150" dirty="0">
+                <a:solidFill>
+                  <a:srgbClr val="00002F"/>
+                </a:solidFill>
+                <a:highlight>
+                  <a:srgbClr val="C0C0C0"/>
+                </a:highlight>
+                <a:latin typeface="메이플스토리" panose="02000300000000000000" pitchFamily="2" charset="-127"/>
+                <a:ea typeface="메이플스토리" panose="02000300000000000000" pitchFamily="2" charset="-127"/>
+              </a:rPr>
+              <a:t>)</a:t>
+            </a:r>
+            <a:r>
+              <a:rPr lang="ko-KR" altLang="en-US" sz="2000" spc="-150" dirty="0">
+                <a:solidFill>
+                  <a:srgbClr val="00002F"/>
+                </a:solidFill>
+                <a:highlight>
+                  <a:srgbClr val="C0C0C0"/>
+                </a:highlight>
+                <a:latin typeface="메이플스토리" panose="02000300000000000000" pitchFamily="2" charset="-127"/>
+                <a:ea typeface="메이플스토리" panose="02000300000000000000" pitchFamily="2" charset="-127"/>
+              </a:rPr>
+              <a:t> </a:t>
+            </a:r>
+          </a:p>
+        </p:txBody>
+      </p:sp>
+      <p:pic>
+        <p:nvPicPr>
+          <p:cNvPr id="3" name="그림 2">
+            <a:extLst>
+              <a:ext uri="{FF2B5EF4-FFF2-40B4-BE49-F238E27FC236}">
+                <a16:creationId xmlns:a16="http://schemas.microsoft.com/office/drawing/2014/main" id="{68898D53-2742-4EF5-BC62-B3872582144B}"/>
+              </a:ext>
+            </a:extLst>
+          </p:cNvPr>
+          <p:cNvPicPr>
+            <a:picLocks noChangeAspect="1"/>
+          </p:cNvPicPr>
+          <p:nvPr/>
+        </p:nvPicPr>
+        <p:blipFill>
+          <a:blip r:embed="rId2">
+            <a:extLst>
+              <a:ext uri="{28A0092B-C50C-407E-A947-70E740481C1C}">
+                <a14:useLocalDpi xmlns:a14="http://schemas.microsoft.com/office/drawing/2010/main" val="0"/>
+              </a:ext>
+            </a:extLst>
+          </a:blip>
+          <a:stretch>
+            <a:fillRect/>
+          </a:stretch>
+        </p:blipFill>
+        <p:spPr>
+          <a:xfrm>
+            <a:off x="7997849" y="2341927"/>
+            <a:ext cx="3803699" cy="3382954"/>
+          </a:xfrm>
+          <a:prstGeom prst="rect">
+            <a:avLst/>
+          </a:prstGeom>
+        </p:spPr>
+      </p:pic>
+      <p:pic>
+        <p:nvPicPr>
+          <p:cNvPr id="14" name="그림 13">
+            <a:extLst>
+              <a:ext uri="{FF2B5EF4-FFF2-40B4-BE49-F238E27FC236}">
+                <a16:creationId xmlns:a16="http://schemas.microsoft.com/office/drawing/2014/main" id="{3DF12EA1-00B6-43D6-89A9-F2707E117616}"/>
+              </a:ext>
+            </a:extLst>
+          </p:cNvPr>
+          <p:cNvPicPr>
+            <a:picLocks noChangeAspect="1"/>
+          </p:cNvPicPr>
+          <p:nvPr/>
+        </p:nvPicPr>
+        <p:blipFill>
+          <a:blip r:embed="rId3">
+            <a:extLst>
+              <a:ext uri="{28A0092B-C50C-407E-A947-70E740481C1C}">
+                <a14:useLocalDpi xmlns:a14="http://schemas.microsoft.com/office/drawing/2010/main" val="0"/>
+              </a:ext>
+            </a:extLst>
+          </a:blip>
+          <a:stretch>
+            <a:fillRect/>
+          </a:stretch>
+        </p:blipFill>
+        <p:spPr>
+          <a:xfrm>
+            <a:off x="278557" y="2325149"/>
+            <a:ext cx="3803699" cy="3382954"/>
+          </a:xfrm>
+          <a:prstGeom prst="rect">
+            <a:avLst/>
+          </a:prstGeom>
+        </p:spPr>
+      </p:pic>
+      <p:pic>
+        <p:nvPicPr>
+          <p:cNvPr id="16" name="그림 15">
+            <a:extLst>
+              <a:ext uri="{FF2B5EF4-FFF2-40B4-BE49-F238E27FC236}">
+                <a16:creationId xmlns:a16="http://schemas.microsoft.com/office/drawing/2014/main" id="{2AE8534E-DF63-47ED-9D6A-13D194B0EE03}"/>
+              </a:ext>
+            </a:extLst>
+          </p:cNvPr>
+          <p:cNvPicPr>
+            <a:picLocks noChangeAspect="1"/>
+          </p:cNvPicPr>
+          <p:nvPr/>
+        </p:nvPicPr>
+        <p:blipFill>
+          <a:blip r:embed="rId4">
+            <a:extLst>
+              <a:ext uri="{28A0092B-C50C-407E-A947-70E740481C1C}">
+                <a14:useLocalDpi xmlns:a14="http://schemas.microsoft.com/office/drawing/2010/main" val="0"/>
+              </a:ext>
+            </a:extLst>
+          </a:blip>
+          <a:stretch>
+            <a:fillRect/>
+          </a:stretch>
+        </p:blipFill>
+        <p:spPr>
+          <a:xfrm>
+            <a:off x="4194150" y="2325149"/>
+            <a:ext cx="3803699" cy="3382954"/>
+          </a:xfrm>
+          <a:prstGeom prst="rect">
+            <a:avLst/>
+          </a:prstGeom>
+        </p:spPr>
+      </p:pic>
+      <p:sp>
+        <p:nvSpPr>
+          <p:cNvPr id="17" name="TextBox 16">
+            <a:extLst>
+              <a:ext uri="{FF2B5EF4-FFF2-40B4-BE49-F238E27FC236}">
+                <a16:creationId xmlns:a16="http://schemas.microsoft.com/office/drawing/2014/main" id="{75F65BDB-AE01-4E64-B86A-F0F4B2194722}"/>
+              </a:ext>
+            </a:extLst>
+          </p:cNvPr>
+          <p:cNvSpPr txBox="1"/>
+          <p:nvPr/>
+        </p:nvSpPr>
+        <p:spPr>
+          <a:xfrm>
+            <a:off x="776392" y="1644242"/>
+            <a:ext cx="2906375" cy="545285"/>
+          </a:xfrm>
+          <a:prstGeom prst="rect">
+            <a:avLst/>
+          </a:prstGeom>
+          <a:noFill/>
+        </p:spPr>
+        <p:txBody>
+          <a:bodyPr wrap="square" rtlCol="0">
+            <a:spAutoFit/>
+          </a:bodyPr>
+          <a:lstStyle/>
+          <a:p>
+            <a:endParaRPr lang="ko-KR" altLang="en-US" dirty="0"/>
+          </a:p>
+        </p:txBody>
+      </p:sp>
+      <p:sp>
+        <p:nvSpPr>
+          <p:cNvPr id="18" name="TextBox 17">
+            <a:extLst>
+              <a:ext uri="{FF2B5EF4-FFF2-40B4-BE49-F238E27FC236}">
+                <a16:creationId xmlns:a16="http://schemas.microsoft.com/office/drawing/2014/main" id="{F1143F72-077F-4815-9D91-132D7D100526}"/>
+              </a:ext>
+            </a:extLst>
+          </p:cNvPr>
+          <p:cNvSpPr txBox="1"/>
+          <p:nvPr/>
+        </p:nvSpPr>
+        <p:spPr>
+          <a:xfrm>
+            <a:off x="928792" y="1796642"/>
+            <a:ext cx="2906375" cy="545285"/>
+          </a:xfrm>
+          <a:prstGeom prst="rect">
+            <a:avLst/>
+          </a:prstGeom>
+          <a:noFill/>
+        </p:spPr>
+        <p:txBody>
+          <a:bodyPr wrap="square" rtlCol="0">
+            <a:spAutoFit/>
+          </a:bodyPr>
+          <a:lstStyle/>
+          <a:p>
+            <a:endParaRPr lang="ko-KR" altLang="en-US" dirty="0"/>
+          </a:p>
+        </p:txBody>
+      </p:sp>
+      <p:sp>
+        <p:nvSpPr>
+          <p:cNvPr id="19" name="TextBox 18">
+            <a:extLst>
+              <a:ext uri="{FF2B5EF4-FFF2-40B4-BE49-F238E27FC236}">
+                <a16:creationId xmlns:a16="http://schemas.microsoft.com/office/drawing/2014/main" id="{DEC557CB-321E-4886-BE87-225516D0D2E3}"/>
+              </a:ext>
+            </a:extLst>
+          </p:cNvPr>
+          <p:cNvSpPr txBox="1"/>
+          <p:nvPr/>
+        </p:nvSpPr>
+        <p:spPr>
+          <a:xfrm>
+            <a:off x="727218" y="1798040"/>
+            <a:ext cx="2906375" cy="461665"/>
+          </a:xfrm>
+          <a:prstGeom prst="rect">
+            <a:avLst/>
+          </a:prstGeom>
+          <a:noFill/>
+        </p:spPr>
+        <p:txBody>
+          <a:bodyPr wrap="square" rtlCol="0">
+            <a:spAutoFit/>
+          </a:bodyPr>
+          <a:lstStyle/>
+          <a:p>
+            <a:pPr algn="ctr"/>
+            <a:r>
+              <a:rPr lang="en-US" altLang="ko-KR" sz="2400" dirty="0">
+                <a:latin typeface="메이플스토리" panose="02000300000000000000" pitchFamily="2" charset="-127"/>
+                <a:ea typeface="메이플스토리" panose="02000300000000000000" pitchFamily="2" charset="-127"/>
+              </a:rPr>
+              <a:t>Y=</a:t>
+            </a:r>
+            <a:r>
+              <a:rPr lang="ko-KR" altLang="en-US" sz="2400" dirty="0">
+                <a:latin typeface="메이플스토리" panose="02000300000000000000" pitchFamily="2" charset="-127"/>
+                <a:ea typeface="메이플스토리" panose="02000300000000000000" pitchFamily="2" charset="-127"/>
+              </a:rPr>
+              <a:t>인사고과 점수</a:t>
+            </a:r>
+          </a:p>
+        </p:txBody>
+      </p:sp>
+      <p:sp>
+        <p:nvSpPr>
+          <p:cNvPr id="20" name="TextBox 19">
+            <a:extLst>
+              <a:ext uri="{FF2B5EF4-FFF2-40B4-BE49-F238E27FC236}">
+                <a16:creationId xmlns:a16="http://schemas.microsoft.com/office/drawing/2014/main" id="{60F4DEB6-84DA-4044-8007-DD0515528C73}"/>
+              </a:ext>
+            </a:extLst>
+          </p:cNvPr>
+          <p:cNvSpPr txBox="1"/>
+          <p:nvPr/>
+        </p:nvSpPr>
+        <p:spPr>
+          <a:xfrm>
+            <a:off x="8446510" y="1799114"/>
+            <a:ext cx="2906375" cy="461665"/>
+          </a:xfrm>
+          <a:prstGeom prst="rect">
+            <a:avLst/>
+          </a:prstGeom>
+          <a:noFill/>
+        </p:spPr>
+        <p:txBody>
+          <a:bodyPr wrap="square" rtlCol="0">
+            <a:spAutoFit/>
+          </a:bodyPr>
+          <a:lstStyle/>
+          <a:p>
+            <a:pPr algn="ctr"/>
+            <a:r>
+              <a:rPr lang="en-US" altLang="ko-KR" sz="2400" dirty="0">
+                <a:latin typeface="메이플스토리" panose="02000300000000000000" pitchFamily="2" charset="-127"/>
+                <a:ea typeface="메이플스토리" panose="02000300000000000000" pitchFamily="2" charset="-127"/>
+              </a:rPr>
+              <a:t>Y=</a:t>
+            </a:r>
+            <a:r>
+              <a:rPr lang="ko-KR" altLang="en-US" sz="2400" dirty="0">
+                <a:latin typeface="메이플스토리" panose="02000300000000000000" pitchFamily="2" charset="-127"/>
+                <a:ea typeface="메이플스토리" panose="02000300000000000000" pitchFamily="2" charset="-127"/>
+              </a:rPr>
+              <a:t>근무시간</a:t>
+            </a:r>
+          </a:p>
+        </p:txBody>
+      </p:sp>
+      <p:sp>
+        <p:nvSpPr>
+          <p:cNvPr id="21" name="TextBox 20">
+            <a:extLst>
+              <a:ext uri="{FF2B5EF4-FFF2-40B4-BE49-F238E27FC236}">
+                <a16:creationId xmlns:a16="http://schemas.microsoft.com/office/drawing/2014/main" id="{43A51430-9F98-4150-BB72-2014DBF86E1C}"/>
+              </a:ext>
+            </a:extLst>
+          </p:cNvPr>
+          <p:cNvSpPr txBox="1"/>
+          <p:nvPr/>
+        </p:nvSpPr>
+        <p:spPr>
+          <a:xfrm>
+            <a:off x="4642811" y="1799114"/>
+            <a:ext cx="2906375" cy="461665"/>
+          </a:xfrm>
+          <a:prstGeom prst="rect">
+            <a:avLst/>
+          </a:prstGeom>
+          <a:noFill/>
+        </p:spPr>
+        <p:txBody>
+          <a:bodyPr wrap="square" rtlCol="0">
+            <a:spAutoFit/>
+          </a:bodyPr>
+          <a:lstStyle/>
+          <a:p>
+            <a:pPr algn="ctr"/>
+            <a:r>
+              <a:rPr lang="en-US" altLang="ko-KR" sz="2400" dirty="0">
+                <a:latin typeface="메이플스토리" panose="02000300000000000000" pitchFamily="2" charset="-127"/>
+                <a:ea typeface="메이플스토리" panose="02000300000000000000" pitchFamily="2" charset="-127"/>
+              </a:rPr>
+              <a:t>Y=</a:t>
+            </a:r>
+            <a:r>
+              <a:rPr lang="ko-KR" altLang="en-US" sz="2400" dirty="0">
+                <a:latin typeface="메이플스토리" panose="02000300000000000000" pitchFamily="2" charset="-127"/>
+                <a:ea typeface="메이플스토리" panose="02000300000000000000" pitchFamily="2" charset="-127"/>
+              </a:rPr>
+              <a:t>프로젝트 수</a:t>
+            </a:r>
+          </a:p>
+        </p:txBody>
+      </p:sp>
+    </p:spTree>
+    <p:extLst>
+      <p:ext uri="{BB962C8B-B14F-4D97-AF65-F5344CB8AC3E}">
+        <p14:creationId xmlns:p14="http://schemas.microsoft.com/office/powerpoint/2010/main" val="3862758617"/>
+      </p:ext>
+    </p:extLst>
+  </p:cSld>
+  <p:clrMapOvr>
+    <a:masterClrMapping/>
+  </p:clrMapOvr>
+</p:sld>
+</file>
+
+<file path=ppt/slides/slide23.xml><?xml version="1.0" encoding="utf-8"?>
+<p:sld xmlns:a="http://schemas.openxmlformats.org/drawingml/2006/main" xmlns:r="http://schemas.openxmlformats.org/officeDocument/2006/relationships" xmlns:p="http://schemas.openxmlformats.org/presentationml/2006/main">
+  <p:cSld>
+    <p:spTree>
+      <p:nvGrpSpPr>
+        <p:cNvPr id="1" name=""/>
+        <p:cNvGrpSpPr/>
+        <p:nvPr/>
+      </p:nvGrpSpPr>
+      <p:grpSpPr>
+        <a:xfrm>
+          <a:off x="0" y="0"/>
+          <a:ext cx="0" cy="0"/>
+          <a:chOff x="0" y="0"/>
+          <a:chExt cx="0" cy="0"/>
+        </a:xfrm>
+      </p:grpSpPr>
+      <p:cxnSp>
+        <p:nvCxnSpPr>
+          <p:cNvPr id="4" name="직선 연결선 3"/>
+          <p:cNvCxnSpPr/>
+          <p:nvPr/>
+        </p:nvCxnSpPr>
+        <p:spPr>
+          <a:xfrm>
+            <a:off x="1026522" y="989148"/>
+            <a:ext cx="2160000" cy="0"/>
+          </a:xfrm>
+          <a:prstGeom prst="line">
+            <a:avLst/>
+          </a:prstGeom>
+          <a:ln>
+            <a:solidFill>
+              <a:schemeClr val="bg1">
+                <a:lumMod val="50000"/>
+              </a:schemeClr>
+            </a:solidFill>
+          </a:ln>
+        </p:spPr>
+        <p:style>
+          <a:lnRef idx="1">
+            <a:schemeClr val="accent1"/>
+          </a:lnRef>
+          <a:fillRef idx="0">
+            <a:schemeClr val="accent1"/>
+          </a:fillRef>
+          <a:effectRef idx="0">
+            <a:schemeClr val="accent1"/>
+          </a:effectRef>
+          <a:fontRef idx="minor">
+            <a:schemeClr val="tx1"/>
+          </a:fontRef>
+        </p:style>
+      </p:cxnSp>
+      <p:sp>
+        <p:nvSpPr>
+          <p:cNvPr id="5" name="TextBox 4"/>
+          <p:cNvSpPr txBox="1"/>
+          <p:nvPr/>
+        </p:nvSpPr>
+        <p:spPr>
+          <a:xfrm>
+            <a:off x="973593" y="437393"/>
+            <a:ext cx="8985072" cy="584775"/>
+          </a:xfrm>
+          <a:prstGeom prst="rect">
+            <a:avLst/>
+          </a:prstGeom>
+          <a:noFill/>
+        </p:spPr>
+        <p:txBody>
+          <a:bodyPr wrap="square" rtlCol="0">
+            <a:spAutoFit/>
+          </a:bodyPr>
+          <a:lstStyle/>
+          <a:p>
+            <a:r>
+              <a:rPr lang="en-US" altLang="ko-KR" sz="3200" spc="-150" dirty="0">
+                <a:solidFill>
+                  <a:srgbClr val="00002F"/>
+                </a:solidFill>
+                <a:latin typeface="메이플스토리" panose="02000300000000000000" pitchFamily="2" charset="-127"/>
+                <a:ea typeface="메이플스토리" panose="02000300000000000000" pitchFamily="2" charset="-127"/>
+              </a:rPr>
+              <a:t>CONTENTS – </a:t>
+            </a:r>
+            <a:r>
+              <a:rPr lang="ko-KR" altLang="en-US" sz="3200" spc="-150" dirty="0">
+                <a:solidFill>
+                  <a:srgbClr val="00002F"/>
+                </a:solidFill>
+                <a:latin typeface="메이플스토리" panose="02000300000000000000" pitchFamily="2" charset="-127"/>
+                <a:ea typeface="메이플스토리" panose="02000300000000000000" pitchFamily="2" charset="-127"/>
+              </a:rPr>
+              <a:t>악으로 깡으로 버텨라</a:t>
+            </a:r>
+            <a:r>
+              <a:rPr lang="en-US" altLang="ko-KR" sz="3200" spc="-150" dirty="0">
+                <a:solidFill>
+                  <a:srgbClr val="00002F"/>
+                </a:solidFill>
+                <a:latin typeface="메이플스토리" panose="02000300000000000000" pitchFamily="2" charset="-127"/>
+                <a:ea typeface="메이플스토리" panose="02000300000000000000" pitchFamily="2" charset="-127"/>
+              </a:rPr>
+              <a:t>!</a:t>
+            </a:r>
+            <a:endParaRPr lang="ko-KR" altLang="en-US" sz="3200" spc="-150" dirty="0">
+              <a:solidFill>
+                <a:srgbClr val="00002F"/>
+              </a:solidFill>
+              <a:latin typeface="메이플스토리" panose="02000300000000000000" pitchFamily="2" charset="-127"/>
+              <a:ea typeface="메이플스토리" panose="02000300000000000000" pitchFamily="2" charset="-127"/>
+            </a:endParaRPr>
+          </a:p>
+        </p:txBody>
+      </p:sp>
+      <p:sp>
+        <p:nvSpPr>
+          <p:cNvPr id="12" name="TextBox 11"/>
+          <p:cNvSpPr txBox="1"/>
+          <p:nvPr/>
+        </p:nvSpPr>
+        <p:spPr>
+          <a:xfrm>
+            <a:off x="464348" y="498947"/>
+            <a:ext cx="596638" cy="461665"/>
+          </a:xfrm>
+          <a:prstGeom prst="rect">
+            <a:avLst/>
+          </a:prstGeom>
+          <a:noFill/>
+        </p:spPr>
+        <p:txBody>
+          <a:bodyPr wrap="none" rtlCol="0">
+            <a:spAutoFit/>
+          </a:bodyPr>
+          <a:lstStyle/>
+          <a:p>
+            <a:pPr algn="ctr"/>
+            <a:r>
+              <a:rPr lang="en-US" altLang="ko-KR" sz="2400" spc="-150" dirty="0">
+                <a:solidFill>
+                  <a:srgbClr val="00002F"/>
+                </a:solidFill>
+                <a:latin typeface="메이플스토리" panose="02000300000000000000" pitchFamily="2" charset="-127"/>
+                <a:ea typeface="메이플스토리" panose="02000300000000000000" pitchFamily="2" charset="-127"/>
+              </a:rPr>
+              <a:t>06.</a:t>
+            </a:r>
+            <a:endParaRPr lang="ko-KR" altLang="en-US" sz="2400" spc="-150" dirty="0">
+              <a:solidFill>
+                <a:srgbClr val="00002F"/>
+              </a:solidFill>
+              <a:latin typeface="메이플스토리" panose="02000300000000000000" pitchFamily="2" charset="-127"/>
+              <a:ea typeface="메이플스토리" panose="02000300000000000000" pitchFamily="2" charset="-127"/>
+            </a:endParaRPr>
+          </a:p>
+        </p:txBody>
+      </p:sp>
+      <p:cxnSp>
+        <p:nvCxnSpPr>
+          <p:cNvPr id="7" name="직선 연결선 6"/>
+          <p:cNvCxnSpPr/>
+          <p:nvPr/>
+        </p:nvCxnSpPr>
+        <p:spPr>
+          <a:xfrm>
+            <a:off x="10430892" y="144941"/>
+            <a:ext cx="360000" cy="0"/>
+          </a:xfrm>
+          <a:prstGeom prst="line">
+            <a:avLst/>
+          </a:prstGeom>
+          <a:ln w="44450" cap="rnd">
+            <a:solidFill>
+              <a:srgbClr val="8DBABD"/>
+            </a:solidFill>
+          </a:ln>
+          <a:effectLst>
+            <a:outerShdw blurRad="50800" dist="38100" dir="5400000" algn="t" rotWithShape="0">
+              <a:prstClr val="black">
+                <a:alpha val="40000"/>
+              </a:prstClr>
+            </a:outerShdw>
+          </a:effectLst>
+        </p:spPr>
+        <p:style>
+          <a:lnRef idx="1">
+            <a:schemeClr val="accent1"/>
+          </a:lnRef>
+          <a:fillRef idx="0">
+            <a:schemeClr val="accent1"/>
+          </a:fillRef>
+          <a:effectRef idx="0">
+            <a:schemeClr val="accent1"/>
+          </a:effectRef>
+          <a:fontRef idx="minor">
+            <a:schemeClr val="tx1"/>
+          </a:fontRef>
+        </p:style>
+      </p:cxnSp>
+      <p:cxnSp>
+        <p:nvCxnSpPr>
+          <p:cNvPr id="8" name="직선 연결선 7"/>
+          <p:cNvCxnSpPr/>
+          <p:nvPr/>
+        </p:nvCxnSpPr>
+        <p:spPr>
+          <a:xfrm>
+            <a:off x="10858459" y="144941"/>
+            <a:ext cx="360000" cy="0"/>
+          </a:xfrm>
+          <a:prstGeom prst="line">
+            <a:avLst/>
+          </a:prstGeom>
+          <a:ln w="44450" cap="rnd">
+            <a:solidFill>
+              <a:schemeClr val="bg2">
+                <a:lumMod val="90000"/>
+              </a:schemeClr>
+            </a:solidFill>
+          </a:ln>
+          <a:effectLst>
+            <a:outerShdw blurRad="50800" dist="38100" dir="5400000" algn="t" rotWithShape="0">
+              <a:prstClr val="black">
+                <a:alpha val="40000"/>
+              </a:prstClr>
+            </a:outerShdw>
+          </a:effectLst>
+        </p:spPr>
+        <p:style>
+          <a:lnRef idx="1">
+            <a:schemeClr val="accent1"/>
+          </a:lnRef>
+          <a:fillRef idx="0">
+            <a:schemeClr val="accent1"/>
+          </a:fillRef>
+          <a:effectRef idx="0">
+            <a:schemeClr val="accent1"/>
+          </a:effectRef>
+          <a:fontRef idx="minor">
+            <a:schemeClr val="tx1"/>
+          </a:fontRef>
+        </p:style>
+      </p:cxnSp>
+      <p:cxnSp>
+        <p:nvCxnSpPr>
+          <p:cNvPr id="9" name="직선 연결선 8"/>
+          <p:cNvCxnSpPr/>
+          <p:nvPr/>
+        </p:nvCxnSpPr>
+        <p:spPr>
+          <a:xfrm>
+            <a:off x="11286026" y="144941"/>
+            <a:ext cx="360000" cy="0"/>
+          </a:xfrm>
+          <a:prstGeom prst="line">
+            <a:avLst/>
+          </a:prstGeom>
+          <a:ln w="44450" cap="rnd">
+            <a:solidFill>
+              <a:schemeClr val="bg2">
+                <a:lumMod val="90000"/>
+              </a:schemeClr>
+            </a:solidFill>
+          </a:ln>
+          <a:effectLst>
+            <a:outerShdw blurRad="50800" dist="38100" dir="5400000" algn="t" rotWithShape="0">
+              <a:prstClr val="black">
+                <a:alpha val="40000"/>
+              </a:prstClr>
+            </a:outerShdw>
+          </a:effectLst>
+        </p:spPr>
+        <p:style>
+          <a:lnRef idx="1">
+            <a:schemeClr val="accent1"/>
+          </a:lnRef>
+          <a:fillRef idx="0">
+            <a:schemeClr val="accent1"/>
+          </a:fillRef>
+          <a:effectRef idx="0">
+            <a:schemeClr val="accent1"/>
+          </a:effectRef>
+          <a:fontRef idx="minor">
+            <a:schemeClr val="tx1"/>
+          </a:fontRef>
+        </p:style>
+      </p:cxnSp>
+      <p:cxnSp>
+        <p:nvCxnSpPr>
+          <p:cNvPr id="10" name="직선 연결선 9"/>
+          <p:cNvCxnSpPr/>
+          <p:nvPr/>
+        </p:nvCxnSpPr>
+        <p:spPr>
+          <a:xfrm>
+            <a:off x="11713592" y="144941"/>
+            <a:ext cx="360000" cy="0"/>
+          </a:xfrm>
+          <a:prstGeom prst="line">
+            <a:avLst/>
+          </a:prstGeom>
+          <a:ln w="44450" cap="rnd">
+            <a:solidFill>
+              <a:schemeClr val="bg2">
+                <a:lumMod val="90000"/>
+              </a:schemeClr>
+            </a:solidFill>
+          </a:ln>
+          <a:effectLst>
+            <a:outerShdw blurRad="50800" dist="38100" dir="5400000" algn="t" rotWithShape="0">
+              <a:prstClr val="black">
+                <a:alpha val="40000"/>
+              </a:prstClr>
+            </a:outerShdw>
+          </a:effectLst>
+        </p:spPr>
+        <p:style>
+          <a:lnRef idx="1">
+            <a:schemeClr val="accent1"/>
+          </a:lnRef>
+          <a:fillRef idx="0">
+            <a:schemeClr val="accent1"/>
+          </a:fillRef>
+          <a:effectRef idx="0">
+            <a:schemeClr val="accent1"/>
+          </a:effectRef>
+          <a:fontRef idx="minor">
+            <a:schemeClr val="tx1"/>
+          </a:fontRef>
+        </p:style>
+      </p:cxnSp>
+      <p:sp>
+        <p:nvSpPr>
+          <p:cNvPr id="13" name="TextBox 12"/>
+          <p:cNvSpPr txBox="1"/>
+          <p:nvPr/>
+        </p:nvSpPr>
+        <p:spPr>
+          <a:xfrm>
+            <a:off x="776392" y="1006929"/>
+            <a:ext cx="8820614" cy="400110"/>
+          </a:xfrm>
+          <a:prstGeom prst="rect">
+            <a:avLst/>
+          </a:prstGeom>
+          <a:noFill/>
+        </p:spPr>
+        <p:txBody>
+          <a:bodyPr wrap="square" rtlCol="0">
+            <a:spAutoFit/>
+          </a:bodyPr>
+          <a:lstStyle/>
+          <a:p>
+            <a:r>
+              <a:rPr lang="ko-KR" altLang="en-US" sz="2000" spc="-150" dirty="0">
+                <a:solidFill>
+                  <a:srgbClr val="00002F"/>
+                </a:solidFill>
+                <a:highlight>
+                  <a:srgbClr val="C0C0C0"/>
+                </a:highlight>
+                <a:latin typeface="메이플스토리" panose="02000300000000000000" pitchFamily="2" charset="-127"/>
+                <a:ea typeface="메이플스토리" panose="02000300000000000000" pitchFamily="2" charset="-127"/>
+              </a:rPr>
+              <a:t>연차가 올라갈수록 높은 수준의 급여를 받는 비율이 높다</a:t>
+            </a:r>
+            <a:r>
+              <a:rPr lang="en-US" altLang="ko-KR" sz="2000" spc="-150" dirty="0">
+                <a:solidFill>
+                  <a:srgbClr val="00002F"/>
+                </a:solidFill>
+                <a:highlight>
+                  <a:srgbClr val="C0C0C0"/>
+                </a:highlight>
+                <a:latin typeface="메이플스토리" panose="02000300000000000000" pitchFamily="2" charset="-127"/>
+                <a:ea typeface="메이플스토리" panose="02000300000000000000" pitchFamily="2" charset="-127"/>
+              </a:rPr>
+              <a:t>.</a:t>
+            </a:r>
+            <a:endParaRPr lang="ko-KR" altLang="en-US" sz="2000" spc="-150" dirty="0">
+              <a:solidFill>
+                <a:srgbClr val="00002F"/>
+              </a:solidFill>
+              <a:highlight>
+                <a:srgbClr val="C0C0C0"/>
+              </a:highlight>
+              <a:latin typeface="메이플스토리" panose="02000300000000000000" pitchFamily="2" charset="-127"/>
+              <a:ea typeface="메이플스토리" panose="02000300000000000000" pitchFamily="2" charset="-127"/>
+            </a:endParaRPr>
+          </a:p>
+        </p:txBody>
+      </p:sp>
+      <p:pic>
+        <p:nvPicPr>
+          <p:cNvPr id="14" name="그림 13">
+            <a:extLst>
+              <a:ext uri="{FF2B5EF4-FFF2-40B4-BE49-F238E27FC236}">
+                <a16:creationId xmlns:a16="http://schemas.microsoft.com/office/drawing/2014/main" id="{91F03BA1-E22C-4C09-8545-543C5FCB6D60}"/>
+              </a:ext>
+            </a:extLst>
+          </p:cNvPr>
+          <p:cNvPicPr>
+            <a:picLocks noChangeAspect="1"/>
+          </p:cNvPicPr>
+          <p:nvPr/>
+        </p:nvPicPr>
+        <p:blipFill>
+          <a:blip r:embed="rId2">
+            <a:extLst>
+              <a:ext uri="{28A0092B-C50C-407E-A947-70E740481C1C}">
+                <a14:useLocalDpi xmlns:a14="http://schemas.microsoft.com/office/drawing/2010/main" val="0"/>
+              </a:ext>
+            </a:extLst>
+          </a:blip>
+          <a:srcRect/>
+          <a:stretch/>
+        </p:blipFill>
+        <p:spPr>
+          <a:xfrm>
+            <a:off x="4212378" y="2290735"/>
+            <a:ext cx="3767244" cy="3350531"/>
+          </a:xfrm>
+          <a:prstGeom prst="rect">
+            <a:avLst/>
+          </a:prstGeom>
+        </p:spPr>
+      </p:pic>
+    </p:spTree>
+    <p:extLst>
+      <p:ext uri="{BB962C8B-B14F-4D97-AF65-F5344CB8AC3E}">
+        <p14:creationId xmlns:p14="http://schemas.microsoft.com/office/powerpoint/2010/main" val="102758424"/>
+      </p:ext>
+    </p:extLst>
+  </p:cSld>
+  <p:clrMapOvr>
+    <a:masterClrMapping/>
+  </p:clrMapOvr>
+</p:sld>
+</file>
+
+<file path=ppt/slides/slide24.xml><?xml version="1.0" encoding="utf-8"?>
+<p:sld xmlns:a="http://schemas.openxmlformats.org/drawingml/2006/main" xmlns:r="http://schemas.openxmlformats.org/officeDocument/2006/relationships" xmlns:p="http://schemas.openxmlformats.org/presentationml/2006/main">
+  <p:cSld>
+    <p:spTree>
+      <p:nvGrpSpPr>
+        <p:cNvPr id="1" name=""/>
+        <p:cNvGrpSpPr/>
+        <p:nvPr/>
+      </p:nvGrpSpPr>
+      <p:grpSpPr>
+        <a:xfrm>
+          <a:off x="0" y="0"/>
+          <a:ext cx="0" cy="0"/>
+          <a:chOff x="0" y="0"/>
+          <a:chExt cx="0" cy="0"/>
+        </a:xfrm>
+      </p:grpSpPr>
+      <p:sp>
+        <p:nvSpPr>
+          <p:cNvPr id="2" name="TextBox 1"/>
+          <p:cNvSpPr txBox="1"/>
+          <p:nvPr/>
+        </p:nvSpPr>
+        <p:spPr>
+          <a:xfrm>
+            <a:off x="3840639" y="2447473"/>
+            <a:ext cx="4510722" cy="1200329"/>
+          </a:xfrm>
+          <a:prstGeom prst="rect">
+            <a:avLst/>
+          </a:prstGeom>
+          <a:noFill/>
+        </p:spPr>
+        <p:txBody>
+          <a:bodyPr wrap="none" rtlCol="0">
+            <a:spAutoFit/>
+          </a:bodyPr>
+          <a:lstStyle/>
+          <a:p>
+            <a:pPr algn="ctr"/>
+            <a:r>
+              <a:rPr lang="en-US" altLang="ko-KR" sz="7200" spc="-300" dirty="0">
+                <a:solidFill>
+                  <a:srgbClr val="00002F"/>
+                </a:solidFill>
+                <a:latin typeface="메이플스토리" panose="02000300000000000000" pitchFamily="2" charset="-127"/>
+                <a:ea typeface="메이플스토리" panose="02000300000000000000" pitchFamily="2" charset="-127"/>
+              </a:rPr>
+              <a:t>Thank you</a:t>
+            </a:r>
+            <a:endParaRPr lang="ko-KR" altLang="en-US" sz="7200" spc="-300" dirty="0">
+              <a:solidFill>
+                <a:srgbClr val="00002F"/>
+              </a:solidFill>
+              <a:latin typeface="메이플스토리" panose="02000300000000000000" pitchFamily="2" charset="-127"/>
+              <a:ea typeface="메이플스토리" panose="02000300000000000000" pitchFamily="2" charset="-127"/>
+            </a:endParaRPr>
+          </a:p>
+        </p:txBody>
+      </p:sp>
+    </p:spTree>
+    <p:extLst>
+      <p:ext uri="{BB962C8B-B14F-4D97-AF65-F5344CB8AC3E}">
+        <p14:creationId xmlns:p14="http://schemas.microsoft.com/office/powerpoint/2010/main" val="4116967652"/>
       </p:ext>
     </p:extLst>
   </p:cSld>
@@ -4359,8 +8730,8 @@
         </p:nvSpPr>
         <p:spPr>
           <a:xfrm>
-            <a:off x="365556" y="2497976"/>
-            <a:ext cx="1816523" cy="1862048"/>
+            <a:off x="389600" y="1726189"/>
+            <a:ext cx="1112805" cy="923330"/>
           </a:xfrm>
           <a:prstGeom prst="rect">
             <a:avLst/>
@@ -4374,16 +8745,16 @@
           <a:lstStyle/>
           <a:p>
             <a:r>
-              <a:rPr lang="en-US" altLang="ko-KR" sz="11500" b="1" dirty="0">
-                <a:solidFill>
-                  <a:srgbClr val="00002F"/>
-                </a:solidFill>
-                <a:latin typeface="메이플스토리" panose="02000300000000000000" pitchFamily="2" charset="-127"/>
-                <a:ea typeface="메이플스토리" panose="02000300000000000000" pitchFamily="2" charset="-127"/>
-              </a:rPr>
-              <a:t>01</a:t>
-            </a:r>
-            <a:endParaRPr lang="ko-KR" altLang="en-US" sz="11500" b="1" dirty="0">
+              <a:rPr lang="en-US" altLang="ko-KR" sz="5400" b="1" dirty="0">
+                <a:solidFill>
+                  <a:srgbClr val="00002F"/>
+                </a:solidFill>
+                <a:latin typeface="메이플스토리" panose="02000300000000000000" pitchFamily="2" charset="-127"/>
+                <a:ea typeface="메이플스토리" panose="02000300000000000000" pitchFamily="2" charset="-127"/>
+              </a:rPr>
+              <a:t>04</a:t>
+            </a:r>
+            <a:endParaRPr lang="ko-KR" altLang="en-US" sz="5400" b="1" dirty="0">
               <a:solidFill>
                 <a:srgbClr val="00002F"/>
               </a:solidFill>
@@ -4401,15 +8772,21 @@
         </p:nvSpPr>
         <p:spPr>
           <a:xfrm>
-            <a:off x="270814" y="4044950"/>
-            <a:ext cx="2201573" cy="469900"/>
+            <a:off x="1536139" y="1952904"/>
+            <a:ext cx="9377938" cy="469900"/>
           </a:xfrm>
           <a:prstGeom prst="rect">
             <a:avLst/>
           </a:prstGeom>
-          <a:noFill/>
+          <a:solidFill>
+            <a:schemeClr val="bg1">
+              <a:alpha val="80000"/>
+            </a:schemeClr>
+          </a:solidFill>
           <a:ln>
-            <a:noFill/>
+            <a:solidFill>
+              <a:schemeClr val="bg1"/>
+            </a:solidFill>
           </a:ln>
         </p:spPr>
         <p:style>
@@ -4436,13 +8813,39 @@
             <a:r>
               <a:rPr lang="ko-KR" altLang="en-US" sz="2000" dirty="0">
                 <a:solidFill>
-                  <a:srgbClr val="00002F"/>
-                </a:solidFill>
-                <a:latin typeface="메이플스토리" panose="02000300000000000000" pitchFamily="2" charset="-127"/>
-                <a:ea typeface="메이플스토리" panose="02000300000000000000" pitchFamily="2" charset="-127"/>
-              </a:rPr>
-              <a:t>제목을 입력합니다</a:t>
-            </a:r>
+                  <a:schemeClr val="tx1">
+                    <a:lumMod val="95000"/>
+                    <a:lumOff val="5000"/>
+                  </a:schemeClr>
+                </a:solidFill>
+                <a:latin typeface="메이플스토리" panose="02000300000000000000" pitchFamily="2" charset="-127"/>
+                <a:ea typeface="메이플스토리" panose="02000300000000000000" pitchFamily="2" charset="-127"/>
+              </a:rPr>
+              <a:t>연차와 만족도는 어떤 관계가 있을까</a:t>
+            </a:r>
+            <a:r>
+              <a:rPr lang="en-US" altLang="ko-KR" sz="2000" dirty="0">
+                <a:solidFill>
+                  <a:schemeClr val="tx1">
+                    <a:lumMod val="95000"/>
+                    <a:lumOff val="5000"/>
+                  </a:schemeClr>
+                </a:solidFill>
+                <a:latin typeface="메이플스토리" panose="02000300000000000000" pitchFamily="2" charset="-127"/>
+                <a:ea typeface="메이플스토리" panose="02000300000000000000" pitchFamily="2" charset="-127"/>
+              </a:rPr>
+              <a:t>?</a:t>
+            </a:r>
+            <a:endParaRPr lang="ko-KR" altLang="en-US" sz="2000" dirty="0">
+              <a:solidFill>
+                <a:schemeClr val="tx1">
+                  <a:lumMod val="95000"/>
+                  <a:lumOff val="5000"/>
+                </a:schemeClr>
+              </a:solidFill>
+              <a:latin typeface="메이플스토리" panose="02000300000000000000" pitchFamily="2" charset="-127"/>
+              <a:ea typeface="메이플스토리" panose="02000300000000000000" pitchFamily="2" charset="-127"/>
+            </a:endParaRPr>
           </a:p>
         </p:txBody>
       </p:sp>
@@ -4454,8 +8857,8 @@
         </p:nvSpPr>
         <p:spPr>
           <a:xfrm>
-            <a:off x="3515156" y="2497976"/>
-            <a:ext cx="2074607" cy="1862048"/>
+            <a:off x="389600" y="3194050"/>
+            <a:ext cx="1045479" cy="923330"/>
           </a:xfrm>
           <a:prstGeom prst="rect">
             <a:avLst/>
@@ -4469,16 +8872,16 @@
           <a:lstStyle/>
           <a:p>
             <a:r>
-              <a:rPr lang="en-US" altLang="ko-KR" sz="11500" b="1" dirty="0">
-                <a:solidFill>
-                  <a:srgbClr val="00002F"/>
-                </a:solidFill>
-                <a:latin typeface="메이플스토리" panose="02000300000000000000" pitchFamily="2" charset="-127"/>
-                <a:ea typeface="메이플스토리" panose="02000300000000000000" pitchFamily="2" charset="-127"/>
-              </a:rPr>
-              <a:t>02</a:t>
-            </a:r>
-            <a:endParaRPr lang="ko-KR" altLang="en-US" sz="11500" b="1" dirty="0">
+              <a:rPr lang="en-US" altLang="ko-KR" sz="5400" b="1" dirty="0">
+                <a:solidFill>
+                  <a:srgbClr val="00002F"/>
+                </a:solidFill>
+                <a:latin typeface="메이플스토리" panose="02000300000000000000" pitchFamily="2" charset="-127"/>
+                <a:ea typeface="메이플스토리" panose="02000300000000000000" pitchFamily="2" charset="-127"/>
+              </a:rPr>
+              <a:t>05</a:t>
+            </a:r>
+            <a:endParaRPr lang="ko-KR" altLang="en-US" sz="5400" b="1" dirty="0">
               <a:solidFill>
                 <a:srgbClr val="00002F"/>
               </a:solidFill>
@@ -4496,15 +8899,21 @@
         </p:nvSpPr>
         <p:spPr>
           <a:xfrm>
-            <a:off x="3420414" y="4044950"/>
-            <a:ext cx="2201573" cy="469900"/>
+            <a:off x="1536140" y="3420765"/>
+            <a:ext cx="9377937" cy="469900"/>
           </a:xfrm>
           <a:prstGeom prst="rect">
             <a:avLst/>
           </a:prstGeom>
-          <a:noFill/>
+          <a:solidFill>
+            <a:schemeClr val="bg1">
+              <a:alpha val="80000"/>
+            </a:schemeClr>
+          </a:solidFill>
           <a:ln>
-            <a:noFill/>
+            <a:solidFill>
+              <a:schemeClr val="bg1"/>
+            </a:solidFill>
           </a:ln>
         </p:spPr>
         <p:style>
@@ -4536,8 +8945,35 @@
                 <a:latin typeface="메이플스토리" panose="02000300000000000000" pitchFamily="2" charset="-127"/>
                 <a:ea typeface="메이플스토리" panose="02000300000000000000" pitchFamily="2" charset="-127"/>
               </a:rPr>
-              <a:t>제목을 입력합니다</a:t>
-            </a:r>
+              <a:t>승진은 성적순이 </a:t>
+            </a:r>
+            <a:r>
+              <a:rPr lang="ko-KR" altLang="en-US" sz="2000" dirty="0" err="1">
+                <a:solidFill>
+                  <a:srgbClr val="00002F"/>
+                </a:solidFill>
+                <a:latin typeface="메이플스토리" panose="02000300000000000000" pitchFamily="2" charset="-127"/>
+                <a:ea typeface="메이플스토리" panose="02000300000000000000" pitchFamily="2" charset="-127"/>
+              </a:rPr>
+              <a:t>아니잖아요</a:t>
+            </a:r>
+            <a:r>
+              <a:rPr lang="en-US" altLang="ko-KR" sz="2000" dirty="0">
+                <a:solidFill>
+                  <a:srgbClr val="00002F"/>
+                </a:solidFill>
+                <a:latin typeface="메이플스토리" panose="02000300000000000000" pitchFamily="2" charset="-127"/>
+                <a:ea typeface="메이플스토리" panose="02000300000000000000" pitchFamily="2" charset="-127"/>
+              </a:rPr>
+              <a:t>...</a:t>
+            </a:r>
+            <a:endParaRPr lang="ko-KR" altLang="en-US" sz="2000" dirty="0">
+              <a:solidFill>
+                <a:srgbClr val="00002F"/>
+              </a:solidFill>
+              <a:latin typeface="메이플스토리" panose="02000300000000000000" pitchFamily="2" charset="-127"/>
+              <a:ea typeface="메이플스토리" panose="02000300000000000000" pitchFamily="2" charset="-127"/>
+            </a:endParaRPr>
           </a:p>
         </p:txBody>
       </p:sp>
@@ -4549,8 +8985,8 @@
         </p:nvSpPr>
         <p:spPr>
           <a:xfrm>
-            <a:off x="6664756" y="2497976"/>
-            <a:ext cx="2066591" cy="1862048"/>
+            <a:off x="389600" y="4661911"/>
+            <a:ext cx="1067921" cy="923330"/>
           </a:xfrm>
           <a:prstGeom prst="rect">
             <a:avLst/>
@@ -4564,16 +9000,16 @@
           <a:lstStyle/>
           <a:p>
             <a:r>
-              <a:rPr lang="en-US" altLang="ko-KR" sz="11500" b="1" dirty="0">
-                <a:solidFill>
-                  <a:srgbClr val="00002F"/>
-                </a:solidFill>
-                <a:latin typeface="메이플스토리" panose="02000300000000000000" pitchFamily="2" charset="-127"/>
-                <a:ea typeface="메이플스토리" panose="02000300000000000000" pitchFamily="2" charset="-127"/>
-              </a:rPr>
-              <a:t>03</a:t>
-            </a:r>
-            <a:endParaRPr lang="ko-KR" altLang="en-US" sz="11500" b="1" dirty="0">
+              <a:rPr lang="en-US" altLang="ko-KR" sz="5400" b="1" dirty="0">
+                <a:solidFill>
+                  <a:srgbClr val="00002F"/>
+                </a:solidFill>
+                <a:latin typeface="메이플스토리" panose="02000300000000000000" pitchFamily="2" charset="-127"/>
+                <a:ea typeface="메이플스토리" panose="02000300000000000000" pitchFamily="2" charset="-127"/>
+              </a:rPr>
+              <a:t>06</a:t>
+            </a:r>
+            <a:endParaRPr lang="ko-KR" altLang="en-US" sz="5400" b="1" dirty="0">
               <a:solidFill>
                 <a:srgbClr val="00002F"/>
               </a:solidFill>
@@ -4591,15 +9027,21 @@
         </p:nvSpPr>
         <p:spPr>
           <a:xfrm>
-            <a:off x="6570014" y="4044950"/>
-            <a:ext cx="2201573" cy="469900"/>
+            <a:off x="1536140" y="4888626"/>
+            <a:ext cx="9377937" cy="469900"/>
           </a:xfrm>
           <a:prstGeom prst="rect">
             <a:avLst/>
           </a:prstGeom>
-          <a:noFill/>
+          <a:solidFill>
+            <a:schemeClr val="bg1">
+              <a:alpha val="80000"/>
+            </a:schemeClr>
+          </a:solidFill>
           <a:ln>
-            <a:noFill/>
+            <a:solidFill>
+              <a:schemeClr val="bg1"/>
+            </a:solidFill>
           </a:ln>
         </p:spPr>
         <p:style>
@@ -4631,44 +9073,39 @@
                 <a:latin typeface="메이플스토리" panose="02000300000000000000" pitchFamily="2" charset="-127"/>
                 <a:ea typeface="메이플스토리" panose="02000300000000000000" pitchFamily="2" charset="-127"/>
               </a:rPr>
-              <a:t>제목을 입력합니다</a:t>
-            </a:r>
-          </a:p>
-        </p:txBody>
-      </p:sp>
-      <p:sp>
-        <p:nvSpPr>
-          <p:cNvPr id="10" name="TextBox 9"/>
-          <p:cNvSpPr txBox="1"/>
-          <p:nvPr/>
-        </p:nvSpPr>
-        <p:spPr>
-          <a:xfrm>
-            <a:off x="9814356" y="2497976"/>
-            <a:ext cx="2159566" cy="1862048"/>
-          </a:xfrm>
-          <a:prstGeom prst="rect">
-            <a:avLst/>
-          </a:prstGeom>
-          <a:noFill/>
-        </p:spPr>
-        <p:txBody>
-          <a:bodyPr wrap="none" rtlCol="0">
-            <a:spAutoFit/>
-          </a:bodyPr>
-          <a:lstStyle/>
-          <a:p>
-            <a:r>
-              <a:rPr lang="en-US" altLang="ko-KR" sz="11500" b="1" dirty="0">
-                <a:solidFill>
-                  <a:srgbClr val="00002F"/>
-                </a:solidFill>
-                <a:latin typeface="메이플스토리" panose="02000300000000000000" pitchFamily="2" charset="-127"/>
-                <a:ea typeface="메이플스토리" panose="02000300000000000000" pitchFamily="2" charset="-127"/>
-              </a:rPr>
-              <a:t>04</a:t>
-            </a:r>
-            <a:endParaRPr lang="ko-KR" altLang="en-US" sz="11500" b="1" dirty="0">
+              <a:t>열심히 일해봐라 돈 많이 주나</a:t>
+            </a:r>
+            <a:r>
+              <a:rPr lang="en-US" altLang="ko-KR" sz="2000" dirty="0">
+                <a:solidFill>
+                  <a:srgbClr val="00002F"/>
+                </a:solidFill>
+                <a:latin typeface="메이플스토리" panose="02000300000000000000" pitchFamily="2" charset="-127"/>
+                <a:ea typeface="메이플스토리" panose="02000300000000000000" pitchFamily="2" charset="-127"/>
+              </a:rPr>
+              <a:t>!! </a:t>
+            </a:r>
+            <a:r>
+              <a:rPr lang="ko-KR" altLang="en-US" sz="2000" dirty="0">
+                <a:solidFill>
+                  <a:srgbClr val="00002F"/>
+                </a:solidFill>
+                <a:latin typeface="메이플스토리" panose="02000300000000000000" pitchFamily="2" charset="-127"/>
+                <a:ea typeface="메이플스토리" panose="02000300000000000000" pitchFamily="2" charset="-127"/>
+              </a:rPr>
+              <a:t>악으로 깡으로 버텨라</a:t>
+            </a:r>
+            <a:r>
+              <a:rPr lang="en-US" altLang="ko-KR" sz="2000" dirty="0">
+                <a:solidFill>
+                  <a:srgbClr val="00002F"/>
+                </a:solidFill>
+                <a:latin typeface="메이플스토리" panose="02000300000000000000" pitchFamily="2" charset="-127"/>
+                <a:ea typeface="메이플스토리" panose="02000300000000000000" pitchFamily="2" charset="-127"/>
+              </a:rPr>
+              <a:t>!!</a:t>
+            </a:r>
+            <a:endParaRPr lang="ko-KR" altLang="en-US" sz="2000" dirty="0">
               <a:solidFill>
                 <a:srgbClr val="00002F"/>
               </a:solidFill>
@@ -4680,60 +9117,7 @@
       </p:sp>
       <p:sp>
         <p:nvSpPr>
-          <p:cNvPr id="11" name="직사각형 10"/>
-          <p:cNvSpPr/>
-          <p:nvPr/>
-        </p:nvSpPr>
-        <p:spPr>
-          <a:xfrm>
-            <a:off x="9719614" y="4044950"/>
-            <a:ext cx="2201573" cy="469900"/>
-          </a:xfrm>
-          <a:prstGeom prst="rect">
-            <a:avLst/>
-          </a:prstGeom>
-          <a:noFill/>
-          <a:ln>
-            <a:noFill/>
-          </a:ln>
-        </p:spPr>
-        <p:style>
-          <a:lnRef idx="2">
-            <a:schemeClr val="accent1">
-              <a:shade val="50000"/>
-            </a:schemeClr>
-          </a:lnRef>
-          <a:fillRef idx="1">
-            <a:schemeClr val="accent1"/>
-          </a:fillRef>
-          <a:effectRef idx="0">
-            <a:schemeClr val="accent1"/>
-          </a:effectRef>
-          <a:fontRef idx="minor">
-            <a:schemeClr val="lt1"/>
-          </a:fontRef>
-        </p:style>
-        <p:txBody>
-          <a:bodyPr rtlCol="0" anchor="ctr"/>
-          <a:lstStyle/>
-          <a:p>
-            <a:pPr algn="ctr"/>
-            <a:r>
-              <a:rPr lang="ko-KR" altLang="en-US" sz="2000" dirty="0">
-                <a:solidFill>
-                  <a:srgbClr val="00002F"/>
-                </a:solidFill>
-                <a:latin typeface="메이플스토리" panose="02000300000000000000" pitchFamily="2" charset="-127"/>
-                <a:ea typeface="메이플스토리" panose="02000300000000000000" pitchFamily="2" charset="-127"/>
-              </a:rPr>
-              <a:t>제목을 입력합니다</a:t>
-            </a:r>
-          </a:p>
-        </p:txBody>
-      </p:sp>
-      <p:sp>
-        <p:nvSpPr>
-          <p:cNvPr id="12" name="TextBox 11"/>
+          <p:cNvPr id="14" name="TextBox 13"/>
           <p:cNvSpPr txBox="1"/>
           <p:nvPr/>
         </p:nvSpPr>
@@ -4776,7 +9160,7 @@
       </p:sp>
       <p:cxnSp>
         <p:nvCxnSpPr>
-          <p:cNvPr id="13" name="직선 연결선 12"/>
+          <p:cNvPr id="15" name="직선 연결선 14"/>
           <p:cNvCxnSpPr/>
           <p:nvPr/>
         </p:nvCxnSpPr>
@@ -4814,7 +9198,7 @@
     </p:spTree>
     <p:extLst>
       <p:ext uri="{BB962C8B-B14F-4D97-AF65-F5344CB8AC3E}">
-        <p14:creationId xmlns:p14="http://schemas.microsoft.com/office/powerpoint/2010/main" val="2240987367"/>
+        <p14:creationId xmlns:p14="http://schemas.microsoft.com/office/powerpoint/2010/main" val="3395490430"/>
       </p:ext>
     </p:extLst>
   </p:cSld>
@@ -4932,14 +9316,14 @@
                 <a:latin typeface="메이플스토리" panose="02000300000000000000" pitchFamily="2" charset="-127"/>
                 <a:ea typeface="메이플스토리" panose="02000300000000000000" pitchFamily="2" charset="-127"/>
               </a:rPr>
-              <a:t>사고뭉치 부서는 어디인가</a:t>
+              <a:t>사고뭉치 부서를 찾아라</a:t>
             </a:r>
             <a:r>
               <a:rPr lang="en-US" altLang="ko-KR" sz="3600" dirty="0">
                 <a:latin typeface="메이플스토리" panose="02000300000000000000" pitchFamily="2" charset="-127"/>
                 <a:ea typeface="메이플스토리" panose="02000300000000000000" pitchFamily="2" charset="-127"/>
               </a:rPr>
-              <a:t>?</a:t>
+              <a:t>!</a:t>
             </a:r>
             <a:endParaRPr lang="ko-KR" altLang="en-US" sz="3600" dirty="0">
               <a:latin typeface="메이플스토리" panose="02000300000000000000" pitchFamily="2" charset="-127"/>
@@ -7153,7 +11537,7 @@
         <p:spPr>
           <a:xfrm>
             <a:off x="776392" y="1006929"/>
-            <a:ext cx="8820614" cy="400110"/>
+            <a:ext cx="10869634" cy="400110"/>
           </a:xfrm>
           <a:prstGeom prst="rect">
             <a:avLst/>
@@ -7177,7 +11561,7 @@
                 <a:latin typeface="메이플스토리" panose="02000300000000000000" pitchFamily="2" charset="-127"/>
                 <a:ea typeface="메이플스토리" panose="02000300000000000000" pitchFamily="2" charset="-127"/>
               </a:rPr>
-              <a:t>부서 별 사고율과 근무 시간의 관계 </a:t>
+              <a:t>부서 별 사고율과 근무 시간 관계</a:t>
             </a:r>
             <a:r>
               <a:rPr lang="en-US" altLang="ko-KR" sz="2000" spc="-150" dirty="0">
@@ -7203,7 +11587,7 @@
                 <a:latin typeface="메이플스토리" panose="02000300000000000000" pitchFamily="2" charset="-127"/>
                 <a:ea typeface="메이플스토리" panose="02000300000000000000" pitchFamily="2" charset="-127"/>
               </a:rPr>
-              <a:t>역비례</a:t>
+              <a:t>사고 비율이 높은 부서</a:t>
             </a:r>
             <a:r>
               <a:rPr lang="en-US" altLang="ko-KR" sz="2000" spc="-150" dirty="0">
@@ -7216,7 +11600,59 @@
                 <a:latin typeface="메이플스토리" panose="02000300000000000000" pitchFamily="2" charset="-127"/>
                 <a:ea typeface="메이플스토리" panose="02000300000000000000" pitchFamily="2" charset="-127"/>
               </a:rPr>
-              <a:t>..?</a:t>
+              <a:t>(</a:t>
+            </a:r>
+            <a:r>
+              <a:rPr lang="en-US" altLang="ko-KR" sz="2000" spc="-150" dirty="0" err="1">
+                <a:solidFill>
+                  <a:srgbClr val="00002F"/>
+                </a:solidFill>
+                <a:highlight>
+                  <a:srgbClr val="C0C0C0"/>
+                </a:highlight>
+                <a:latin typeface="메이플스토리" panose="02000300000000000000" pitchFamily="2" charset="-127"/>
+                <a:ea typeface="메이플스토리" panose="02000300000000000000" pitchFamily="2" charset="-127"/>
+              </a:rPr>
+              <a:t>Mng</a:t>
+            </a:r>
+            <a:r>
+              <a:rPr lang="en-US" altLang="ko-KR" sz="2000" spc="-150" dirty="0">
+                <a:solidFill>
+                  <a:srgbClr val="00002F"/>
+                </a:solidFill>
+                <a:highlight>
+                  <a:srgbClr val="C0C0C0"/>
+                </a:highlight>
+                <a:latin typeface="메이플스토리" panose="02000300000000000000" pitchFamily="2" charset="-127"/>
+                <a:ea typeface="메이플스토리" panose="02000300000000000000" pitchFamily="2" charset="-127"/>
+              </a:rPr>
+              <a:t>, R&amp;D, marketing)</a:t>
+            </a:r>
+            <a:r>
+              <a:rPr lang="ko-KR" altLang="en-US" sz="2000" spc="-150" dirty="0">
+                <a:solidFill>
+                  <a:srgbClr val="00002F"/>
+                </a:solidFill>
+                <a:highlight>
+                  <a:srgbClr val="C0C0C0"/>
+                </a:highlight>
+                <a:latin typeface="메이플스토리" panose="02000300000000000000" pitchFamily="2" charset="-127"/>
+                <a:ea typeface="메이플스토리" panose="02000300000000000000" pitchFamily="2" charset="-127"/>
+              </a:rPr>
+              <a:t>는 근무 시간 이 상대적으로 적었다</a:t>
+            </a:r>
+            <a:r>
+              <a:rPr lang="en-US" altLang="ko-KR" sz="2000" spc="-150" dirty="0">
+                <a:solidFill>
+                  <a:srgbClr val="00002F"/>
+                </a:solidFill>
+                <a:highlight>
+                  <a:srgbClr val="C0C0C0"/>
+                </a:highlight>
+                <a:latin typeface="메이플스토리" panose="02000300000000000000" pitchFamily="2" charset="-127"/>
+                <a:ea typeface="메이플스토리" panose="02000300000000000000" pitchFamily="2" charset="-127"/>
+              </a:rPr>
+              <a:t>.</a:t>
             </a:r>
             <a:endParaRPr lang="ko-KR" altLang="en-US" sz="2000" spc="-150" dirty="0">
               <a:solidFill>
@@ -7521,7 +11957,27 @@
                 <a:latin typeface="메이플스토리" panose="02000300000000000000" pitchFamily="2" charset="-127"/>
                 <a:ea typeface="메이플스토리" panose="02000300000000000000" pitchFamily="2" charset="-127"/>
               </a:rPr>
-              <a:t>CONTENTS – </a:t>
+              <a:t>CONTENTS – 3</a:t>
+            </a:r>
+            <a:r>
+              <a:rPr lang="ko-KR" altLang="en-US" sz="3200" spc="-150" dirty="0" err="1">
+                <a:solidFill>
+                  <a:srgbClr val="00002F"/>
+                </a:solidFill>
+                <a:latin typeface="메이플스토리" panose="02000300000000000000" pitchFamily="2" charset="-127"/>
+                <a:ea typeface="메이플스토리" panose="02000300000000000000" pitchFamily="2" charset="-127"/>
+              </a:rPr>
+              <a:t>년차</a:t>
+            </a:r>
+            <a:r>
+              <a:rPr lang="en-US" altLang="ko-KR" sz="3200" spc="-150" dirty="0">
+                <a:solidFill>
+                  <a:srgbClr val="00002F"/>
+                </a:solidFill>
+                <a:latin typeface="메이플스토리" panose="02000300000000000000" pitchFamily="2" charset="-127"/>
+                <a:ea typeface="메이플스토리" panose="02000300000000000000" pitchFamily="2" charset="-127"/>
+              </a:rPr>
+              <a:t>, </a:t>
             </a:r>
             <a:r>
               <a:rPr lang="ko-KR" altLang="en-US" sz="3200" spc="-150" dirty="0">
@@ -7531,7 +11987,7 @@
                 <a:latin typeface="메이플스토리" panose="02000300000000000000" pitchFamily="2" charset="-127"/>
                 <a:ea typeface="메이플스토리" panose="02000300000000000000" pitchFamily="2" charset="-127"/>
               </a:rPr>
-              <a:t>이직률이 높은 집단은</a:t>
+              <a:t>이직을 시작하다</a:t>
             </a:r>
             <a:r>
               <a:rPr lang="en-US" altLang="ko-KR" sz="3200" spc="-150" dirty="0">
@@ -7541,7 +11997,7 @@
                 <a:latin typeface="메이플스토리" panose="02000300000000000000" pitchFamily="2" charset="-127"/>
                 <a:ea typeface="메이플스토리" panose="02000300000000000000" pitchFamily="2" charset="-127"/>
               </a:rPr>
-              <a:t>?</a:t>
+              <a:t>.</a:t>
             </a:r>
             <a:endParaRPr lang="ko-KR" altLang="en-US" sz="3200" spc="-150" dirty="0">
               <a:solidFill>
@@ -7803,8 +12259,70 @@
                 <a:latin typeface="메이플스토리" panose="02000300000000000000" pitchFamily="2" charset="-127"/>
                 <a:ea typeface="메이플스토리" panose="02000300000000000000" pitchFamily="2" charset="-127"/>
               </a:rPr>
-              <a:t>연차와 이직률의 관계</a:t>
-            </a:r>
+              <a:t>연차와 이직률의 관계 </a:t>
+            </a:r>
+            <a:r>
+              <a:rPr lang="en-US" altLang="ko-KR" sz="2000" spc="-150" dirty="0">
+                <a:solidFill>
+                  <a:srgbClr val="00002F"/>
+                </a:solidFill>
+                <a:highlight>
+                  <a:srgbClr val="C0C0C0"/>
+                </a:highlight>
+                <a:latin typeface="메이플스토리" panose="02000300000000000000" pitchFamily="2" charset="-127"/>
+                <a:ea typeface="메이플스토리" panose="02000300000000000000" pitchFamily="2" charset="-127"/>
+              </a:rPr>
+              <a:t>– 3 ~ 6 </a:t>
+            </a:r>
+            <a:r>
+              <a:rPr lang="ko-KR" altLang="en-US" sz="2000" spc="-150" dirty="0" err="1">
+                <a:solidFill>
+                  <a:srgbClr val="00002F"/>
+                </a:solidFill>
+                <a:highlight>
+                  <a:srgbClr val="C0C0C0"/>
+                </a:highlight>
+                <a:latin typeface="메이플스토리" panose="02000300000000000000" pitchFamily="2" charset="-127"/>
+                <a:ea typeface="메이플스토리" panose="02000300000000000000" pitchFamily="2" charset="-127"/>
+              </a:rPr>
+              <a:t>년차에서</a:t>
+            </a:r>
+            <a:r>
+              <a:rPr lang="ko-KR" altLang="en-US" sz="2000" spc="-150" dirty="0">
+                <a:solidFill>
+                  <a:srgbClr val="00002F"/>
+                </a:solidFill>
+                <a:highlight>
+                  <a:srgbClr val="C0C0C0"/>
+                </a:highlight>
+                <a:latin typeface="메이플스토리" panose="02000300000000000000" pitchFamily="2" charset="-127"/>
+                <a:ea typeface="메이플스토리" panose="02000300000000000000" pitchFamily="2" charset="-127"/>
+              </a:rPr>
+              <a:t> 이직이 잦다</a:t>
+            </a:r>
+            <a:r>
+              <a:rPr lang="en-US" altLang="ko-KR" sz="2000" spc="-150" dirty="0">
+                <a:solidFill>
+                  <a:srgbClr val="00002F"/>
+                </a:solidFill>
+                <a:highlight>
+                  <a:srgbClr val="C0C0C0"/>
+                </a:highlight>
+                <a:latin typeface="메이플스토리" panose="02000300000000000000" pitchFamily="2" charset="-127"/>
+                <a:ea typeface="메이플스토리" panose="02000300000000000000" pitchFamily="2" charset="-127"/>
+              </a:rPr>
+              <a:t>.</a:t>
+            </a:r>
+            <a:endParaRPr lang="ko-KR" altLang="en-US" sz="2000" spc="-150" dirty="0">
+              <a:solidFill>
+                <a:srgbClr val="00002F"/>
+              </a:solidFill>
+              <a:highlight>
+                <a:srgbClr val="C0C0C0"/>
+              </a:highlight>
+              <a:latin typeface="메이플스토리" panose="02000300000000000000" pitchFamily="2" charset="-127"/>
+              <a:ea typeface="메이플스토리" panose="02000300000000000000" pitchFamily="2" charset="-127"/>
+            </a:endParaRPr>
           </a:p>
         </p:txBody>
       </p:sp>
